--- a/pres-source/11-recap-and-architecture.pptx
+++ b/pres-source/11-recap-and-architecture.pptx
@@ -5,10 +5,10 @@
     <p:sldMasterId id="2147483648" r:id="rId1"/>
   </p:sldMasterIdLst>
   <p:notesMasterIdLst>
-    <p:notesMasterId r:id="rId26"/>
+    <p:notesMasterId r:id="rId21"/>
   </p:notesMasterIdLst>
   <p:handoutMasterIdLst>
-    <p:handoutMasterId r:id="rId27"/>
+    <p:handoutMasterId r:id="rId22"/>
   </p:handoutMasterIdLst>
   <p:sldIdLst>
     <p:sldId id="256" r:id="rId2"/>
@@ -22,19 +22,14 @@
     <p:sldId id="322" r:id="rId10"/>
     <p:sldId id="323" r:id="rId11"/>
     <p:sldId id="297" r:id="rId12"/>
-    <p:sldId id="310" r:id="rId13"/>
-    <p:sldId id="311" r:id="rId14"/>
-    <p:sldId id="298" r:id="rId15"/>
-    <p:sldId id="324" r:id="rId16"/>
-    <p:sldId id="299" r:id="rId17"/>
-    <p:sldId id="312" r:id="rId18"/>
-    <p:sldId id="314" r:id="rId19"/>
-    <p:sldId id="313" r:id="rId20"/>
-    <p:sldId id="315" r:id="rId21"/>
-    <p:sldId id="316" r:id="rId22"/>
-    <p:sldId id="317" r:id="rId23"/>
-    <p:sldId id="318" r:id="rId24"/>
-    <p:sldId id="293" r:id="rId25"/>
+    <p:sldId id="298" r:id="rId13"/>
+    <p:sldId id="324" r:id="rId14"/>
+    <p:sldId id="299" r:id="rId15"/>
+    <p:sldId id="312" r:id="rId16"/>
+    <p:sldId id="314" r:id="rId17"/>
+    <p:sldId id="325" r:id="rId18"/>
+    <p:sldId id="318" r:id="rId19"/>
+    <p:sldId id="293" r:id="rId20"/>
   </p:sldIdLst>
   <p:sldSz cx="9144000" cy="6858000" type="screen4x3"/>
   <p:notesSz cx="6858000" cy="9144000"/>
@@ -133,6 +128,22 @@
       </a:defRPr>
     </a:lvl9pPr>
   </p:defaultTextStyle>
+  <p:extLst>
+    <p:ext uri="{EFAFB233-063F-42B5-8137-9DF3F51BA10A}">
+      <p15:sldGuideLst xmlns:p15="http://schemas.microsoft.com/office/powerpoint/2012/main">
+        <p15:guide id="1" orient="horz" pos="2160">
+          <p15:clr>
+            <a:srgbClr val="A4A3A4"/>
+          </p15:clr>
+        </p15:guide>
+        <p15:guide id="2" pos="2880">
+          <p15:clr>
+            <a:srgbClr val="A4A3A4"/>
+          </p15:clr>
+        </p15:guide>
+      </p15:sldGuideLst>
+    </p:ext>
+  </p:extLst>
 </p:presentation>
 </file>
 
@@ -218,7 +229,7 @@
           <a:p>
             <a:fld id="{D40B3A9F-5611-4548-8870-FD850D98FAAB}" type="datetimeFigureOut">
               <a:rPr lang="en-US" smtClean="0"/>
-              <a:t>05/12/17</a:t>
+              <a:t>3/1/19</a:t>
             </a:fld>
             <a:endParaRPr lang="en-US"/>
           </a:p>
@@ -388,7 +399,7 @@
             <a:fld id="{7307762F-A706-E543-A832-3C298AA3103F}" type="datetimeFigureOut">
               <a:rPr lang="en-US" smtClean="0"/>
               <a:pPr/>
-              <a:t>05/12/17</a:t>
+              <a:t>3/1/19</a:t>
             </a:fld>
             <a:endParaRPr lang="en-US" dirty="0"/>
           </a:p>
@@ -452,38 +463,37 @@
           <a:p>
             <a:pPr lvl="0"/>
             <a:r>
-              <a:rPr lang="en-US" dirty="0" smtClean="0"/>
+              <a:rPr lang="en-US" dirty="0"/>
               <a:t>Click to edit Master text styles</a:t>
             </a:r>
           </a:p>
           <a:p>
             <a:pPr lvl="1"/>
             <a:r>
-              <a:rPr lang="en-US" dirty="0" smtClean="0"/>
+              <a:rPr lang="en-US" dirty="0"/>
               <a:t>Second level</a:t>
             </a:r>
           </a:p>
           <a:p>
             <a:pPr lvl="2"/>
             <a:r>
-              <a:rPr lang="en-US" dirty="0" smtClean="0"/>
+              <a:rPr lang="en-US" dirty="0"/>
               <a:t>Third level</a:t>
             </a:r>
           </a:p>
           <a:p>
             <a:pPr lvl="3"/>
             <a:r>
-              <a:rPr lang="en-US" dirty="0" smtClean="0"/>
+              <a:rPr lang="en-US" dirty="0"/>
               <a:t>Fourth level</a:t>
             </a:r>
           </a:p>
           <a:p>
             <a:pPr lvl="4"/>
             <a:r>
-              <a:rPr lang="en-US" dirty="0" smtClean="0"/>
+              <a:rPr lang="en-US" dirty="0"/>
               <a:t>Fifth level</a:t>
             </a:r>
-            <a:endParaRPr lang="en-US" dirty="0"/>
           </a:p>
         </p:txBody>
       </p:sp>
@@ -699,10 +709,9 @@
           <a:lstStyle/>
           <a:p>
             <a:r>
-              <a:rPr lang="en-US" smtClean="0"/>
+              <a:rPr lang="en-US"/>
               <a:t>Click to edit Master title style</a:t>
             </a:r>
-            <a:endParaRPr lang="en-US"/>
           </a:p>
         </p:txBody>
       </p:sp>
@@ -818,10 +827,9 @@
           </a:lstStyle>
           <a:p>
             <a:r>
-              <a:rPr lang="en-US" smtClean="0"/>
+              <a:rPr lang="en-US"/>
               <a:t>Click to edit Master subtitle style</a:t>
             </a:r>
-            <a:endParaRPr lang="en-US"/>
           </a:p>
         </p:txBody>
       </p:sp>
@@ -871,10 +879,9 @@
           <a:lstStyle/>
           <a:p>
             <a:r>
-              <a:rPr lang="en-US" smtClean="0"/>
+              <a:rPr lang="en-US"/>
               <a:t>Click to edit Master title style</a:t>
             </a:r>
-            <a:endParaRPr lang="en-US"/>
           </a:p>
         </p:txBody>
       </p:sp>
@@ -895,38 +902,37 @@
           <a:p>
             <a:pPr lvl="0"/>
             <a:r>
-              <a:rPr lang="en-US" smtClean="0"/>
+              <a:rPr lang="en-US"/>
               <a:t>Click to edit Master text styles</a:t>
             </a:r>
           </a:p>
           <a:p>
             <a:pPr lvl="1"/>
             <a:r>
-              <a:rPr lang="en-US" smtClean="0"/>
+              <a:rPr lang="en-US"/>
               <a:t>Second level</a:t>
             </a:r>
           </a:p>
           <a:p>
             <a:pPr lvl="2"/>
             <a:r>
-              <a:rPr lang="en-US" smtClean="0"/>
+              <a:rPr lang="en-US"/>
               <a:t>Third level</a:t>
             </a:r>
           </a:p>
           <a:p>
             <a:pPr lvl="3"/>
             <a:r>
-              <a:rPr lang="en-US" smtClean="0"/>
+              <a:rPr lang="en-US"/>
               <a:t>Fourth level</a:t>
             </a:r>
           </a:p>
           <a:p>
             <a:pPr lvl="4"/>
             <a:r>
-              <a:rPr lang="en-US" smtClean="0"/>
+              <a:rPr lang="en-US"/>
               <a:t>Fifth level</a:t>
             </a:r>
-            <a:endParaRPr lang="en-US"/>
           </a:p>
         </p:txBody>
       </p:sp>
@@ -962,7 +968,7 @@
             <a:fld id="{875CF0EB-321F-0749-B37A-89BBA859503C}" type="datetimeFigureOut">
               <a:rPr lang="en-US" smtClean="0"/>
               <a:pPr/>
-              <a:t>05/12/17</a:t>
+              <a:t>3/1/19</a:t>
             </a:fld>
             <a:endParaRPr lang="en-US" dirty="0"/>
           </a:p>
@@ -1090,10 +1096,9 @@
           <a:lstStyle/>
           <a:p>
             <a:r>
-              <a:rPr lang="en-US" smtClean="0"/>
+              <a:rPr lang="en-US"/>
               <a:t>Click to edit Master title style</a:t>
             </a:r>
-            <a:endParaRPr lang="en-US"/>
           </a:p>
         </p:txBody>
       </p:sp>
@@ -1119,38 +1124,37 @@
           <a:p>
             <a:pPr lvl="0"/>
             <a:r>
-              <a:rPr lang="en-US" smtClean="0"/>
+              <a:rPr lang="en-US"/>
               <a:t>Click to edit Master text styles</a:t>
             </a:r>
           </a:p>
           <a:p>
             <a:pPr lvl="1"/>
             <a:r>
-              <a:rPr lang="en-US" smtClean="0"/>
+              <a:rPr lang="en-US"/>
               <a:t>Second level</a:t>
             </a:r>
           </a:p>
           <a:p>
             <a:pPr lvl="2"/>
             <a:r>
-              <a:rPr lang="en-US" smtClean="0"/>
+              <a:rPr lang="en-US"/>
               <a:t>Third level</a:t>
             </a:r>
           </a:p>
           <a:p>
             <a:pPr lvl="3"/>
             <a:r>
-              <a:rPr lang="en-US" smtClean="0"/>
+              <a:rPr lang="en-US"/>
               <a:t>Fourth level</a:t>
             </a:r>
           </a:p>
           <a:p>
             <a:pPr lvl="4"/>
             <a:r>
-              <a:rPr lang="en-US" smtClean="0"/>
+              <a:rPr lang="en-US"/>
               <a:t>Fifth level</a:t>
             </a:r>
-            <a:endParaRPr lang="en-US"/>
           </a:p>
         </p:txBody>
       </p:sp>
@@ -1186,7 +1190,7 @@
             <a:fld id="{875CF0EB-321F-0749-B37A-89BBA859503C}" type="datetimeFigureOut">
               <a:rPr lang="en-US" smtClean="0"/>
               <a:pPr/>
-              <a:t>05/12/17</a:t>
+              <a:t>3/1/19</a:t>
             </a:fld>
             <a:endParaRPr lang="en-US" dirty="0"/>
           </a:p>
@@ -1309,10 +1313,9 @@
           <a:lstStyle/>
           <a:p>
             <a:r>
-              <a:rPr lang="en-US" smtClean="0"/>
+              <a:rPr lang="en-US"/>
               <a:t>Click to edit Master title style</a:t>
             </a:r>
-            <a:endParaRPr lang="en-US"/>
           </a:p>
         </p:txBody>
       </p:sp>
@@ -1333,38 +1336,37 @@
           <a:p>
             <a:pPr lvl="0"/>
             <a:r>
-              <a:rPr lang="en-US" smtClean="0"/>
+              <a:rPr lang="en-US"/>
               <a:t>Click to edit Master text styles</a:t>
             </a:r>
           </a:p>
           <a:p>
             <a:pPr lvl="1"/>
             <a:r>
-              <a:rPr lang="en-US" smtClean="0"/>
+              <a:rPr lang="en-US"/>
               <a:t>Second level</a:t>
             </a:r>
           </a:p>
           <a:p>
             <a:pPr lvl="2"/>
             <a:r>
-              <a:rPr lang="en-US" smtClean="0"/>
+              <a:rPr lang="en-US"/>
               <a:t>Third level</a:t>
             </a:r>
           </a:p>
           <a:p>
             <a:pPr lvl="3"/>
             <a:r>
-              <a:rPr lang="en-US" smtClean="0"/>
+              <a:rPr lang="en-US"/>
               <a:t>Fourth level</a:t>
             </a:r>
           </a:p>
           <a:p>
             <a:pPr lvl="4"/>
             <a:r>
-              <a:rPr lang="en-US" smtClean="0"/>
+              <a:rPr lang="en-US"/>
               <a:t>Fifth level</a:t>
             </a:r>
-            <a:endParaRPr lang="en-US"/>
           </a:p>
         </p:txBody>
       </p:sp>
@@ -1400,7 +1402,7 @@
             <a:fld id="{875CF0EB-321F-0749-B37A-89BBA859503C}" type="datetimeFigureOut">
               <a:rPr lang="en-US" smtClean="0"/>
               <a:pPr/>
-              <a:t>05/12/17</a:t>
+              <a:t>3/1/19</a:t>
             </a:fld>
             <a:endParaRPr lang="en-US" dirty="0"/>
           </a:p>
@@ -1532,10 +1534,9 @@
           </a:lstStyle>
           <a:p>
             <a:r>
-              <a:rPr lang="en-US" smtClean="0"/>
+              <a:rPr lang="en-US"/>
               <a:t>Click to edit Master title style</a:t>
             </a:r>
-            <a:endParaRPr lang="en-US"/>
           </a:p>
         </p:txBody>
       </p:sp>
@@ -1652,7 +1653,7 @@
           <a:p>
             <a:pPr lvl="0"/>
             <a:r>
-              <a:rPr lang="en-US" smtClean="0"/>
+              <a:rPr lang="en-US"/>
               <a:t>Click to edit Master text styles</a:t>
             </a:r>
           </a:p>
@@ -1690,7 +1691,7 @@
             <a:fld id="{875CF0EB-321F-0749-B37A-89BBA859503C}" type="datetimeFigureOut">
               <a:rPr lang="en-US" smtClean="0"/>
               <a:pPr/>
-              <a:t>05/12/17</a:t>
+              <a:t>3/1/19</a:t>
             </a:fld>
             <a:endParaRPr lang="en-US" dirty="0"/>
           </a:p>
@@ -1813,10 +1814,9 @@
           <a:lstStyle/>
           <a:p>
             <a:r>
-              <a:rPr lang="en-US" smtClean="0"/>
+              <a:rPr lang="en-US"/>
               <a:t>Click to edit Master title style</a:t>
             </a:r>
-            <a:endParaRPr lang="en-US"/>
           </a:p>
         </p:txBody>
       </p:sp>
@@ -1870,38 +1870,37 @@
           <a:p>
             <a:pPr lvl="0"/>
             <a:r>
-              <a:rPr lang="en-US" smtClean="0"/>
+              <a:rPr lang="en-US"/>
               <a:t>Click to edit Master text styles</a:t>
             </a:r>
           </a:p>
           <a:p>
             <a:pPr lvl="1"/>
             <a:r>
-              <a:rPr lang="en-US" smtClean="0"/>
+              <a:rPr lang="en-US"/>
               <a:t>Second level</a:t>
             </a:r>
           </a:p>
           <a:p>
             <a:pPr lvl="2"/>
             <a:r>
-              <a:rPr lang="en-US" smtClean="0"/>
+              <a:rPr lang="en-US"/>
               <a:t>Third level</a:t>
             </a:r>
           </a:p>
           <a:p>
             <a:pPr lvl="3"/>
             <a:r>
-              <a:rPr lang="en-US" smtClean="0"/>
+              <a:rPr lang="en-US"/>
               <a:t>Fourth level</a:t>
             </a:r>
           </a:p>
           <a:p>
             <a:pPr lvl="4"/>
             <a:r>
-              <a:rPr lang="en-US" smtClean="0"/>
+              <a:rPr lang="en-US"/>
               <a:t>Fifth level</a:t>
             </a:r>
-            <a:endParaRPr lang="en-US"/>
           </a:p>
         </p:txBody>
       </p:sp>
@@ -1955,38 +1954,37 @@
           <a:p>
             <a:pPr lvl="0"/>
             <a:r>
-              <a:rPr lang="en-US" smtClean="0"/>
+              <a:rPr lang="en-US"/>
               <a:t>Click to edit Master text styles</a:t>
             </a:r>
           </a:p>
           <a:p>
             <a:pPr lvl="1"/>
             <a:r>
-              <a:rPr lang="en-US" smtClean="0"/>
+              <a:rPr lang="en-US"/>
               <a:t>Second level</a:t>
             </a:r>
           </a:p>
           <a:p>
             <a:pPr lvl="2"/>
             <a:r>
-              <a:rPr lang="en-US" smtClean="0"/>
+              <a:rPr lang="en-US"/>
               <a:t>Third level</a:t>
             </a:r>
           </a:p>
           <a:p>
             <a:pPr lvl="3"/>
             <a:r>
-              <a:rPr lang="en-US" smtClean="0"/>
+              <a:rPr lang="en-US"/>
               <a:t>Fourth level</a:t>
             </a:r>
           </a:p>
           <a:p>
             <a:pPr lvl="4"/>
             <a:r>
-              <a:rPr lang="en-US" smtClean="0"/>
+              <a:rPr lang="en-US"/>
               <a:t>Fifth level</a:t>
             </a:r>
-            <a:endParaRPr lang="en-US"/>
           </a:p>
         </p:txBody>
       </p:sp>
@@ -2022,7 +2020,7 @@
             <a:fld id="{875CF0EB-321F-0749-B37A-89BBA859503C}" type="datetimeFigureOut">
               <a:rPr lang="en-US" smtClean="0"/>
               <a:pPr/>
-              <a:t>05/12/17</a:t>
+              <a:t>3/1/19</a:t>
             </a:fld>
             <a:endParaRPr lang="en-US" dirty="0"/>
           </a:p>
@@ -2149,10 +2147,9 @@
           </a:lstStyle>
           <a:p>
             <a:r>
-              <a:rPr lang="en-US" smtClean="0"/>
+              <a:rPr lang="en-US"/>
               <a:t>Click to edit Master title style</a:t>
             </a:r>
-            <a:endParaRPr lang="en-US"/>
           </a:p>
         </p:txBody>
       </p:sp>
@@ -2215,7 +2212,7 @@
           <a:p>
             <a:pPr lvl="0"/>
             <a:r>
-              <a:rPr lang="en-US" smtClean="0"/>
+              <a:rPr lang="en-US"/>
               <a:t>Click to edit Master text styles</a:t>
             </a:r>
           </a:p>
@@ -2271,38 +2268,37 @@
           <a:p>
             <a:pPr lvl="0"/>
             <a:r>
-              <a:rPr lang="en-US" smtClean="0"/>
+              <a:rPr lang="en-US"/>
               <a:t>Click to edit Master text styles</a:t>
             </a:r>
           </a:p>
           <a:p>
             <a:pPr lvl="1"/>
             <a:r>
-              <a:rPr lang="en-US" smtClean="0"/>
+              <a:rPr lang="en-US"/>
               <a:t>Second level</a:t>
             </a:r>
           </a:p>
           <a:p>
             <a:pPr lvl="2"/>
             <a:r>
-              <a:rPr lang="en-US" smtClean="0"/>
+              <a:rPr lang="en-US"/>
               <a:t>Third level</a:t>
             </a:r>
           </a:p>
           <a:p>
             <a:pPr lvl="3"/>
             <a:r>
-              <a:rPr lang="en-US" smtClean="0"/>
+              <a:rPr lang="en-US"/>
               <a:t>Fourth level</a:t>
             </a:r>
           </a:p>
           <a:p>
             <a:pPr lvl="4"/>
             <a:r>
-              <a:rPr lang="en-US" smtClean="0"/>
+              <a:rPr lang="en-US"/>
               <a:t>Fifth level</a:t>
             </a:r>
-            <a:endParaRPr lang="en-US"/>
           </a:p>
         </p:txBody>
       </p:sp>
@@ -2365,7 +2361,7 @@
           <a:p>
             <a:pPr lvl="0"/>
             <a:r>
-              <a:rPr lang="en-US" smtClean="0"/>
+              <a:rPr lang="en-US"/>
               <a:t>Click to edit Master text styles</a:t>
             </a:r>
           </a:p>
@@ -2421,38 +2417,37 @@
           <a:p>
             <a:pPr lvl="0"/>
             <a:r>
-              <a:rPr lang="en-US" smtClean="0"/>
+              <a:rPr lang="en-US"/>
               <a:t>Click to edit Master text styles</a:t>
             </a:r>
           </a:p>
           <a:p>
             <a:pPr lvl="1"/>
             <a:r>
-              <a:rPr lang="en-US" smtClean="0"/>
+              <a:rPr lang="en-US"/>
               <a:t>Second level</a:t>
             </a:r>
           </a:p>
           <a:p>
             <a:pPr lvl="2"/>
             <a:r>
-              <a:rPr lang="en-US" smtClean="0"/>
+              <a:rPr lang="en-US"/>
               <a:t>Third level</a:t>
             </a:r>
           </a:p>
           <a:p>
             <a:pPr lvl="3"/>
             <a:r>
-              <a:rPr lang="en-US" smtClean="0"/>
+              <a:rPr lang="en-US"/>
               <a:t>Fourth level</a:t>
             </a:r>
           </a:p>
           <a:p>
             <a:pPr lvl="4"/>
             <a:r>
-              <a:rPr lang="en-US" smtClean="0"/>
+              <a:rPr lang="en-US"/>
               <a:t>Fifth level</a:t>
             </a:r>
-            <a:endParaRPr lang="en-US"/>
           </a:p>
         </p:txBody>
       </p:sp>
@@ -2488,7 +2483,7 @@
             <a:fld id="{875CF0EB-321F-0749-B37A-89BBA859503C}" type="datetimeFigureOut">
               <a:rPr lang="en-US" smtClean="0"/>
               <a:pPr/>
-              <a:t>05/12/17</a:t>
+              <a:t>3/1/19</a:t>
             </a:fld>
             <a:endParaRPr lang="en-US" dirty="0"/>
           </a:p>
@@ -2611,10 +2606,9 @@
           <a:lstStyle/>
           <a:p>
             <a:r>
-              <a:rPr lang="en-US" smtClean="0"/>
+              <a:rPr lang="en-US"/>
               <a:t>Click to edit Master title style</a:t>
             </a:r>
-            <a:endParaRPr lang="en-US"/>
           </a:p>
         </p:txBody>
       </p:sp>
@@ -2650,7 +2644,7 @@
             <a:fld id="{875CF0EB-321F-0749-B37A-89BBA859503C}" type="datetimeFigureOut">
               <a:rPr lang="en-US" smtClean="0"/>
               <a:pPr/>
-              <a:t>05/12/17</a:t>
+              <a:t>3/1/19</a:t>
             </a:fld>
             <a:endParaRPr lang="en-US" dirty="0"/>
           </a:p>
@@ -2789,7 +2783,7 @@
             <a:fld id="{875CF0EB-321F-0749-B37A-89BBA859503C}" type="datetimeFigureOut">
               <a:rPr lang="en-US" smtClean="0"/>
               <a:pPr/>
-              <a:t>05/12/17</a:t>
+              <a:t>3/1/19</a:t>
             </a:fld>
             <a:endParaRPr lang="en-US" dirty="0"/>
           </a:p>
@@ -2921,10 +2915,9 @@
           </a:lstStyle>
           <a:p>
             <a:r>
-              <a:rPr lang="en-US" smtClean="0"/>
+              <a:rPr lang="en-US"/>
               <a:t>Click to edit Master title style</a:t>
             </a:r>
-            <a:endParaRPr lang="en-US"/>
           </a:p>
         </p:txBody>
       </p:sp>
@@ -2978,38 +2971,37 @@
           <a:p>
             <a:pPr lvl="0"/>
             <a:r>
-              <a:rPr lang="en-US" smtClean="0"/>
+              <a:rPr lang="en-US"/>
               <a:t>Click to edit Master text styles</a:t>
             </a:r>
           </a:p>
           <a:p>
             <a:pPr lvl="1"/>
             <a:r>
-              <a:rPr lang="en-US" smtClean="0"/>
+              <a:rPr lang="en-US"/>
               <a:t>Second level</a:t>
             </a:r>
           </a:p>
           <a:p>
             <a:pPr lvl="2"/>
             <a:r>
-              <a:rPr lang="en-US" smtClean="0"/>
+              <a:rPr lang="en-US"/>
               <a:t>Third level</a:t>
             </a:r>
           </a:p>
           <a:p>
             <a:pPr lvl="3"/>
             <a:r>
-              <a:rPr lang="en-US" smtClean="0"/>
+              <a:rPr lang="en-US"/>
               <a:t>Fourth level</a:t>
             </a:r>
           </a:p>
           <a:p>
             <a:pPr lvl="4"/>
             <a:r>
-              <a:rPr lang="en-US" smtClean="0"/>
+              <a:rPr lang="en-US"/>
               <a:t>Fifth level</a:t>
             </a:r>
-            <a:endParaRPr lang="en-US"/>
           </a:p>
         </p:txBody>
       </p:sp>
@@ -3072,7 +3064,7 @@
           <a:p>
             <a:pPr lvl="0"/>
             <a:r>
-              <a:rPr lang="en-US" smtClean="0"/>
+              <a:rPr lang="en-US"/>
               <a:t>Click to edit Master text styles</a:t>
             </a:r>
           </a:p>
@@ -3110,7 +3102,7 @@
             <a:fld id="{875CF0EB-321F-0749-B37A-89BBA859503C}" type="datetimeFigureOut">
               <a:rPr lang="en-US" smtClean="0"/>
               <a:pPr/>
-              <a:t>05/12/17</a:t>
+              <a:t>3/1/19</a:t>
             </a:fld>
             <a:endParaRPr lang="en-US" dirty="0"/>
           </a:p>
@@ -3242,10 +3234,9 @@
           </a:lstStyle>
           <a:p>
             <a:r>
-              <a:rPr lang="en-US" smtClean="0"/>
+              <a:rPr lang="en-US"/>
               <a:t>Click to edit Master title style</a:t>
             </a:r>
-            <a:endParaRPr lang="en-US"/>
           </a:p>
         </p:txBody>
       </p:sp>
@@ -3369,7 +3360,7 @@
           <a:p>
             <a:pPr lvl="0"/>
             <a:r>
-              <a:rPr lang="en-US" smtClean="0"/>
+              <a:rPr lang="en-US"/>
               <a:t>Click to edit Master text styles</a:t>
             </a:r>
           </a:p>
@@ -3407,7 +3398,7 @@
             <a:fld id="{875CF0EB-321F-0749-B37A-89BBA859503C}" type="datetimeFigureOut">
               <a:rPr lang="en-US" smtClean="0"/>
               <a:pPr/>
-              <a:t>05/12/17</a:t>
+              <a:t>3/1/19</a:t>
             </a:fld>
             <a:endParaRPr lang="en-US" dirty="0"/>
           </a:p>
@@ -3545,10 +3536,9 @@
           <a:lstStyle/>
           <a:p>
             <a:r>
-              <a:rPr lang="en-US" dirty="0" smtClean="0"/>
+              <a:rPr lang="en-US" dirty="0"/>
               <a:t>Click to edit Master title style</a:t>
             </a:r>
-            <a:endParaRPr lang="en-US" dirty="0"/>
           </a:p>
         </p:txBody>
       </p:sp>
@@ -3579,38 +3569,37 @@
           <a:p>
             <a:pPr lvl="0"/>
             <a:r>
-              <a:rPr lang="en-US" dirty="0" smtClean="0"/>
+              <a:rPr lang="en-US" dirty="0"/>
               <a:t>Click to edit Master text styles</a:t>
             </a:r>
           </a:p>
           <a:p>
             <a:pPr lvl="1"/>
             <a:r>
-              <a:rPr lang="en-US" dirty="0" smtClean="0"/>
+              <a:rPr lang="en-US" dirty="0"/>
               <a:t>Second level</a:t>
             </a:r>
           </a:p>
           <a:p>
             <a:pPr lvl="2"/>
             <a:r>
-              <a:rPr lang="en-US" dirty="0" smtClean="0"/>
+              <a:rPr lang="en-US" dirty="0"/>
               <a:t>Third level</a:t>
             </a:r>
           </a:p>
           <a:p>
             <a:pPr lvl="3"/>
             <a:r>
-              <a:rPr lang="en-US" dirty="0" smtClean="0"/>
+              <a:rPr lang="en-US" dirty="0"/>
               <a:t>Fourth level</a:t>
             </a:r>
           </a:p>
           <a:p>
             <a:pPr lvl="4"/>
             <a:r>
-              <a:rPr lang="en-US" dirty="0" smtClean="0"/>
+              <a:rPr lang="en-US" dirty="0"/>
               <a:t>Fifth level</a:t>
             </a:r>
-            <a:endParaRPr lang="en-US" dirty="0"/>
           </a:p>
         </p:txBody>
       </p:sp>
@@ -3636,14 +3625,14 @@
           </a:ln>
           <a:extLst>
             <a:ext uri="{909E8E84-426E-40dd-AFC4-6F175D3DCCD1}">
-              <a14:hiddenFill xmlns:a14="http://schemas.microsoft.com/office/drawing/2010/main">
+              <a14:hiddenFill xmlns="" xmlns:a14="http://schemas.microsoft.com/office/drawing/2010/main">
                 <a:solidFill>
                   <a:srgbClr val="FFFFFF"/>
                 </a:solidFill>
               </a14:hiddenFill>
             </a:ext>
             <a:ext uri="{91240B29-F687-4f45-9708-019B960494DF}">
-              <a14:hiddenLine xmlns:a14="http://schemas.microsoft.com/office/drawing/2010/main" w="9525">
+              <a14:hiddenLine xmlns="" xmlns:a14="http://schemas.microsoft.com/office/drawing/2010/main" w="9525">
                 <a:solidFill>
                   <a:srgbClr val="000000"/>
                 </a:solidFill>
@@ -3797,7 +3786,7 @@
               <a:defRPr/>
             </a:pPr>
             <a:r>
-              <a:rPr lang="en-US" sz="700" dirty="0" smtClean="0">
+              <a:rPr lang="en-US" sz="700" dirty="0">
                 <a:latin typeface="Montserrat"/>
               </a:rPr>
               <a:t>© Paul Fremantle 2015.  This work is licensed under a Creative Commons</a:t>
@@ -3808,55 +3797,55 @@
               <a:defRPr/>
             </a:pPr>
             <a:r>
-              <a:rPr lang="en-US" sz="700" dirty="0" smtClean="0">
+              <a:rPr lang="en-US" sz="700" dirty="0">
                 <a:latin typeface="Montserrat"/>
               </a:rPr>
               <a:t> Attribution-</a:t>
             </a:r>
             <a:r>
-              <a:rPr lang="en-US" sz="700" dirty="0" err="1" smtClean="0">
+              <a:rPr lang="en-US" sz="700" dirty="0" err="1">
                 <a:latin typeface="Montserrat"/>
               </a:rPr>
               <a:t>NonCommercial</a:t>
             </a:r>
             <a:r>
-              <a:rPr lang="en-US" sz="700" dirty="0" smtClean="0">
+              <a:rPr lang="en-US" sz="700" dirty="0">
                 <a:latin typeface="Montserrat"/>
               </a:rPr>
               <a:t>-</a:t>
             </a:r>
             <a:r>
-              <a:rPr lang="en-US" sz="700" dirty="0" err="1" smtClean="0">
+              <a:rPr lang="en-US" sz="700" dirty="0" err="1">
                 <a:latin typeface="Montserrat"/>
               </a:rPr>
               <a:t>ShareAlike</a:t>
             </a:r>
             <a:r>
-              <a:rPr lang="en-US" sz="700" dirty="0" smtClean="0">
+              <a:rPr lang="en-US" sz="700" dirty="0">
                 <a:latin typeface="Montserrat"/>
               </a:rPr>
               <a:t> 4.0 International License</a:t>
             </a:r>
             <a:br>
-              <a:rPr lang="en-US" sz="700" dirty="0" smtClean="0">
+              <a:rPr lang="en-US" sz="700" dirty="0">
                 <a:latin typeface="Montserrat"/>
               </a:rPr>
             </a:br>
             <a:r>
-              <a:rPr lang="en-US" sz="700" dirty="0" smtClean="0">
+              <a:rPr lang="en-US" sz="700" dirty="0">
                 <a:latin typeface="Montserrat"/>
               </a:rPr>
               <a:t>See  </a:t>
             </a:r>
             <a:r>
-              <a:rPr lang="en-US" sz="700" dirty="0" smtClean="0">
+              <a:rPr lang="en-US" sz="700" dirty="0">
                 <a:latin typeface="Montserrat"/>
                 <a:hlinkClick r:id="rId13"/>
               </a:rPr>
               <a:t>http://creativecommons.org/licenses/by-nc-sa/4.0/</a:t>
             </a:r>
             <a:r>
-              <a:rPr lang="en-US" sz="700" dirty="0" smtClean="0">
+              <a:rPr lang="en-US" sz="700" dirty="0">
                 <a:latin typeface="Montserrat"/>
               </a:rPr>
               <a:t> </a:t>
@@ -4197,14 +4186,14 @@
           <a:noFill/>
           <a:extLst>
             <a:ext uri="{909E8E84-426E-40dd-AFC4-6F175D3DCCD1}">
-              <a14:hiddenFill xmlns:a14="http://schemas.microsoft.com/office/drawing/2010/main">
+              <a14:hiddenFill xmlns="" xmlns:a14="http://schemas.microsoft.com/office/drawing/2010/main">
                 <a:solidFill>
                   <a:srgbClr val="FFFFFF"/>
                 </a:solidFill>
               </a14:hiddenFill>
             </a:ext>
             <a:ext uri="{91240B29-F687-4f45-9708-019B960494DF}">
-              <a14:hiddenLine xmlns:a14="http://schemas.microsoft.com/office/drawing/2010/main" w="9525">
+              <a14:hiddenLine xmlns="" xmlns:a14="http://schemas.microsoft.com/office/drawing/2010/main" w="9525">
                 <a:solidFill>
                   <a:srgbClr val="000000"/>
                 </a:solidFill>
@@ -4226,24 +4215,11 @@
           <a:p>
             <a:pPr eaLnBrk="1" hangingPunct="1"/>
             <a:r>
-              <a:rPr lang="en-US" sz="4000" dirty="0" smtClean="0">
+              <a:rPr lang="en-US" sz="4000" dirty="0">
                 <a:ea typeface="ヒラギノ角ゴ ProN W3" charset="0"/>
                 <a:cs typeface="ヒラギノ角ゴ ProN W3" charset="0"/>
               </a:rPr>
               <a:t>Big Data Engineering</a:t>
-            </a:r>
-            <a:br>
-              <a:rPr lang="en-US" sz="4000" dirty="0" smtClean="0">
-                <a:ea typeface="ヒラギノ角ゴ ProN W3" charset="0"/>
-                <a:cs typeface="ヒラギノ角ゴ ProN W3" charset="0"/>
-              </a:rPr>
-            </a:br>
-            <a:r>
-              <a:rPr lang="en-US" sz="4000" dirty="0">
-                <a:ea typeface="ヒラギノ角ゴ ProN W3" charset="0"/>
-                <a:cs typeface="ヒラギノ角ゴ ProN W3" charset="0"/>
-              </a:rPr>
-              <a:t/>
             </a:r>
             <a:br>
               <a:rPr lang="en-US" sz="4000" dirty="0">
@@ -4251,21 +4227,20 @@
                 <a:cs typeface="ヒラギノ角ゴ ProN W3" charset="0"/>
               </a:rPr>
             </a:br>
-            <a:r>
-              <a:rPr lang="en-US" sz="4000" dirty="0" smtClean="0">
-                <a:ea typeface="ヒラギノ角ゴ ProN W3" charset="0"/>
-                <a:cs typeface="ヒラギノ角ゴ ProN W3" charset="0"/>
-              </a:rPr>
-              <a:t/>
-            </a:r>
             <a:br>
-              <a:rPr lang="en-US" sz="4000" dirty="0" smtClean="0">
+              <a:rPr lang="en-US" sz="4000" dirty="0">
                 <a:ea typeface="ヒラギノ角ゴ ProN W3" charset="0"/>
                 <a:cs typeface="ヒラギノ角ゴ ProN W3" charset="0"/>
               </a:rPr>
             </a:br>
-            <a:r>
-              <a:rPr lang="en-US" sz="4000" dirty="0" smtClean="0">
+            <a:br>
+              <a:rPr lang="en-US" sz="4000" dirty="0">
+                <a:ea typeface="ヒラギノ角ゴ ProN W3" charset="0"/>
+                <a:cs typeface="ヒラギノ角ゴ ProN W3" charset="0"/>
+              </a:rPr>
+            </a:br>
+            <a:r>
+              <a:rPr lang="en-US" sz="4000" dirty="0">
                 <a:ea typeface="ヒラギノ角ゴ ProN W3" charset="0"/>
                 <a:cs typeface="ヒラギノ角ゴ ProN W3" charset="0"/>
               </a:rPr>
@@ -4275,6 +4250,250 @@
               <a:ea typeface="ヒラギノ角ゴ ProN W3" charset="0"/>
               <a:cs typeface="ヒラギノ角ゴ ProN W3" charset="0"/>
             </a:endParaRPr>
+          </a:p>
+        </p:txBody>
+      </p:sp>
+      <p:sp>
+        <p:nvSpPr>
+          <p:cNvPr id="3" name="Subtitle 4">
+            <a:extLst>
+              <a:ext uri="{FF2B5EF4-FFF2-40B4-BE49-F238E27FC236}">
+                <a16:creationId xmlns:a16="http://schemas.microsoft.com/office/drawing/2014/main" id="{F5FCD88C-F32C-B543-9375-30C73112D39F}"/>
+              </a:ext>
+            </a:extLst>
+          </p:cNvPr>
+          <p:cNvSpPr txBox="1">
+            <a:spLocks/>
+          </p:cNvSpPr>
+          <p:nvPr/>
+        </p:nvSpPr>
+        <p:spPr bwMode="auto">
+          <a:xfrm>
+            <a:off x="1371824" y="4162310"/>
+            <a:ext cx="6400354" cy="1752451"/>
+          </a:xfrm>
+          <a:prstGeom prst="rect">
+            <a:avLst/>
+          </a:prstGeom>
+          <a:noFill/>
+          <a:extLst>
+            <a:ext uri="{909E8E84-426E-40dd-AFC4-6F175D3DCCD1}">
+              <a14:hiddenFill xmlns="" xmlns:a14="http://schemas.microsoft.com/office/drawing/2010/main">
+                <a:solidFill>
+                  <a:srgbClr val="FFFFFF"/>
+                </a:solidFill>
+              </a14:hiddenFill>
+            </a:ext>
+            <a:ext uri="{91240B29-F687-4f45-9708-019B960494DF}">
+              <a14:hiddenLine xmlns="" xmlns:a14="http://schemas.microsoft.com/office/drawing/2010/main" w="9525">
+                <a:solidFill>
+                  <a:srgbClr val="000000"/>
+                </a:solidFill>
+                <a:miter lim="800000"/>
+                <a:headEnd/>
+                <a:tailEnd/>
+              </a14:hiddenLine>
+            </a:ext>
+          </a:extLst>
+        </p:spPr>
+        <p:txBody>
+          <a:bodyPr vert="horz" wrap="square" lIns="64291" tIns="32146" rIns="64291" bIns="32146" numCol="1" rtlCol="0" anchor="t" anchorCtr="0" compatLnSpc="1">
+            <a:prstTxWarp prst="textNoShape">
+              <a:avLst/>
+            </a:prstTxWarp>
+            <a:normAutofit/>
+          </a:bodyPr>
+          <a:lstStyle>
+            <a:lvl1pPr marL="0" indent="0" algn="ctr" defTabSz="914400" rtl="0" eaLnBrk="1" latinLnBrk="0" hangingPunct="1">
+              <a:lnSpc>
+                <a:spcPct val="90000"/>
+              </a:lnSpc>
+              <a:spcBef>
+                <a:spcPts val="1000"/>
+              </a:spcBef>
+              <a:buFont typeface="Arial" panose="020B0604020202020204" pitchFamily="34" charset="0"/>
+              <a:buNone/>
+              <a:defRPr sz="2400" kern="1200">
+                <a:solidFill>
+                  <a:schemeClr val="tx1"/>
+                </a:solidFill>
+                <a:latin typeface="+mn-lt"/>
+                <a:ea typeface="+mn-ea"/>
+                <a:cs typeface="+mn-cs"/>
+              </a:defRPr>
+            </a:lvl1pPr>
+            <a:lvl2pPr marL="457200" indent="0" algn="ctr" defTabSz="914400" rtl="0" eaLnBrk="1" latinLnBrk="0" hangingPunct="1">
+              <a:lnSpc>
+                <a:spcPct val="90000"/>
+              </a:lnSpc>
+              <a:spcBef>
+                <a:spcPts val="500"/>
+              </a:spcBef>
+              <a:buFont typeface="Arial" panose="020B0604020202020204" pitchFamily="34" charset="0"/>
+              <a:buNone/>
+              <a:defRPr sz="2000" kern="1200">
+                <a:solidFill>
+                  <a:schemeClr val="tx1"/>
+                </a:solidFill>
+                <a:latin typeface="+mn-lt"/>
+                <a:ea typeface="+mn-ea"/>
+                <a:cs typeface="+mn-cs"/>
+              </a:defRPr>
+            </a:lvl2pPr>
+            <a:lvl3pPr marL="914400" indent="0" algn="ctr" defTabSz="914400" rtl="0" eaLnBrk="1" latinLnBrk="0" hangingPunct="1">
+              <a:lnSpc>
+                <a:spcPct val="90000"/>
+              </a:lnSpc>
+              <a:spcBef>
+                <a:spcPts val="500"/>
+              </a:spcBef>
+              <a:buFont typeface="Arial" panose="020B0604020202020204" pitchFamily="34" charset="0"/>
+              <a:buNone/>
+              <a:defRPr sz="1800" kern="1200">
+                <a:solidFill>
+                  <a:schemeClr val="tx1"/>
+                </a:solidFill>
+                <a:latin typeface="+mn-lt"/>
+                <a:ea typeface="+mn-ea"/>
+                <a:cs typeface="+mn-cs"/>
+              </a:defRPr>
+            </a:lvl3pPr>
+            <a:lvl4pPr marL="1371600" indent="0" algn="ctr" defTabSz="914400" rtl="0" eaLnBrk="1" latinLnBrk="0" hangingPunct="1">
+              <a:lnSpc>
+                <a:spcPct val="90000"/>
+              </a:lnSpc>
+              <a:spcBef>
+                <a:spcPts val="500"/>
+              </a:spcBef>
+              <a:buFont typeface="Arial" panose="020B0604020202020204" pitchFamily="34" charset="0"/>
+              <a:buNone/>
+              <a:defRPr sz="1600" kern="1200">
+                <a:solidFill>
+                  <a:schemeClr val="tx1"/>
+                </a:solidFill>
+                <a:latin typeface="+mn-lt"/>
+                <a:ea typeface="+mn-ea"/>
+                <a:cs typeface="+mn-cs"/>
+              </a:defRPr>
+            </a:lvl4pPr>
+            <a:lvl5pPr marL="1828800" indent="0" algn="ctr" defTabSz="914400" rtl="0" eaLnBrk="1" latinLnBrk="0" hangingPunct="1">
+              <a:lnSpc>
+                <a:spcPct val="90000"/>
+              </a:lnSpc>
+              <a:spcBef>
+                <a:spcPts val="500"/>
+              </a:spcBef>
+              <a:buFont typeface="Arial" panose="020B0604020202020204" pitchFamily="34" charset="0"/>
+              <a:buNone/>
+              <a:defRPr sz="1600" kern="1200">
+                <a:solidFill>
+                  <a:schemeClr val="tx1"/>
+                </a:solidFill>
+                <a:latin typeface="+mn-lt"/>
+                <a:ea typeface="+mn-ea"/>
+                <a:cs typeface="+mn-cs"/>
+              </a:defRPr>
+            </a:lvl5pPr>
+            <a:lvl6pPr marL="2286000" indent="0" algn="ctr" defTabSz="914400" rtl="0" eaLnBrk="1" latinLnBrk="0" hangingPunct="1">
+              <a:lnSpc>
+                <a:spcPct val="90000"/>
+              </a:lnSpc>
+              <a:spcBef>
+                <a:spcPts val="500"/>
+              </a:spcBef>
+              <a:buFont typeface="Arial" panose="020B0604020202020204" pitchFamily="34" charset="0"/>
+              <a:buNone/>
+              <a:defRPr sz="1600" kern="1200">
+                <a:solidFill>
+                  <a:schemeClr val="tx1"/>
+                </a:solidFill>
+                <a:latin typeface="+mn-lt"/>
+                <a:ea typeface="+mn-ea"/>
+                <a:cs typeface="+mn-cs"/>
+              </a:defRPr>
+            </a:lvl6pPr>
+            <a:lvl7pPr marL="2743200" indent="0" algn="ctr" defTabSz="914400" rtl="0" eaLnBrk="1" latinLnBrk="0" hangingPunct="1">
+              <a:lnSpc>
+                <a:spcPct val="90000"/>
+              </a:lnSpc>
+              <a:spcBef>
+                <a:spcPts val="500"/>
+              </a:spcBef>
+              <a:buFont typeface="Arial" panose="020B0604020202020204" pitchFamily="34" charset="0"/>
+              <a:buNone/>
+              <a:defRPr sz="1600" kern="1200">
+                <a:solidFill>
+                  <a:schemeClr val="tx1"/>
+                </a:solidFill>
+                <a:latin typeface="+mn-lt"/>
+                <a:ea typeface="+mn-ea"/>
+                <a:cs typeface="+mn-cs"/>
+              </a:defRPr>
+            </a:lvl7pPr>
+            <a:lvl8pPr marL="3200400" indent="0" algn="ctr" defTabSz="914400" rtl="0" eaLnBrk="1" latinLnBrk="0" hangingPunct="1">
+              <a:lnSpc>
+                <a:spcPct val="90000"/>
+              </a:lnSpc>
+              <a:spcBef>
+                <a:spcPts val="500"/>
+              </a:spcBef>
+              <a:buFont typeface="Arial" panose="020B0604020202020204" pitchFamily="34" charset="0"/>
+              <a:buNone/>
+              <a:defRPr sz="1600" kern="1200">
+                <a:solidFill>
+                  <a:schemeClr val="tx1"/>
+                </a:solidFill>
+                <a:latin typeface="+mn-lt"/>
+                <a:ea typeface="+mn-ea"/>
+                <a:cs typeface="+mn-cs"/>
+              </a:defRPr>
+            </a:lvl8pPr>
+            <a:lvl9pPr marL="3657600" indent="0" algn="ctr" defTabSz="914400" rtl="0" eaLnBrk="1" latinLnBrk="0" hangingPunct="1">
+              <a:lnSpc>
+                <a:spcPct val="90000"/>
+              </a:lnSpc>
+              <a:spcBef>
+                <a:spcPts val="500"/>
+              </a:spcBef>
+              <a:buFont typeface="Arial" panose="020B0604020202020204" pitchFamily="34" charset="0"/>
+              <a:buNone/>
+              <a:defRPr sz="1600" kern="1200">
+                <a:solidFill>
+                  <a:schemeClr val="tx1"/>
+                </a:solidFill>
+                <a:latin typeface="+mn-lt"/>
+                <a:ea typeface="+mn-ea"/>
+                <a:cs typeface="+mn-cs"/>
+              </a:defRPr>
+            </a:lvl9pPr>
+          </a:lstStyle>
+          <a:p>
+            <a:r>
+              <a:rPr lang="en-US" sz="3200" dirty="0">
+                <a:solidFill>
+                  <a:schemeClr val="bg1">
+                    <a:lumMod val="65000"/>
+                  </a:schemeClr>
+                </a:solidFill>
+                <a:ea typeface="ヒラギノ角ゴ ProN W3" charset="0"/>
+                <a:cs typeface="ヒラギノ角ゴ ProN W3" charset="0"/>
+              </a:rPr>
+              <a:t>Julie Weeds</a:t>
+            </a:r>
+          </a:p>
+          <a:p>
+            <a:r>
+              <a:rPr lang="en-US" sz="3200" dirty="0">
+                <a:solidFill>
+                  <a:schemeClr val="bg1">
+                    <a:lumMod val="65000"/>
+                  </a:schemeClr>
+                </a:solidFill>
+                <a:ea typeface="ヒラギノ角ゴ ProN W3" charset="0"/>
+                <a:cs typeface="ヒラギノ角ゴ ProN W3" charset="0"/>
+              </a:rPr>
+              <a:t>March 2019</a:t>
+            </a:r>
           </a:p>
         </p:txBody>
       </p:sp>
@@ -4288,21 +4507,6 @@
   <p:clrMapOvr>
     <a:masterClrMapping/>
   </p:clrMapOvr>
-  <mc:AlternateContent xmlns:mc="http://schemas.openxmlformats.org/markup-compatibility/2006" xmlns:p14="http://schemas.microsoft.com/office/powerpoint/2010/main">
-    <mc:Choice Requires="p14">
-      <p:transition spd="slow" p14:dur="2000"/>
-    </mc:Choice>
-    <mc:Fallback xmlns="">
-      <p:transition xmlns:p14="http://schemas.microsoft.com/office/powerpoint/2010/main" spd="slow"/>
-    </mc:Fallback>
-  </mc:AlternateContent>
-  <p:timing>
-    <p:tnLst>
-      <p:par>
-        <p:cTn xmlns:p14="http://schemas.microsoft.com/office/powerpoint/2010/main" id="1" dur="indefinite" restart="never" nodeType="tmRoot"/>
-      </p:par>
-    </p:tnLst>
-  </p:timing>
 </p:sld>
 </file>
 
@@ -4339,18 +4543,17 @@
           <a:lstStyle/>
           <a:p>
             <a:r>
-              <a:rPr lang="en-US" dirty="0" smtClean="0"/>
+              <a:rPr lang="en-US" dirty="0"/>
               <a:t>How do I </a:t>
             </a:r>
             <a:r>
-              <a:rPr lang="en-US" dirty="0" err="1" smtClean="0"/>
+              <a:rPr lang="en-US" dirty="0" err="1"/>
               <a:t>visualise</a:t>
             </a:r>
             <a:r>
-              <a:rPr lang="en-US" dirty="0" smtClean="0"/>
+              <a:rPr lang="en-US" dirty="0"/>
               <a:t> data</a:t>
             </a:r>
-            <a:endParaRPr lang="en-US" dirty="0"/>
           </a:p>
         </p:txBody>
       </p:sp>
@@ -4370,40 +4573,39 @@
           <a:lstStyle/>
           <a:p>
             <a:r>
-              <a:rPr lang="en-US" dirty="0" smtClean="0"/>
+              <a:rPr lang="en-US" dirty="0"/>
               <a:t>From a SQL database?</a:t>
             </a:r>
           </a:p>
           <a:p>
             <a:r>
-              <a:rPr lang="en-US" dirty="0" smtClean="0"/>
+              <a:rPr lang="en-US" dirty="0"/>
               <a:t>From a </a:t>
             </a:r>
             <a:r>
-              <a:rPr lang="en-US" dirty="0" err="1" smtClean="0"/>
+              <a:rPr lang="en-US" dirty="0" err="1"/>
               <a:t>NoSQL</a:t>
             </a:r>
             <a:r>
-              <a:rPr lang="en-US" dirty="0" smtClean="0"/>
+              <a:rPr lang="en-US" dirty="0"/>
               <a:t> database?</a:t>
             </a:r>
           </a:p>
           <a:p>
             <a:r>
-              <a:rPr lang="en-US" dirty="0" smtClean="0"/>
+              <a:rPr lang="en-US" dirty="0"/>
               <a:t>Generate charts in Python Spark?</a:t>
             </a:r>
           </a:p>
           <a:p>
             <a:r>
-              <a:rPr lang="en-US" dirty="0" err="1" smtClean="0"/>
+              <a:rPr lang="en-US" dirty="0" err="1"/>
               <a:t>Etc</a:t>
             </a:r>
             <a:r>
-              <a:rPr lang="en-US" dirty="0" smtClean="0"/>
+              <a:rPr lang="en-US" dirty="0"/>
               <a:t>?</a:t>
             </a:r>
-            <a:endParaRPr lang="en-US" dirty="0"/>
           </a:p>
         </p:txBody>
       </p:sp>
@@ -4417,13 +4619,6 @@
   <p:clrMapOvr>
     <a:masterClrMapping/>
   </p:clrMapOvr>
-  <p:timing>
-    <p:tnLst>
-      <p:par>
-        <p:cTn xmlns:p14="http://schemas.microsoft.com/office/powerpoint/2010/main" id="1" dur="indefinite" restart="never" nodeType="tmRoot"/>
-      </p:par>
-    </p:tnLst>
-  </p:timing>
 </p:sld>
 </file>
 
@@ -4457,15 +4652,14 @@
         <p:spPr/>
         <p:txBody>
           <a:bodyPr>
-            <a:normAutofit fontScale="90000"/>
+            <a:normAutofit/>
           </a:bodyPr>
           <a:lstStyle/>
           <a:p>
             <a:r>
-              <a:rPr lang="en-US" dirty="0" smtClean="0"/>
+              <a:rPr lang="en-US" dirty="0"/>
               <a:t>Collection / Queuing systems</a:t>
             </a:r>
-            <a:endParaRPr lang="en-US" dirty="0"/>
           </a:p>
         </p:txBody>
       </p:sp>
@@ -4482,89 +4676,89 @@
         <p:spPr/>
         <p:txBody>
           <a:bodyPr>
-            <a:normAutofit lnSpcReduction="10000"/>
+            <a:normAutofit/>
           </a:bodyPr>
           <a:lstStyle/>
           <a:p>
             <a:r>
-              <a:rPr lang="en-US" dirty="0" smtClean="0"/>
+              <a:rPr lang="en-US" dirty="0"/>
               <a:t>Two ways of making the choice</a:t>
             </a:r>
           </a:p>
           <a:p>
             <a:pPr lvl="1"/>
             <a:r>
-              <a:rPr lang="en-US" dirty="0" smtClean="0"/>
+              <a:rPr lang="en-US" dirty="0"/>
               <a:t>The protocol</a:t>
             </a:r>
           </a:p>
           <a:p>
             <a:pPr lvl="1"/>
             <a:r>
-              <a:rPr lang="en-US" dirty="0" smtClean="0"/>
+              <a:rPr lang="en-US" dirty="0"/>
               <a:t>The middleware</a:t>
             </a:r>
           </a:p>
           <a:p>
             <a:r>
-              <a:rPr lang="en-US" dirty="0" smtClean="0"/>
+              <a:rPr lang="en-US" dirty="0"/>
               <a:t>Protocols</a:t>
             </a:r>
           </a:p>
           <a:p>
             <a:pPr lvl="1"/>
             <a:r>
-              <a:rPr lang="en-US" dirty="0" err="1" smtClean="0"/>
+              <a:rPr lang="en-US" dirty="0" err="1"/>
               <a:t>ZeroMQ</a:t>
             </a:r>
             <a:r>
-              <a:rPr lang="en-US" dirty="0" smtClean="0"/>
+              <a:rPr lang="en-US" dirty="0"/>
               <a:t>, MQTT, AMQP, STOMP, Kafka Protocol, </a:t>
             </a:r>
             <a:r>
-              <a:rPr lang="en-US" dirty="0" err="1" smtClean="0"/>
+              <a:rPr lang="en-US" dirty="0" err="1"/>
               <a:t>Rendevouz</a:t>
             </a:r>
             <a:r>
-              <a:rPr lang="en-US" dirty="0" smtClean="0"/>
+              <a:rPr lang="en-US" dirty="0"/>
               <a:t>, </a:t>
             </a:r>
             <a:r>
-              <a:rPr lang="en-US" dirty="0" err="1" smtClean="0"/>
+              <a:rPr lang="en-US" dirty="0" err="1"/>
               <a:t>etc</a:t>
             </a:r>
-            <a:endParaRPr lang="en-US" dirty="0" smtClean="0"/>
-          </a:p>
-          <a:p>
-            <a:r>
-              <a:rPr lang="en-US" dirty="0" smtClean="0"/>
+            <a:endParaRPr lang="en-US" dirty="0"/>
+          </a:p>
+          <a:p>
+            <a:r>
+              <a:rPr lang="en-US" dirty="0"/>
               <a:t>Middleware	</a:t>
             </a:r>
           </a:p>
           <a:p>
             <a:pPr lvl="1"/>
             <a:r>
-              <a:rPr lang="en-US" dirty="0" smtClean="0"/>
+              <a:rPr lang="en-US" dirty="0"/>
               <a:t>Kafka, Apollo, </a:t>
             </a:r>
             <a:r>
-              <a:rPr lang="en-US" dirty="0" err="1" smtClean="0"/>
+              <a:rPr lang="en-US" dirty="0" err="1"/>
               <a:t>Mosquitto</a:t>
             </a:r>
             <a:r>
-              <a:rPr lang="en-US" dirty="0" smtClean="0"/>
+              <a:rPr lang="en-US" dirty="0"/>
               <a:t>, </a:t>
             </a:r>
             <a:r>
-              <a:rPr lang="en-US" dirty="0" err="1" smtClean="0"/>
+              <a:rPr lang="en-US" dirty="0" err="1"/>
               <a:t>QPid</a:t>
             </a:r>
             <a:r>
-              <a:rPr lang="en-US" dirty="0" smtClean="0"/>
+              <a:rPr lang="en-US" dirty="0"/>
               <a:t>, WSO2, </a:t>
             </a:r>
             <a:r>
-              <a:rPr lang="en-US" dirty="0" err="1" smtClean="0"/>
+              <a:rPr lang="en-US" dirty="0" err="1"/>
               <a:t>etc</a:t>
             </a:r>
             <a:endParaRPr lang="en-US" dirty="0"/>
@@ -4581,13 +4775,6 @@
   <p:clrMapOvr>
     <a:masterClrMapping/>
   </p:clrMapOvr>
-  <p:timing>
-    <p:tnLst>
-      <p:par>
-        <p:cTn xmlns:p14="http://schemas.microsoft.com/office/powerpoint/2010/main" id="1" dur="indefinite" restart="never" nodeType="tmRoot"/>
-      </p:par>
-    </p:tnLst>
-  </p:timing>
 </p:sld>
 </file>
 
@@ -4624,84 +4811,58 @@
           <a:lstStyle/>
           <a:p>
             <a:r>
-              <a:rPr lang="en-US" dirty="0" smtClean="0"/>
-              <a:t>Apache Kafka</a:t>
-            </a:r>
-            <a:endParaRPr lang="en-US" dirty="0"/>
-          </a:p>
-        </p:txBody>
-      </p:sp>
-      <p:pic>
-        <p:nvPicPr>
-          <p:cNvPr id="5" name="Picture 4"/>
-          <p:cNvPicPr>
-            <a:picLocks noChangeAspect="1"/>
-          </p:cNvPicPr>
-          <p:nvPr/>
-        </p:nvPicPr>
-        <p:blipFill>
-          <a:blip r:embed="rId2" cstate="print">
-            <a:extLst>
-              <a:ext uri="{28A0092B-C50C-407E-A947-70E740481C1C}">
-                <a14:useLocalDpi xmlns:a14="http://schemas.microsoft.com/office/drawing/2010/main"/>
-              </a:ext>
-            </a:extLst>
-          </a:blip>
-          <a:stretch>
-            <a:fillRect/>
-          </a:stretch>
-        </p:blipFill>
-        <p:spPr>
-          <a:xfrm>
-            <a:off x="0" y="1104900"/>
-            <a:ext cx="9144000" cy="4643438"/>
-          </a:xfrm>
-          <a:prstGeom prst="rect">
-            <a:avLst/>
-          </a:prstGeom>
-        </p:spPr>
-      </p:pic>
-      <p:sp>
-        <p:nvSpPr>
-          <p:cNvPr id="6" name="TextBox 5"/>
-          <p:cNvSpPr txBox="1"/>
-          <p:nvPr/>
-        </p:nvSpPr>
-        <p:spPr>
-          <a:xfrm>
-            <a:off x="4560905" y="6437793"/>
-            <a:ext cx="4652986" cy="369332"/>
-          </a:xfrm>
-          <a:prstGeom prst="rect">
-            <a:avLst/>
-          </a:prstGeom>
-          <a:noFill/>
-        </p:spPr>
-        <p:txBody>
-          <a:bodyPr wrap="none" rtlCol="0">
-            <a:spAutoFit/>
+              <a:rPr lang="en-US" dirty="0"/>
+              <a:t>Processing approaches</a:t>
+            </a:r>
+          </a:p>
+        </p:txBody>
+      </p:sp>
+      <p:sp>
+        <p:nvSpPr>
+          <p:cNvPr id="3" name="Content Placeholder 2"/>
+          <p:cNvSpPr>
+            <a:spLocks noGrp="1"/>
+          </p:cNvSpPr>
+          <p:nvPr>
+            <p:ph idx="1"/>
+          </p:nvPr>
+        </p:nvSpPr>
+        <p:spPr/>
+        <p:txBody>
+          <a:bodyPr>
+            <a:normAutofit/>
           </a:bodyPr>
           <a:lstStyle/>
           <a:p>
             <a:r>
               <a:rPr lang="en-US" dirty="0"/>
-              <a:t>Source: </a:t>
-            </a:r>
-            <a:r>
-              <a:rPr lang="en-US" dirty="0">
-                <a:hlinkClick r:id="rId3"/>
-              </a:rPr>
-              <a:t>http://www.slideshare.net/charmalloc</a:t>
-            </a:r>
-            <a:r>
-              <a:rPr lang="en-US" dirty="0" smtClean="0">
-                <a:hlinkClick r:id="rId3"/>
-              </a:rPr>
-              <a:t>/</a:t>
-            </a:r>
-            <a:r>
-              <a:rPr lang="en-US" dirty="0" smtClean="0"/>
-              <a:t> </a:t>
+              <a:t>Covered in detail already</a:t>
+            </a:r>
+          </a:p>
+          <a:p>
+            <a:r>
+              <a:rPr lang="en-US" dirty="0" err="1"/>
+              <a:t>Hadoop</a:t>
+            </a:r>
+            <a:endParaRPr lang="en-US" dirty="0"/>
+          </a:p>
+          <a:p>
+            <a:r>
+              <a:rPr lang="en-US" dirty="0"/>
+              <a:t>Spark</a:t>
+            </a:r>
+          </a:p>
+          <a:p>
+            <a:r>
+              <a:rPr lang="en-US" dirty="0" err="1"/>
+              <a:t>Tez</a:t>
+            </a:r>
+            <a:endParaRPr lang="en-US" dirty="0"/>
+          </a:p>
+          <a:p>
+            <a:r>
+              <a:rPr lang="en-US" dirty="0" err="1"/>
+              <a:t>etc</a:t>
             </a:r>
             <a:endParaRPr lang="en-US" dirty="0"/>
           </a:p>
@@ -4710,20 +4871,13 @@
     </p:spTree>
     <p:extLst>
       <p:ext uri="{BB962C8B-B14F-4D97-AF65-F5344CB8AC3E}">
-        <p14:creationId xmlns:p14="http://schemas.microsoft.com/office/powerpoint/2010/main" val="1281960399"/>
+        <p14:creationId xmlns:p14="http://schemas.microsoft.com/office/powerpoint/2010/main" val="2024237826"/>
       </p:ext>
     </p:extLst>
   </p:cSld>
   <p:clrMapOvr>
     <a:masterClrMapping/>
   </p:clrMapOvr>
-  <p:timing>
-    <p:tnLst>
-      <p:par>
-        <p:cTn xmlns:p14="http://schemas.microsoft.com/office/powerpoint/2010/main" id="1" dur="indefinite" restart="never" nodeType="tmRoot"/>
-      </p:par>
-    </p:tnLst>
-  </p:timing>
 </p:sld>
 </file>
 
@@ -4760,54 +4914,71 @@
           <a:lstStyle/>
           <a:p>
             <a:r>
-              <a:rPr lang="en-US" dirty="0" err="1" smtClean="0"/>
-              <a:t>ZeroMQ</a:t>
+              <a:rPr lang="en-US" dirty="0"/>
+              <a:t>Cluster Management</a:t>
+            </a:r>
+          </a:p>
+        </p:txBody>
+      </p:sp>
+      <p:sp>
+        <p:nvSpPr>
+          <p:cNvPr id="3" name="Content Placeholder 2"/>
+          <p:cNvSpPr>
+            <a:spLocks noGrp="1"/>
+          </p:cNvSpPr>
+          <p:nvPr>
+            <p:ph idx="1"/>
+          </p:nvPr>
+        </p:nvSpPr>
+        <p:spPr/>
+        <p:txBody>
+          <a:bodyPr/>
+          <a:lstStyle/>
+          <a:p>
+            <a:r>
+              <a:rPr lang="en-US" dirty="0"/>
+              <a:t>Spark</a:t>
+            </a:r>
+          </a:p>
+          <a:p>
+            <a:r>
+              <a:rPr lang="en-US" dirty="0"/>
+              <a:t>YARN</a:t>
+            </a:r>
+          </a:p>
+          <a:p>
+            <a:r>
+              <a:rPr lang="en-US" dirty="0" err="1"/>
+              <a:t>Mesos</a:t>
             </a:r>
             <a:endParaRPr lang="en-US" dirty="0"/>
           </a:p>
-        </p:txBody>
-      </p:sp>
-      <p:pic>
-        <p:nvPicPr>
-          <p:cNvPr id="4" name="Picture 3"/>
-          <p:cNvPicPr>
-            <a:picLocks noChangeAspect="1"/>
-          </p:cNvPicPr>
-          <p:nvPr/>
-        </p:nvPicPr>
-        <p:blipFill>
-          <a:blip r:embed="rId2"/>
-          <a:stretch>
-            <a:fillRect/>
-          </a:stretch>
-        </p:blipFill>
-        <p:spPr>
-          <a:xfrm>
-            <a:off x="2272940" y="1417638"/>
-            <a:ext cx="4496043" cy="4662563"/>
-          </a:xfrm>
-          <a:prstGeom prst="rect">
-            <a:avLst/>
-          </a:prstGeom>
-        </p:spPr>
-      </p:pic>
+          <a:p>
+            <a:r>
+              <a:rPr lang="en-US" dirty="0" err="1"/>
+              <a:t>Kubernetes</a:t>
+            </a:r>
+            <a:endParaRPr lang="en-US" dirty="0"/>
+          </a:p>
+          <a:p>
+            <a:r>
+              <a:rPr lang="en-US" dirty="0" err="1"/>
+              <a:t>etc</a:t>
+            </a:r>
+            <a:endParaRPr lang="en-US" dirty="0"/>
+          </a:p>
+        </p:txBody>
+      </p:sp>
     </p:spTree>
     <p:extLst>
       <p:ext uri="{BB962C8B-B14F-4D97-AF65-F5344CB8AC3E}">
-        <p14:creationId xmlns:p14="http://schemas.microsoft.com/office/powerpoint/2010/main" val="163987874"/>
+        <p14:creationId xmlns:p14="http://schemas.microsoft.com/office/powerpoint/2010/main" val="976502957"/>
       </p:ext>
     </p:extLst>
   </p:cSld>
   <p:clrMapOvr>
     <a:masterClrMapping/>
   </p:clrMapOvr>
-  <p:timing>
-    <p:tnLst>
-      <p:par>
-        <p:cTn xmlns:p14="http://schemas.microsoft.com/office/powerpoint/2010/main" id="1" dur="indefinite" restart="never" nodeType="tmRoot"/>
-      </p:par>
-    </p:tnLst>
-  </p:timing>
 </p:sld>
 </file>
 
@@ -4844,220 +5015,7 @@
           <a:lstStyle/>
           <a:p>
             <a:r>
-              <a:rPr lang="en-US" dirty="0" smtClean="0"/>
-              <a:t>Processing approaches</a:t>
-            </a:r>
-            <a:endParaRPr lang="en-US" dirty="0"/>
-          </a:p>
-        </p:txBody>
-      </p:sp>
-      <p:sp>
-        <p:nvSpPr>
-          <p:cNvPr id="3" name="Content Placeholder 2"/>
-          <p:cNvSpPr>
-            <a:spLocks noGrp="1"/>
-          </p:cNvSpPr>
-          <p:nvPr>
-            <p:ph idx="1"/>
-          </p:nvPr>
-        </p:nvSpPr>
-        <p:spPr/>
-        <p:txBody>
-          <a:bodyPr>
-            <a:normAutofit/>
-          </a:bodyPr>
-          <a:lstStyle/>
-          <a:p>
-            <a:r>
-              <a:rPr lang="en-US" dirty="0" smtClean="0"/>
-              <a:t>Covered in detail already</a:t>
-            </a:r>
-          </a:p>
-          <a:p>
-            <a:r>
-              <a:rPr lang="en-US" dirty="0" err="1" smtClean="0"/>
-              <a:t>Hadoop</a:t>
-            </a:r>
-            <a:endParaRPr lang="en-US" dirty="0" smtClean="0"/>
-          </a:p>
-          <a:p>
-            <a:r>
-              <a:rPr lang="en-US" dirty="0" smtClean="0"/>
-              <a:t>Spark</a:t>
-            </a:r>
-          </a:p>
-          <a:p>
-            <a:r>
-              <a:rPr lang="en-US" dirty="0" err="1" smtClean="0"/>
-              <a:t>Tez</a:t>
-            </a:r>
-            <a:endParaRPr lang="en-US" dirty="0" smtClean="0"/>
-          </a:p>
-          <a:p>
-            <a:r>
-              <a:rPr lang="en-US" dirty="0" err="1" smtClean="0"/>
-              <a:t>etc</a:t>
-            </a:r>
-            <a:endParaRPr lang="en-US" dirty="0"/>
-          </a:p>
-        </p:txBody>
-      </p:sp>
-    </p:spTree>
-    <p:extLst>
-      <p:ext uri="{BB962C8B-B14F-4D97-AF65-F5344CB8AC3E}">
-        <p14:creationId xmlns:p14="http://schemas.microsoft.com/office/powerpoint/2010/main" val="2024237826"/>
-      </p:ext>
-    </p:extLst>
-  </p:cSld>
-  <p:clrMapOvr>
-    <a:masterClrMapping/>
-  </p:clrMapOvr>
-  <p:timing>
-    <p:tnLst>
-      <p:par>
-        <p:cTn xmlns:p14="http://schemas.microsoft.com/office/powerpoint/2010/main" id="1" dur="indefinite" restart="never" nodeType="tmRoot"/>
-      </p:par>
-    </p:tnLst>
-  </p:timing>
-</p:sld>
-</file>
-
-<file path=ppt/slides/slide15.xml><?xml version="1.0" encoding="utf-8"?>
-<p:sld xmlns:a="http://schemas.openxmlformats.org/drawingml/2006/main" xmlns:r="http://schemas.openxmlformats.org/officeDocument/2006/relationships" xmlns:p="http://schemas.openxmlformats.org/presentationml/2006/main">
-  <p:cSld>
-    <p:spTree>
-      <p:nvGrpSpPr>
-        <p:cNvPr id="1" name=""/>
-        <p:cNvGrpSpPr/>
-        <p:nvPr/>
-      </p:nvGrpSpPr>
-      <p:grpSpPr>
-        <a:xfrm>
-          <a:off x="0" y="0"/>
-          <a:ext cx="0" cy="0"/>
-          <a:chOff x="0" y="0"/>
-          <a:chExt cx="0" cy="0"/>
-        </a:xfrm>
-      </p:grpSpPr>
-      <p:sp>
-        <p:nvSpPr>
-          <p:cNvPr id="2" name="Title 1"/>
-          <p:cNvSpPr>
-            <a:spLocks noGrp="1"/>
-          </p:cNvSpPr>
-          <p:nvPr>
-            <p:ph type="title"/>
-          </p:nvPr>
-        </p:nvSpPr>
-        <p:spPr/>
-        <p:txBody>
-          <a:bodyPr/>
-          <a:lstStyle/>
-          <a:p>
-            <a:r>
-              <a:rPr lang="en-US" dirty="0" smtClean="0"/>
-              <a:t>Cluster Management</a:t>
-            </a:r>
-            <a:endParaRPr lang="en-US" dirty="0"/>
-          </a:p>
-        </p:txBody>
-      </p:sp>
-      <p:sp>
-        <p:nvSpPr>
-          <p:cNvPr id="3" name="Content Placeholder 2"/>
-          <p:cNvSpPr>
-            <a:spLocks noGrp="1"/>
-          </p:cNvSpPr>
-          <p:nvPr>
-            <p:ph idx="1"/>
-          </p:nvPr>
-        </p:nvSpPr>
-        <p:spPr/>
-        <p:txBody>
-          <a:bodyPr/>
-          <a:lstStyle/>
-          <a:p>
-            <a:r>
-              <a:rPr lang="en-US" dirty="0" smtClean="0"/>
-              <a:t>Spark</a:t>
-            </a:r>
-          </a:p>
-          <a:p>
-            <a:r>
-              <a:rPr lang="en-US" dirty="0" smtClean="0"/>
-              <a:t>YARN</a:t>
-            </a:r>
-          </a:p>
-          <a:p>
-            <a:r>
-              <a:rPr lang="en-US" dirty="0" err="1" smtClean="0"/>
-              <a:t>Mesos</a:t>
-            </a:r>
-            <a:endParaRPr lang="en-US" dirty="0" smtClean="0"/>
-          </a:p>
-          <a:p>
-            <a:r>
-              <a:rPr lang="en-US" dirty="0" err="1" smtClean="0"/>
-              <a:t>Kubernetes</a:t>
-            </a:r>
-            <a:endParaRPr lang="en-US" dirty="0" smtClean="0"/>
-          </a:p>
-          <a:p>
-            <a:r>
-              <a:rPr lang="en-US" dirty="0" err="1" smtClean="0"/>
-              <a:t>etc</a:t>
-            </a:r>
-            <a:endParaRPr lang="en-US" dirty="0"/>
-          </a:p>
-        </p:txBody>
-      </p:sp>
-    </p:spTree>
-    <p:extLst>
-      <p:ext uri="{BB962C8B-B14F-4D97-AF65-F5344CB8AC3E}">
-        <p14:creationId xmlns:p14="http://schemas.microsoft.com/office/powerpoint/2010/main" val="976502957"/>
-      </p:ext>
-    </p:extLst>
-  </p:cSld>
-  <p:clrMapOvr>
-    <a:masterClrMapping/>
-  </p:clrMapOvr>
-</p:sld>
-</file>
-
-<file path=ppt/slides/slide16.xml><?xml version="1.0" encoding="utf-8"?>
-<p:sld xmlns:a="http://schemas.openxmlformats.org/drawingml/2006/main" xmlns:r="http://schemas.openxmlformats.org/officeDocument/2006/relationships" xmlns:p="http://schemas.openxmlformats.org/presentationml/2006/main">
-  <p:cSld>
-    <p:spTree>
-      <p:nvGrpSpPr>
-        <p:cNvPr id="1" name=""/>
-        <p:cNvGrpSpPr/>
-        <p:nvPr/>
-      </p:nvGrpSpPr>
-      <p:grpSpPr>
-        <a:xfrm>
-          <a:off x="0" y="0"/>
-          <a:ext cx="0" cy="0"/>
-          <a:chOff x="0" y="0"/>
-          <a:chExt cx="0" cy="0"/>
-        </a:xfrm>
-      </p:grpSpPr>
-      <p:sp>
-        <p:nvSpPr>
-          <p:cNvPr id="2" name="Title 1"/>
-          <p:cNvSpPr>
-            <a:spLocks noGrp="1"/>
-          </p:cNvSpPr>
-          <p:nvPr>
-            <p:ph type="title"/>
-          </p:nvPr>
-        </p:nvSpPr>
-        <p:spPr/>
-        <p:txBody>
-          <a:bodyPr/>
-          <a:lstStyle/>
-          <a:p>
-            <a:r>
-              <a:rPr lang="en-US" dirty="0" err="1" smtClean="0"/>
+              <a:rPr lang="en-US" dirty="0" err="1"/>
               <a:t>Visualisation</a:t>
             </a:r>
             <a:endParaRPr lang="en-US" dirty="0"/>
@@ -5098,13 +5056,425 @@
   <p:clrMapOvr>
     <a:masterClrMapping/>
   </p:clrMapOvr>
-  <p:timing>
-    <p:tnLst>
-      <p:par>
-        <p:cTn xmlns:p14="http://schemas.microsoft.com/office/powerpoint/2010/main" id="1" dur="indefinite" restart="never" nodeType="tmRoot"/>
-      </p:par>
-    </p:tnLst>
-  </p:timing>
+</p:sld>
+</file>
+
+<file path=ppt/slides/slide15.xml><?xml version="1.0" encoding="utf-8"?>
+<p:sld xmlns:a="http://schemas.openxmlformats.org/drawingml/2006/main" xmlns:r="http://schemas.openxmlformats.org/officeDocument/2006/relationships" xmlns:p="http://schemas.openxmlformats.org/presentationml/2006/main">
+  <p:cSld>
+    <p:spTree>
+      <p:nvGrpSpPr>
+        <p:cNvPr id="1" name=""/>
+        <p:cNvGrpSpPr/>
+        <p:nvPr/>
+      </p:nvGrpSpPr>
+      <p:grpSpPr>
+        <a:xfrm>
+          <a:off x="0" y="0"/>
+          <a:ext cx="0" cy="0"/>
+          <a:chOff x="0" y="0"/>
+          <a:chExt cx="0" cy="0"/>
+        </a:xfrm>
+      </p:grpSpPr>
+      <p:sp>
+        <p:nvSpPr>
+          <p:cNvPr id="2" name="Title 1"/>
+          <p:cNvSpPr>
+            <a:spLocks noGrp="1"/>
+          </p:cNvSpPr>
+          <p:nvPr>
+            <p:ph type="title"/>
+          </p:nvPr>
+        </p:nvSpPr>
+        <p:spPr/>
+        <p:txBody>
+          <a:bodyPr/>
+          <a:lstStyle/>
+          <a:p>
+            <a:r>
+              <a:rPr lang="en-US" dirty="0" err="1"/>
+              <a:t>Visualisation</a:t>
+            </a:r>
+            <a:r>
+              <a:rPr lang="en-US" dirty="0"/>
+              <a:t> approaches</a:t>
+            </a:r>
+          </a:p>
+        </p:txBody>
+      </p:sp>
+      <p:sp>
+        <p:nvSpPr>
+          <p:cNvPr id="3" name="Content Placeholder 2"/>
+          <p:cNvSpPr>
+            <a:spLocks noGrp="1"/>
+          </p:cNvSpPr>
+          <p:nvPr>
+            <p:ph idx="1"/>
+          </p:nvPr>
+        </p:nvSpPr>
+        <p:spPr/>
+        <p:txBody>
+          <a:bodyPr/>
+          <a:lstStyle/>
+          <a:p>
+            <a:r>
+              <a:rPr lang="en-US" dirty="0"/>
+              <a:t>Full products</a:t>
+            </a:r>
+          </a:p>
+          <a:p>
+            <a:pPr lvl="1"/>
+            <a:r>
+              <a:rPr lang="en-US" dirty="0"/>
+              <a:t>Tableau, </a:t>
+            </a:r>
+            <a:r>
+              <a:rPr lang="en-US" dirty="0" err="1"/>
+              <a:t>Qlik</a:t>
+            </a:r>
+            <a:r>
+              <a:rPr lang="en-US" dirty="0"/>
+              <a:t>, SAS, </a:t>
+            </a:r>
+            <a:r>
+              <a:rPr lang="en-US" dirty="0" err="1"/>
+              <a:t>GoodData</a:t>
+            </a:r>
+            <a:endParaRPr lang="en-US" dirty="0"/>
+          </a:p>
+          <a:p>
+            <a:r>
+              <a:rPr lang="en-US" dirty="0"/>
+              <a:t>Web-based systems</a:t>
+            </a:r>
+          </a:p>
+          <a:p>
+            <a:pPr lvl="1"/>
+            <a:r>
+              <a:rPr lang="en-US" dirty="0"/>
+              <a:t>Tableau Public, </a:t>
+            </a:r>
+            <a:r>
+              <a:rPr lang="en-US" dirty="0" err="1"/>
+              <a:t>Datawrapper</a:t>
+            </a:r>
+            <a:r>
+              <a:rPr lang="en-US" dirty="0"/>
+              <a:t>, Raw, </a:t>
+            </a:r>
+            <a:r>
+              <a:rPr lang="en-US" dirty="0" err="1"/>
+              <a:t>Plotly</a:t>
+            </a:r>
+            <a:endParaRPr lang="en-US" dirty="0"/>
+          </a:p>
+          <a:p>
+            <a:r>
+              <a:rPr lang="en-US" dirty="0"/>
+              <a:t>Developer oriented</a:t>
+            </a:r>
+          </a:p>
+          <a:p>
+            <a:pPr lvl="1"/>
+            <a:r>
+              <a:rPr lang="en-US" dirty="0"/>
+              <a:t>D3.js, </a:t>
+            </a:r>
+            <a:r>
+              <a:rPr lang="en-US" dirty="0" err="1"/>
+              <a:t>dygraphs</a:t>
+            </a:r>
+            <a:r>
+              <a:rPr lang="en-US" dirty="0"/>
+              <a:t>, Python charting, Leaflet, Fusion Charts, Google Charts, </a:t>
+            </a:r>
+            <a:r>
+              <a:rPr lang="en-US" dirty="0" err="1"/>
+              <a:t>etc</a:t>
+            </a:r>
+            <a:endParaRPr lang="en-US" dirty="0"/>
+          </a:p>
+        </p:txBody>
+      </p:sp>
+    </p:spTree>
+    <p:extLst>
+      <p:ext uri="{BB962C8B-B14F-4D97-AF65-F5344CB8AC3E}">
+        <p14:creationId xmlns:p14="http://schemas.microsoft.com/office/powerpoint/2010/main" val="1727205074"/>
+      </p:ext>
+    </p:extLst>
+  </p:cSld>
+  <p:clrMapOvr>
+    <a:masterClrMapping/>
+  </p:clrMapOvr>
+</p:sld>
+</file>
+
+<file path=ppt/slides/slide16.xml><?xml version="1.0" encoding="utf-8"?>
+<p:sld xmlns:a="http://schemas.openxmlformats.org/drawingml/2006/main" xmlns:r="http://schemas.openxmlformats.org/officeDocument/2006/relationships" xmlns:p="http://schemas.openxmlformats.org/presentationml/2006/main">
+  <p:cSld>
+    <p:spTree>
+      <p:nvGrpSpPr>
+        <p:cNvPr id="1" name=""/>
+        <p:cNvGrpSpPr/>
+        <p:nvPr/>
+      </p:nvGrpSpPr>
+      <p:grpSpPr>
+        <a:xfrm>
+          <a:off x="0" y="0"/>
+          <a:ext cx="0" cy="0"/>
+          <a:chOff x="0" y="0"/>
+          <a:chExt cx="0" cy="0"/>
+        </a:xfrm>
+      </p:grpSpPr>
+      <p:sp>
+        <p:nvSpPr>
+          <p:cNvPr id="2" name="Title 1"/>
+          <p:cNvSpPr>
+            <a:spLocks noGrp="1"/>
+          </p:cNvSpPr>
+          <p:nvPr>
+            <p:ph type="title"/>
+          </p:nvPr>
+        </p:nvSpPr>
+        <p:spPr/>
+        <p:txBody>
+          <a:bodyPr>
+            <a:normAutofit/>
+          </a:bodyPr>
+          <a:lstStyle/>
+          <a:p>
+            <a:r>
+              <a:rPr lang="en-US" dirty="0"/>
+              <a:t>Fortune top 10 big data companies</a:t>
+            </a:r>
+            <a:br>
+              <a:rPr lang="en-US" dirty="0"/>
+            </a:br>
+            <a:r>
+              <a:rPr lang="en-US" sz="1200" dirty="0" err="1"/>
+              <a:t>fortune.com</a:t>
+            </a:r>
+            <a:r>
+              <a:rPr lang="en-US" sz="1200" dirty="0"/>
+              <a:t>/2014/06/13/these-big-data-companies-are-ones-to-watch/</a:t>
+            </a:r>
+          </a:p>
+        </p:txBody>
+      </p:sp>
+      <p:sp>
+        <p:nvSpPr>
+          <p:cNvPr id="3" name="Content Placeholder 2"/>
+          <p:cNvSpPr>
+            <a:spLocks noGrp="1"/>
+          </p:cNvSpPr>
+          <p:nvPr>
+            <p:ph idx="1"/>
+          </p:nvPr>
+        </p:nvSpPr>
+        <p:spPr/>
+        <p:txBody>
+          <a:bodyPr>
+            <a:normAutofit fontScale="70000" lnSpcReduction="20000"/>
+          </a:bodyPr>
+          <a:lstStyle/>
+          <a:p>
+            <a:r>
+              <a:rPr lang="en-US" dirty="0" err="1"/>
+              <a:t>MapR</a:t>
+            </a:r>
+            <a:r>
+              <a:rPr lang="en-US" dirty="0"/>
+              <a:t> – Apache Hadoop</a:t>
+            </a:r>
+          </a:p>
+          <a:p>
+            <a:r>
+              <a:rPr lang="en-US" dirty="0" err="1"/>
+              <a:t>MemSQL</a:t>
+            </a:r>
+            <a:endParaRPr lang="en-US" dirty="0"/>
+          </a:p>
+          <a:p>
+            <a:r>
+              <a:rPr lang="en-US" dirty="0" err="1"/>
+              <a:t>Databricks</a:t>
+            </a:r>
+            <a:r>
+              <a:rPr lang="en-US" dirty="0"/>
+              <a:t> – Apache Spark</a:t>
+            </a:r>
+          </a:p>
+          <a:p>
+            <a:r>
+              <a:rPr lang="en-US" dirty="0" err="1"/>
+              <a:t>Platfora</a:t>
+            </a:r>
+            <a:r>
+              <a:rPr lang="en-US" dirty="0"/>
+              <a:t> – Apache Hadoop</a:t>
+            </a:r>
+          </a:p>
+          <a:p>
+            <a:r>
+              <a:rPr lang="en-US" dirty="0" err="1"/>
+              <a:t>Splunk</a:t>
+            </a:r>
+            <a:endParaRPr lang="en-US" dirty="0"/>
+          </a:p>
+          <a:p>
+            <a:r>
+              <a:rPr lang="en-US" dirty="0"/>
+              <a:t>Teradata – Apache Hadoop</a:t>
+            </a:r>
+          </a:p>
+          <a:p>
+            <a:r>
+              <a:rPr lang="en-US" dirty="0" err="1"/>
+              <a:t>Palantir</a:t>
+            </a:r>
+            <a:r>
+              <a:rPr lang="en-US" dirty="0"/>
+              <a:t> – Hadoop, Cassandra, </a:t>
+            </a:r>
+            <a:r>
+              <a:rPr lang="en-US" dirty="0" err="1"/>
+              <a:t>Lucene</a:t>
+            </a:r>
+            <a:endParaRPr lang="en-US" dirty="0"/>
+          </a:p>
+          <a:p>
+            <a:r>
+              <a:rPr lang="en-US" dirty="0"/>
+              <a:t>Premise</a:t>
+            </a:r>
+          </a:p>
+          <a:p>
+            <a:r>
+              <a:rPr lang="en-US" dirty="0" err="1"/>
+              <a:t>Datameer</a:t>
+            </a:r>
+            <a:r>
+              <a:rPr lang="en-US" dirty="0"/>
+              <a:t> – Apache Hadoop</a:t>
+            </a:r>
+          </a:p>
+          <a:p>
+            <a:r>
+              <a:rPr lang="en-US" dirty="0" err="1"/>
+              <a:t>Cloudera</a:t>
+            </a:r>
+            <a:r>
+              <a:rPr lang="en-US" dirty="0"/>
+              <a:t> – Apache Hadoop</a:t>
+            </a:r>
+          </a:p>
+          <a:p>
+            <a:r>
+              <a:rPr lang="en-US" dirty="0" err="1"/>
+              <a:t>Hortonworks</a:t>
+            </a:r>
+            <a:r>
+              <a:rPr lang="en-US" dirty="0"/>
+              <a:t> – Apache Hadoop</a:t>
+            </a:r>
+          </a:p>
+          <a:p>
+            <a:r>
+              <a:rPr lang="en-US" dirty="0" err="1"/>
+              <a:t>MongoDB</a:t>
+            </a:r>
+            <a:r>
+              <a:rPr lang="en-US" dirty="0"/>
+              <a:t> – </a:t>
+            </a:r>
+            <a:r>
+              <a:rPr lang="en-US" dirty="0" err="1"/>
+              <a:t>MongoDB</a:t>
+            </a:r>
+            <a:r>
+              <a:rPr lang="en-US" dirty="0"/>
+              <a:t> </a:t>
+            </a:r>
+          </a:p>
+          <a:p>
+            <a:r>
+              <a:rPr lang="en-US" dirty="0" err="1"/>
+              <a:t>Trifacta</a:t>
+            </a:r>
+            <a:r>
+              <a:rPr lang="en-US" dirty="0"/>
+              <a:t> – Apache Hadoop</a:t>
+            </a:r>
+          </a:p>
+          <a:p>
+            <a:pPr marL="0" indent="0">
+              <a:buNone/>
+            </a:pPr>
+            <a:endParaRPr lang="en-US" dirty="0"/>
+          </a:p>
+        </p:txBody>
+      </p:sp>
+      <p:sp>
+        <p:nvSpPr>
+          <p:cNvPr id="4" name="Rectangle 3"/>
+          <p:cNvSpPr/>
+          <p:nvPr/>
+        </p:nvSpPr>
+        <p:spPr>
+          <a:xfrm>
+            <a:off x="3810000" y="6096000"/>
+            <a:ext cx="4572000" cy="584776"/>
+          </a:xfrm>
+          <a:prstGeom prst="rect">
+            <a:avLst/>
+          </a:prstGeom>
+        </p:spPr>
+        <p:txBody>
+          <a:bodyPr>
+            <a:spAutoFit/>
+          </a:bodyPr>
+          <a:lstStyle/>
+          <a:p>
+            <a:r>
+              <a:rPr lang="en-US" sz="1600" i="1" dirty="0">
+                <a:solidFill>
+                  <a:srgbClr val="FFFFFF"/>
+                </a:solidFill>
+                <a:latin typeface="Damascus"/>
+              </a:rPr>
+              <a:t>Rapid Web Application Development with </a:t>
+            </a:r>
+            <a:r>
+              <a:rPr lang="en-US" sz="1600" i="1" dirty="0" err="1">
+                <a:solidFill>
+                  <a:srgbClr val="FFFFFF"/>
+                </a:solidFill>
+                <a:latin typeface="Damascus"/>
+              </a:rPr>
+              <a:t>MongoDB</a:t>
+            </a:r>
+            <a:r>
+              <a:rPr lang="en-US" sz="1600" i="1" dirty="0">
+                <a:solidFill>
+                  <a:srgbClr val="FFFFFF"/>
+                </a:solidFill>
+                <a:latin typeface="Damascus"/>
+              </a:rPr>
+              <a:t> and the JVM – Trisha Gee – Tuesday 16:15</a:t>
+            </a:r>
+          </a:p>
+        </p:txBody>
+      </p:sp>
+    </p:spTree>
+    <p:extLst>
+      <p:ext uri="{BB962C8B-B14F-4D97-AF65-F5344CB8AC3E}">
+        <p14:creationId xmlns:p14="http://schemas.microsoft.com/office/powerpoint/2010/main" val="3731517255"/>
+      </p:ext>
+    </p:extLst>
+  </p:cSld>
+  <p:clrMapOvr>
+    <a:masterClrMapping/>
+  </p:clrMapOvr>
 </p:sld>
 </file>
 
@@ -5127,7 +5497,13 @@
       </p:grpSpPr>
       <p:sp>
         <p:nvSpPr>
-          <p:cNvPr id="2" name="Title 1"/>
+          <p:cNvPr id="2" name="Title 1">
+            <a:extLst>
+              <a:ext uri="{FF2B5EF4-FFF2-40B4-BE49-F238E27FC236}">
+                <a16:creationId xmlns:a16="http://schemas.microsoft.com/office/drawing/2014/main" id="{755F4B73-56A3-F74D-9023-72EA6BE8F585}"/>
+              </a:ext>
+            </a:extLst>
+          </p:cNvPr>
           <p:cNvSpPr>
             <a:spLocks noGrp="1"/>
           </p:cNvSpPr>
@@ -5137,111 +5513,366 @@
         </p:nvSpPr>
         <p:spPr/>
         <p:txBody>
-          <a:bodyPr/>
+          <a:bodyPr>
+            <a:normAutofit fontScale="90000"/>
+          </a:bodyPr>
           <a:lstStyle/>
           <a:p>
             <a:r>
-              <a:rPr lang="en-US" dirty="0" err="1" smtClean="0"/>
-              <a:t>Visualisation</a:t>
-            </a:r>
-            <a:r>
-              <a:rPr lang="en-US" dirty="0" smtClean="0"/>
-              <a:t> approaches</a:t>
-            </a:r>
+              <a:rPr lang="en-US" dirty="0" err="1"/>
+              <a:t>Trustradius</a:t>
+            </a:r>
+            <a:r>
+              <a:rPr lang="en-US" dirty="0"/>
+              <a:t> big data companies to watch 2018</a:t>
+            </a:r>
+          </a:p>
+        </p:txBody>
+      </p:sp>
+      <p:sp>
+        <p:nvSpPr>
+          <p:cNvPr id="3" name="Content Placeholder 2">
+            <a:extLst>
+              <a:ext uri="{FF2B5EF4-FFF2-40B4-BE49-F238E27FC236}">
+                <a16:creationId xmlns:a16="http://schemas.microsoft.com/office/drawing/2014/main" id="{B04D8C99-288B-0D4C-AA3B-4D3C86482D3E}"/>
+              </a:ext>
+            </a:extLst>
+          </p:cNvPr>
+          <p:cNvSpPr>
+            <a:spLocks noGrp="1"/>
+          </p:cNvSpPr>
+          <p:nvPr>
+            <p:ph idx="1"/>
+          </p:nvPr>
+        </p:nvSpPr>
+        <p:spPr>
+          <a:xfrm>
+            <a:off x="375635" y="1600200"/>
+            <a:ext cx="4331832" cy="4428067"/>
+          </a:xfrm>
+        </p:spPr>
+        <p:txBody>
+          <a:bodyPr>
+            <a:normAutofit/>
+          </a:bodyPr>
+          <a:lstStyle/>
+          <a:p>
+            <a:r>
+              <a:rPr lang="en-US" sz="2200" dirty="0"/>
+              <a:t>Business Analytics</a:t>
+            </a:r>
+          </a:p>
+          <a:p>
+            <a:pPr lvl="1"/>
+            <a:r>
+              <a:rPr lang="en-US" sz="2200" dirty="0"/>
+              <a:t>Alteryx</a:t>
+            </a:r>
+          </a:p>
+          <a:p>
+            <a:pPr lvl="1"/>
+            <a:r>
+              <a:rPr lang="en-US" sz="2200" dirty="0"/>
+              <a:t>Arcadia Data</a:t>
+            </a:r>
+          </a:p>
+          <a:p>
+            <a:pPr lvl="1"/>
+            <a:r>
+              <a:rPr lang="en-US" sz="2200" dirty="0" err="1"/>
+              <a:t>ClearStory</a:t>
+            </a:r>
+            <a:r>
+              <a:rPr lang="en-US" sz="2200" dirty="0"/>
+              <a:t> Data</a:t>
+            </a:r>
+          </a:p>
+          <a:p>
+            <a:pPr lvl="1"/>
+            <a:r>
+              <a:rPr lang="en-US" sz="2200" dirty="0" err="1"/>
+              <a:t>Cooladata</a:t>
+            </a:r>
+            <a:endParaRPr lang="en-US" sz="2200" dirty="0"/>
+          </a:p>
+          <a:p>
+            <a:r>
+              <a:rPr lang="en-US" sz="2200" dirty="0"/>
+              <a:t>Data management and integration</a:t>
+            </a:r>
+          </a:p>
+          <a:p>
+            <a:pPr lvl="1"/>
+            <a:r>
+              <a:rPr lang="en-US" sz="2200" dirty="0" err="1"/>
+              <a:t>Actian</a:t>
+            </a:r>
+            <a:endParaRPr lang="en-US" sz="2200" dirty="0"/>
+          </a:p>
+          <a:p>
+            <a:pPr lvl="1"/>
+            <a:r>
+              <a:rPr lang="en-US" sz="2200" dirty="0" err="1"/>
+              <a:t>Alation</a:t>
+            </a:r>
+            <a:endParaRPr lang="en-US" sz="2200" dirty="0"/>
+          </a:p>
+          <a:p>
+            <a:pPr lvl="1"/>
+            <a:r>
+              <a:rPr lang="en-US" sz="2200" dirty="0" err="1"/>
+              <a:t>Attunity</a:t>
+            </a:r>
+            <a:endParaRPr lang="en-US" sz="2200" dirty="0"/>
+          </a:p>
+          <a:p>
+            <a:pPr lvl="1"/>
+            <a:r>
+              <a:rPr lang="en-US" sz="2200" dirty="0" err="1"/>
+              <a:t>Iguazio</a:t>
+            </a:r>
+            <a:endParaRPr lang="en-US" sz="2200" dirty="0"/>
+          </a:p>
+          <a:p>
             <a:endParaRPr lang="en-US" dirty="0"/>
           </a:p>
         </p:txBody>
       </p:sp>
       <p:sp>
         <p:nvSpPr>
-          <p:cNvPr id="3" name="Content Placeholder 2"/>
-          <p:cNvSpPr>
-            <a:spLocks noGrp="1"/>
-          </p:cNvSpPr>
-          <p:nvPr>
-            <p:ph idx="1"/>
-          </p:nvPr>
-        </p:nvSpPr>
-        <p:spPr/>
-        <p:txBody>
-          <a:bodyPr/>
-          <a:lstStyle/>
-          <a:p>
-            <a:r>
-              <a:rPr lang="en-US" dirty="0" smtClean="0"/>
-              <a:t>Full products</a:t>
+          <p:cNvPr id="5" name="Content Placeholder 2">
+            <a:extLst>
+              <a:ext uri="{FF2B5EF4-FFF2-40B4-BE49-F238E27FC236}">
+                <a16:creationId xmlns:a16="http://schemas.microsoft.com/office/drawing/2014/main" id="{83DD94E9-ACBD-FC45-8149-6D1B54CD3714}"/>
+              </a:ext>
+            </a:extLst>
+          </p:cNvPr>
+          <p:cNvSpPr txBox="1">
+            <a:spLocks/>
+          </p:cNvSpPr>
+          <p:nvPr/>
+        </p:nvSpPr>
+        <p:spPr>
+          <a:xfrm>
+            <a:off x="4707467" y="1600200"/>
+            <a:ext cx="4331832" cy="4428067"/>
+          </a:xfrm>
+          <a:prstGeom prst="rect">
+            <a:avLst/>
+          </a:prstGeom>
+        </p:spPr>
+        <p:txBody>
+          <a:bodyPr vert="horz" lIns="91440" tIns="45720" rIns="91440" bIns="45720" rtlCol="0">
+            <a:normAutofit/>
+          </a:bodyPr>
+          <a:lstStyle>
+            <a:lvl1pPr marL="342900" indent="-342900" algn="l" defTabSz="457200" rtl="0" eaLnBrk="1" latinLnBrk="0" hangingPunct="1">
+              <a:spcBef>
+                <a:spcPct val="20000"/>
+              </a:spcBef>
+              <a:buFont typeface="Arial"/>
+              <a:buChar char="•"/>
+              <a:defRPr sz="3200" kern="1200">
+                <a:solidFill>
+                  <a:schemeClr val="tx1"/>
+                </a:solidFill>
+                <a:latin typeface="Montserrat"/>
+                <a:ea typeface="+mn-ea"/>
+                <a:cs typeface="+mn-cs"/>
+              </a:defRPr>
+            </a:lvl1pPr>
+            <a:lvl2pPr marL="742950" indent="-285750" algn="l" defTabSz="457200" rtl="0" eaLnBrk="1" latinLnBrk="0" hangingPunct="1">
+              <a:spcBef>
+                <a:spcPct val="20000"/>
+              </a:spcBef>
+              <a:buFont typeface="Arial"/>
+              <a:buChar char="–"/>
+              <a:defRPr sz="2800" kern="1200">
+                <a:solidFill>
+                  <a:schemeClr val="tx1"/>
+                </a:solidFill>
+                <a:latin typeface="Montserrat"/>
+                <a:ea typeface="+mn-ea"/>
+                <a:cs typeface="+mn-cs"/>
+              </a:defRPr>
+            </a:lvl2pPr>
+            <a:lvl3pPr marL="1143000" indent="-228600" algn="l" defTabSz="457200" rtl="0" eaLnBrk="1" latinLnBrk="0" hangingPunct="1">
+              <a:spcBef>
+                <a:spcPct val="20000"/>
+              </a:spcBef>
+              <a:buFont typeface="Arial"/>
+              <a:buChar char="•"/>
+              <a:defRPr sz="2400" kern="1200">
+                <a:solidFill>
+                  <a:schemeClr val="tx1"/>
+                </a:solidFill>
+                <a:latin typeface="Montserrat"/>
+                <a:ea typeface="+mn-ea"/>
+                <a:cs typeface="+mn-cs"/>
+              </a:defRPr>
+            </a:lvl3pPr>
+            <a:lvl4pPr marL="1600200" indent="-228600" algn="l" defTabSz="457200" rtl="0" eaLnBrk="1" latinLnBrk="0" hangingPunct="1">
+              <a:spcBef>
+                <a:spcPct val="20000"/>
+              </a:spcBef>
+              <a:buFont typeface="Arial"/>
+              <a:buChar char="–"/>
+              <a:defRPr sz="2000" kern="1200">
+                <a:solidFill>
+                  <a:schemeClr val="tx1"/>
+                </a:solidFill>
+                <a:latin typeface="Montserrat"/>
+                <a:ea typeface="+mn-ea"/>
+                <a:cs typeface="+mn-cs"/>
+              </a:defRPr>
+            </a:lvl4pPr>
+            <a:lvl5pPr marL="2057400" indent="-228600" algn="l" defTabSz="457200" rtl="0" eaLnBrk="1" latinLnBrk="0" hangingPunct="1">
+              <a:spcBef>
+                <a:spcPct val="20000"/>
+              </a:spcBef>
+              <a:buFont typeface="Arial"/>
+              <a:buChar char="»"/>
+              <a:defRPr sz="2000" kern="1200">
+                <a:solidFill>
+                  <a:schemeClr val="tx1"/>
+                </a:solidFill>
+                <a:latin typeface="Montserrat"/>
+                <a:ea typeface="+mn-ea"/>
+                <a:cs typeface="+mn-cs"/>
+              </a:defRPr>
+            </a:lvl5pPr>
+            <a:lvl6pPr marL="2514600" indent="-228600" algn="l" defTabSz="457200" rtl="0" eaLnBrk="1" latinLnBrk="0" hangingPunct="1">
+              <a:spcBef>
+                <a:spcPct val="20000"/>
+              </a:spcBef>
+              <a:buFont typeface="Arial"/>
+              <a:buChar char="•"/>
+              <a:defRPr sz="2000" kern="1200">
+                <a:solidFill>
+                  <a:schemeClr val="tx1"/>
+                </a:solidFill>
+                <a:latin typeface="+mn-lt"/>
+                <a:ea typeface="+mn-ea"/>
+                <a:cs typeface="+mn-cs"/>
+              </a:defRPr>
+            </a:lvl6pPr>
+            <a:lvl7pPr marL="2971800" indent="-228600" algn="l" defTabSz="457200" rtl="0" eaLnBrk="1" latinLnBrk="0" hangingPunct="1">
+              <a:spcBef>
+                <a:spcPct val="20000"/>
+              </a:spcBef>
+              <a:buFont typeface="Arial"/>
+              <a:buChar char="•"/>
+              <a:defRPr sz="2000" kern="1200">
+                <a:solidFill>
+                  <a:schemeClr val="tx1"/>
+                </a:solidFill>
+                <a:latin typeface="+mn-lt"/>
+                <a:ea typeface="+mn-ea"/>
+                <a:cs typeface="+mn-cs"/>
+              </a:defRPr>
+            </a:lvl7pPr>
+            <a:lvl8pPr marL="3429000" indent="-228600" algn="l" defTabSz="457200" rtl="0" eaLnBrk="1" latinLnBrk="0" hangingPunct="1">
+              <a:spcBef>
+                <a:spcPct val="20000"/>
+              </a:spcBef>
+              <a:buFont typeface="Arial"/>
+              <a:buChar char="•"/>
+              <a:defRPr sz="2000" kern="1200">
+                <a:solidFill>
+                  <a:schemeClr val="tx1"/>
+                </a:solidFill>
+                <a:latin typeface="+mn-lt"/>
+                <a:ea typeface="+mn-ea"/>
+                <a:cs typeface="+mn-cs"/>
+              </a:defRPr>
+            </a:lvl8pPr>
+            <a:lvl9pPr marL="3886200" indent="-228600" algn="l" defTabSz="457200" rtl="0" eaLnBrk="1" latinLnBrk="0" hangingPunct="1">
+              <a:spcBef>
+                <a:spcPct val="20000"/>
+              </a:spcBef>
+              <a:buFont typeface="Arial"/>
+              <a:buChar char="•"/>
+              <a:defRPr sz="2000" kern="1200">
+                <a:solidFill>
+                  <a:schemeClr val="tx1"/>
+                </a:solidFill>
+                <a:latin typeface="+mn-lt"/>
+                <a:ea typeface="+mn-ea"/>
+                <a:cs typeface="+mn-cs"/>
+              </a:defRPr>
+            </a:lvl9pPr>
+          </a:lstStyle>
+          <a:p>
+            <a:r>
+              <a:rPr lang="en-US" sz="2200" dirty="0"/>
+              <a:t>Big data platforms</a:t>
             </a:r>
           </a:p>
           <a:p>
             <a:pPr lvl="1"/>
             <a:r>
-              <a:rPr lang="en-US" dirty="0" smtClean="0"/>
-              <a:t>Tableau, </a:t>
-            </a:r>
-            <a:r>
-              <a:rPr lang="en-US" dirty="0" err="1" smtClean="0"/>
-              <a:t>Qlik</a:t>
-            </a:r>
-            <a:r>
-              <a:rPr lang="en-US" dirty="0" smtClean="0"/>
-              <a:t>, SAS, </a:t>
-            </a:r>
-            <a:r>
-              <a:rPr lang="en-US" dirty="0" err="1" smtClean="0"/>
-              <a:t>GoodData</a:t>
-            </a:r>
-            <a:endParaRPr lang="en-US" dirty="0" smtClean="0"/>
-          </a:p>
-          <a:p>
-            <a:r>
-              <a:rPr lang="en-US" dirty="0" smtClean="0"/>
-              <a:t>Web-based systems</a:t>
+              <a:rPr lang="en-US" sz="2200" b="1" dirty="0"/>
+              <a:t>Hortonworks</a:t>
             </a:r>
           </a:p>
           <a:p>
             <a:pPr lvl="1"/>
             <a:r>
-              <a:rPr lang="en-US" dirty="0" smtClean="0"/>
-              <a:t>Tableau Public, </a:t>
-            </a:r>
-            <a:r>
-              <a:rPr lang="en-US" dirty="0" err="1" smtClean="0"/>
-              <a:t>Datawrapper</a:t>
-            </a:r>
-            <a:r>
-              <a:rPr lang="en-US" dirty="0" smtClean="0"/>
-              <a:t>, Raw, </a:t>
-            </a:r>
-            <a:r>
-              <a:rPr lang="en-US" dirty="0" err="1" smtClean="0"/>
-              <a:t>Plotly</a:t>
-            </a:r>
-            <a:endParaRPr lang="en-US" dirty="0" smtClean="0"/>
-          </a:p>
-          <a:p>
-            <a:r>
-              <a:rPr lang="en-US" dirty="0" smtClean="0"/>
-              <a:t>Developer oriented</a:t>
+              <a:rPr lang="en-US" sz="2200" dirty="0"/>
+              <a:t>Micro Focus</a:t>
             </a:r>
           </a:p>
           <a:p>
             <a:pPr lvl="1"/>
             <a:r>
-              <a:rPr lang="en-US" dirty="0" smtClean="0"/>
-              <a:t>D3.js, </a:t>
-            </a:r>
-            <a:r>
-              <a:rPr lang="en-US" dirty="0" err="1" smtClean="0"/>
-              <a:t>dygraphs</a:t>
-            </a:r>
-            <a:r>
-              <a:rPr lang="en-US" dirty="0" smtClean="0"/>
-              <a:t>, Python charting, Leaflet, Fusion Charts, Google Charts, </a:t>
-            </a:r>
-            <a:r>
-              <a:rPr lang="en-US" dirty="0" err="1" smtClean="0"/>
-              <a:t>etc</a:t>
-            </a:r>
+              <a:rPr lang="en-US" sz="2200" b="1" dirty="0"/>
+              <a:t>Teradata</a:t>
+            </a:r>
+          </a:p>
+          <a:p>
+            <a:r>
+              <a:rPr lang="en-US" sz="2200" dirty="0"/>
+              <a:t>Machine learning</a:t>
+            </a:r>
+          </a:p>
+          <a:p>
+            <a:pPr lvl="1"/>
+            <a:r>
+              <a:rPr lang="en-US" sz="2200" dirty="0" err="1"/>
+              <a:t>DataRobot</a:t>
+            </a:r>
+            <a:endParaRPr lang="en-US" sz="2200" dirty="0"/>
+          </a:p>
+          <a:p>
+            <a:pPr lvl="1"/>
+            <a:r>
+              <a:rPr lang="en-US" sz="2200" dirty="0"/>
+              <a:t>H20.ai</a:t>
+            </a:r>
+          </a:p>
+          <a:p>
+            <a:pPr lvl="1"/>
+            <a:r>
+              <a:rPr lang="en-US" sz="2200" b="1" dirty="0"/>
+              <a:t>Splunk</a:t>
+            </a:r>
+          </a:p>
+          <a:p>
+            <a:pPr lvl="1"/>
+            <a:r>
+              <a:rPr lang="en-US" sz="2200" dirty="0"/>
+              <a:t>The Data Incubator</a:t>
+            </a:r>
+          </a:p>
+          <a:p>
+            <a:pPr lvl="1"/>
+            <a:r>
+              <a:rPr lang="en-US" sz="2200" dirty="0"/>
+              <a:t>Domino</a:t>
+            </a:r>
+          </a:p>
+          <a:p>
+            <a:pPr lvl="1"/>
             <a:endParaRPr lang="en-US" dirty="0"/>
           </a:p>
         </p:txBody>
@@ -5249,20 +5880,13 @@
     </p:spTree>
     <p:extLst>
       <p:ext uri="{BB962C8B-B14F-4D97-AF65-F5344CB8AC3E}">
-        <p14:creationId xmlns:p14="http://schemas.microsoft.com/office/powerpoint/2010/main" val="1727205074"/>
+        <p14:creationId xmlns:p14="http://schemas.microsoft.com/office/powerpoint/2010/main" val="3489895590"/>
       </p:ext>
     </p:extLst>
   </p:cSld>
   <p:clrMapOvr>
     <a:masterClrMapping/>
   </p:clrMapOvr>
-  <p:timing>
-    <p:tnLst>
-      <p:par>
-        <p:cTn xmlns:p14="http://schemas.microsoft.com/office/powerpoint/2010/main" id="1" dur="indefinite" restart="never" nodeType="tmRoot"/>
-      </p:par>
-    </p:tnLst>
-  </p:timing>
 </p:sld>
 </file>
 
@@ -5295,278 +5919,66 @@
         </p:nvSpPr>
         <p:spPr/>
         <p:txBody>
+          <a:bodyPr/>
+          <a:lstStyle/>
+          <a:p>
+            <a:r>
+              <a:rPr lang="en-US" dirty="0"/>
+              <a:t>The real answer</a:t>
+            </a:r>
+          </a:p>
+        </p:txBody>
+      </p:sp>
+      <p:sp>
+        <p:nvSpPr>
+          <p:cNvPr id="3" name="Content Placeholder 2"/>
+          <p:cNvSpPr>
+            <a:spLocks noGrp="1"/>
+          </p:cNvSpPr>
+          <p:nvPr>
+            <p:ph idx="1"/>
+          </p:nvPr>
+        </p:nvSpPr>
+        <p:spPr/>
+        <p:txBody>
           <a:bodyPr>
-            <a:normAutofit fontScale="90000"/>
+            <a:normAutofit/>
           </a:bodyPr>
           <a:lstStyle/>
-          <a:p>
-            <a:r>
-              <a:rPr lang="en-US" dirty="0" smtClean="0"/>
-              <a:t>Fortune top 10 big data </a:t>
-            </a:r>
-            <a:r>
-              <a:rPr lang="en-US" dirty="0"/>
-              <a:t>companies</a:t>
-            </a:r>
-            <a:br>
-              <a:rPr lang="en-US" dirty="0"/>
-            </a:br>
-            <a:r>
-              <a:rPr lang="en-US" sz="1200" dirty="0" err="1"/>
-              <a:t>fortune.com</a:t>
-            </a:r>
-            <a:r>
-              <a:rPr lang="en-US" sz="1200" dirty="0"/>
-              <a:t>/2014/06/13/these-big-data-companies-are-ones-to-watch/</a:t>
-            </a:r>
-          </a:p>
-        </p:txBody>
-      </p:sp>
-      <p:sp>
-        <p:nvSpPr>
-          <p:cNvPr id="3" name="Content Placeholder 2"/>
-          <p:cNvSpPr>
-            <a:spLocks noGrp="1"/>
-          </p:cNvSpPr>
-          <p:nvPr>
-            <p:ph idx="1"/>
-          </p:nvPr>
-        </p:nvSpPr>
-        <p:spPr/>
-        <p:txBody>
-          <a:bodyPr>
-            <a:normAutofit fontScale="70000" lnSpcReduction="20000"/>
-          </a:bodyPr>
-          <a:lstStyle/>
-          <a:p>
-            <a:r>
-              <a:rPr lang="en-US" dirty="0" err="1" smtClean="0"/>
-              <a:t>MapR</a:t>
-            </a:r>
-            <a:r>
-              <a:rPr lang="en-US" dirty="0" smtClean="0"/>
-              <a:t> – Apache Hadoop</a:t>
-            </a:r>
-            <a:endParaRPr lang="en-US" dirty="0"/>
-          </a:p>
-          <a:p>
-            <a:r>
-              <a:rPr lang="en-US" dirty="0" err="1" smtClean="0"/>
-              <a:t>MemSQL</a:t>
-            </a:r>
-            <a:endParaRPr lang="en-US" dirty="0" smtClean="0"/>
-          </a:p>
-          <a:p>
-            <a:r>
-              <a:rPr lang="en-US" dirty="0" err="1" smtClean="0"/>
-              <a:t>Databricks</a:t>
-            </a:r>
-            <a:r>
-              <a:rPr lang="en-US" dirty="0" smtClean="0"/>
-              <a:t> – Apache Spark</a:t>
-            </a:r>
-            <a:endParaRPr lang="en-US" dirty="0"/>
-          </a:p>
-          <a:p>
-            <a:r>
-              <a:rPr lang="en-US" dirty="0" err="1" smtClean="0"/>
-              <a:t>Platfora</a:t>
-            </a:r>
-            <a:r>
-              <a:rPr lang="en-US" dirty="0" smtClean="0"/>
-              <a:t> – Apache Hadoop</a:t>
-            </a:r>
-            <a:endParaRPr lang="en-US" dirty="0"/>
-          </a:p>
-          <a:p>
-            <a:r>
-              <a:rPr lang="en-US" dirty="0" err="1" smtClean="0"/>
-              <a:t>Splunk</a:t>
-            </a:r>
-            <a:endParaRPr lang="en-US" dirty="0"/>
-          </a:p>
-          <a:p>
-            <a:r>
-              <a:rPr lang="en-US" dirty="0" smtClean="0"/>
-              <a:t>Teradata – Apache Hadoop</a:t>
-            </a:r>
-          </a:p>
-          <a:p>
-            <a:r>
-              <a:rPr lang="en-US" dirty="0" err="1" smtClean="0"/>
-              <a:t>Palantir</a:t>
-            </a:r>
-            <a:r>
-              <a:rPr lang="en-US" dirty="0" smtClean="0"/>
-              <a:t> – Hadoop, Cassandra, </a:t>
-            </a:r>
-            <a:r>
-              <a:rPr lang="en-US" dirty="0" err="1" smtClean="0"/>
-              <a:t>Lucene</a:t>
-            </a:r>
-            <a:endParaRPr lang="en-US" dirty="0"/>
-          </a:p>
-          <a:p>
-            <a:r>
-              <a:rPr lang="en-US" dirty="0" smtClean="0"/>
-              <a:t>Premise</a:t>
-            </a:r>
-          </a:p>
-          <a:p>
-            <a:r>
-              <a:rPr lang="en-US" dirty="0" err="1" smtClean="0"/>
-              <a:t>Datameer</a:t>
-            </a:r>
-            <a:r>
-              <a:rPr lang="en-US" dirty="0" smtClean="0"/>
-              <a:t> – Apache Hadoop</a:t>
-            </a:r>
-            <a:endParaRPr lang="en-US" dirty="0"/>
-          </a:p>
-          <a:p>
-            <a:r>
-              <a:rPr lang="en-US" dirty="0" err="1" smtClean="0"/>
-              <a:t>Cloudera</a:t>
-            </a:r>
-            <a:r>
-              <a:rPr lang="en-US" dirty="0" smtClean="0"/>
-              <a:t> – Apache Hadoop</a:t>
-            </a:r>
-          </a:p>
-          <a:p>
-            <a:r>
-              <a:rPr lang="en-US" dirty="0" err="1" smtClean="0"/>
-              <a:t>Hortonworks</a:t>
-            </a:r>
-            <a:r>
-              <a:rPr lang="en-US" dirty="0" smtClean="0"/>
-              <a:t> – Apache Hadoop</a:t>
-            </a:r>
-            <a:endParaRPr lang="en-US" dirty="0"/>
-          </a:p>
-          <a:p>
-            <a:r>
-              <a:rPr lang="en-US" dirty="0" err="1" smtClean="0"/>
-              <a:t>MongoDB</a:t>
-            </a:r>
-            <a:r>
-              <a:rPr lang="en-US" dirty="0"/>
-              <a:t> </a:t>
-            </a:r>
-            <a:r>
-              <a:rPr lang="en-US" dirty="0" smtClean="0"/>
-              <a:t>– </a:t>
-            </a:r>
-            <a:r>
-              <a:rPr lang="en-US" dirty="0" err="1" smtClean="0"/>
-              <a:t>MongoDB</a:t>
-            </a:r>
-            <a:r>
-              <a:rPr lang="en-US" dirty="0" smtClean="0"/>
-              <a:t> </a:t>
-            </a:r>
-          </a:p>
-          <a:p>
-            <a:r>
-              <a:rPr lang="en-US" dirty="0" err="1" smtClean="0"/>
-              <a:t>Trifacta</a:t>
-            </a:r>
-            <a:r>
-              <a:rPr lang="en-US" dirty="0" smtClean="0"/>
-              <a:t> – Apache Hadoop</a:t>
-            </a:r>
-          </a:p>
           <a:p>
             <a:pPr marL="0" indent="0">
               <a:buNone/>
             </a:pPr>
-            <a:endParaRPr lang="en-US" dirty="0"/>
-          </a:p>
-        </p:txBody>
-      </p:sp>
-      <p:sp>
-        <p:nvSpPr>
-          <p:cNvPr id="4" name="Rectangle 3"/>
-          <p:cNvSpPr/>
-          <p:nvPr/>
-        </p:nvSpPr>
-        <p:spPr>
-          <a:xfrm>
-            <a:off x="3810000" y="6096000"/>
-            <a:ext cx="4572000" cy="584776"/>
-          </a:xfrm>
-          <a:prstGeom prst="rect">
-            <a:avLst/>
-          </a:prstGeom>
-        </p:spPr>
-        <p:txBody>
-          <a:bodyPr>
-            <a:spAutoFit/>
-          </a:bodyPr>
-          <a:lstStyle/>
-          <a:p>
-            <a:r>
-              <a:rPr lang="en-US" sz="1600" i="1" dirty="0">
-                <a:solidFill>
-                  <a:srgbClr val="FFFFFF"/>
-                </a:solidFill>
-                <a:latin typeface="Damascus"/>
-              </a:rPr>
-              <a:t>Rapid Web Application Development with </a:t>
-            </a:r>
-            <a:r>
-              <a:rPr lang="en-US" sz="1600" i="1" dirty="0" err="1">
-                <a:solidFill>
-                  <a:srgbClr val="FFFFFF"/>
-                </a:solidFill>
-                <a:latin typeface="Damascus"/>
-              </a:rPr>
-              <a:t>MongoDB</a:t>
-            </a:r>
-            <a:r>
-              <a:rPr lang="en-US" sz="1600" i="1" dirty="0">
-                <a:solidFill>
-                  <a:srgbClr val="FFFFFF"/>
-                </a:solidFill>
-                <a:latin typeface="Damascus"/>
-              </a:rPr>
-              <a:t> and the </a:t>
-            </a:r>
-            <a:r>
-              <a:rPr lang="en-US" sz="1600" i="1" dirty="0" smtClean="0">
-                <a:solidFill>
-                  <a:srgbClr val="FFFFFF"/>
-                </a:solidFill>
-                <a:latin typeface="Damascus"/>
-              </a:rPr>
-              <a:t>JVM – Trisha Gee – Tuesday 16:15</a:t>
-            </a:r>
-            <a:endParaRPr lang="en-US" sz="1600" i="1" dirty="0">
-              <a:solidFill>
-                <a:srgbClr val="FFFFFF"/>
-              </a:solidFill>
-              <a:latin typeface="Damascus"/>
-            </a:endParaRPr>
+            <a:endParaRPr lang="en-US" sz="4000" dirty="0"/>
+          </a:p>
+          <a:p>
+            <a:pPr marL="0" indent="0">
+              <a:buNone/>
+            </a:pPr>
+            <a:r>
+              <a:rPr lang="en-US" sz="4000" dirty="0"/>
+              <a:t>You are on the bleeding edge</a:t>
+            </a:r>
+          </a:p>
+          <a:p>
+            <a:pPr lvl="1"/>
+            <a:r>
+              <a:rPr lang="en-US" sz="3600" dirty="0"/>
+              <a:t>Expect to have some pain</a:t>
+            </a:r>
           </a:p>
         </p:txBody>
       </p:sp>
     </p:spTree>
     <p:extLst>
       <p:ext uri="{BB962C8B-B14F-4D97-AF65-F5344CB8AC3E}">
-        <p14:creationId xmlns:p14="http://schemas.microsoft.com/office/powerpoint/2010/main" val="3731517255"/>
+        <p14:creationId xmlns:p14="http://schemas.microsoft.com/office/powerpoint/2010/main" val="3113742343"/>
       </p:ext>
     </p:extLst>
   </p:cSld>
   <p:clrMapOvr>
     <a:masterClrMapping/>
   </p:clrMapOvr>
-  <p:timing>
-    <p:tnLst>
-      <p:par>
-        <p:cTn xmlns:p14="http://schemas.microsoft.com/office/powerpoint/2010/main" id="1" dur="indefinite" restart="never" nodeType="tmRoot"/>
-      </p:par>
-    </p:tnLst>
-  </p:timing>
 </p:sld>
 </file>
 
@@ -5603,60 +6015,22 @@
           <a:lstStyle/>
           <a:p>
             <a:r>
-              <a:rPr lang="en-US" dirty="0" err="1" smtClean="0"/>
-              <a:t>Hortonworks</a:t>
-            </a:r>
-            <a:endParaRPr lang="en-US" dirty="0"/>
-          </a:p>
-        </p:txBody>
-      </p:sp>
-      <p:pic>
-        <p:nvPicPr>
-          <p:cNvPr id="4" name="Picture 3"/>
-          <p:cNvPicPr>
-            <a:picLocks noChangeAspect="1"/>
-          </p:cNvPicPr>
-          <p:nvPr/>
-        </p:nvPicPr>
-        <p:blipFill>
-          <a:blip r:embed="rId2" cstate="print">
-            <a:extLst>
-              <a:ext uri="{28A0092B-C50C-407E-A947-70E740481C1C}">
-                <a14:useLocalDpi xmlns:a14="http://schemas.microsoft.com/office/drawing/2010/main"/>
-              </a:ext>
-            </a:extLst>
-          </a:blip>
-          <a:stretch>
-            <a:fillRect/>
-          </a:stretch>
-        </p:blipFill>
-        <p:spPr>
-          <a:xfrm>
-            <a:off x="0" y="1254810"/>
-            <a:ext cx="9144000" cy="4996288"/>
-          </a:xfrm>
-          <a:prstGeom prst="rect">
-            <a:avLst/>
-          </a:prstGeom>
-        </p:spPr>
-      </p:pic>
+              <a:rPr lang="en-US" dirty="0"/>
+              <a:t>Questions?</a:t>
+            </a:r>
+          </a:p>
+        </p:txBody>
+      </p:sp>
     </p:spTree>
     <p:extLst>
       <p:ext uri="{BB962C8B-B14F-4D97-AF65-F5344CB8AC3E}">
-        <p14:creationId xmlns:p14="http://schemas.microsoft.com/office/powerpoint/2010/main" val="3038788680"/>
+        <p14:creationId xmlns:p14="http://schemas.microsoft.com/office/powerpoint/2010/main" val="4217437947"/>
       </p:ext>
     </p:extLst>
   </p:cSld>
   <p:clrMapOvr>
     <a:masterClrMapping/>
   </p:clrMapOvr>
-  <p:timing>
-    <p:tnLst>
-      <p:par>
-        <p:cTn xmlns:p14="http://schemas.microsoft.com/office/powerpoint/2010/main" id="1" dur="indefinite" restart="never" nodeType="tmRoot"/>
-      </p:par>
-    </p:tnLst>
-  </p:timing>
 </p:sld>
 </file>
 
@@ -5691,14 +6065,14 @@
           <a:noFill/>
           <a:extLst>
             <a:ext uri="{909E8E84-426E-40dd-AFC4-6F175D3DCCD1}">
-              <a14:hiddenFill xmlns:a14="http://schemas.microsoft.com/office/drawing/2010/main">
+              <a14:hiddenFill xmlns="" xmlns:a14="http://schemas.microsoft.com/office/drawing/2010/main">
                 <a:solidFill>
                   <a:srgbClr val="FFFFFF"/>
                 </a:solidFill>
               </a14:hiddenFill>
             </a:ext>
             <a:ext uri="{91240B29-F687-4f45-9708-019B960494DF}">
-              <a14:hiddenLine xmlns:a14="http://schemas.microsoft.com/office/drawing/2010/main" w="9525">
+              <a14:hiddenLine xmlns="" xmlns:a14="http://schemas.microsoft.com/office/drawing/2010/main" w="9525">
                 <a:solidFill>
                   <a:srgbClr val="000000"/>
                 </a:solidFill>
@@ -5719,16 +6093,12 @@
           <a:p>
             <a:pPr eaLnBrk="1" hangingPunct="1"/>
             <a:r>
-              <a:rPr lang="en-US" dirty="0" smtClean="0">
+              <a:rPr lang="en-US" dirty="0">
                 <a:ea typeface="ヒラギノ角ゴ ProN W3" charset="0"/>
                 <a:cs typeface="ヒラギノ角ゴ ProN W3" charset="0"/>
               </a:rPr>
               <a:t>Contents</a:t>
             </a:r>
-            <a:endParaRPr lang="en-US" dirty="0">
-              <a:ea typeface="ヒラギノ角ゴ ProN W3" charset="0"/>
-              <a:cs typeface="ヒラギノ角ゴ ProN W3" charset="0"/>
-            </a:endParaRPr>
           </a:p>
         </p:txBody>
       </p:sp>
@@ -5746,14 +6116,14 @@
           <a:noFill/>
           <a:extLst>
             <a:ext uri="{909E8E84-426E-40dd-AFC4-6F175D3DCCD1}">
-              <a14:hiddenFill xmlns:a14="http://schemas.microsoft.com/office/drawing/2010/main">
+              <a14:hiddenFill xmlns="" xmlns:a14="http://schemas.microsoft.com/office/drawing/2010/main">
                 <a:solidFill>
                   <a:srgbClr val="FFFFFF"/>
                 </a:solidFill>
               </a14:hiddenFill>
             </a:ext>
             <a:ext uri="{91240B29-F687-4f45-9708-019B960494DF}">
-              <a14:hiddenLine xmlns:a14="http://schemas.microsoft.com/office/drawing/2010/main" w="9525">
+              <a14:hiddenLine xmlns="" xmlns:a14="http://schemas.microsoft.com/office/drawing/2010/main" w="9525">
                 <a:solidFill>
                   <a:srgbClr val="000000"/>
                 </a:solidFill>
@@ -5769,13 +6139,13 @@
             <a:prstTxWarp prst="textNoShape">
               <a:avLst/>
             </a:prstTxWarp>
-            <a:normAutofit lnSpcReduction="10000"/>
+            <a:normAutofit/>
           </a:bodyPr>
           <a:lstStyle/>
           <a:p>
             <a:pPr eaLnBrk="1" hangingPunct="1"/>
             <a:r>
-              <a:rPr lang="en-US" dirty="0" smtClean="0">
+              <a:rPr lang="en-US" dirty="0">
                 <a:ea typeface="ヒラギノ角ゴ ProN W3" charset="0"/>
                 <a:cs typeface="ヒラギノ角ゴ ProN W3" charset="0"/>
               </a:rPr>
@@ -5785,7 +6155,7 @@
           <a:p>
             <a:pPr eaLnBrk="1" hangingPunct="1"/>
             <a:r>
-              <a:rPr lang="en-US" dirty="0" smtClean="0">
+              <a:rPr lang="en-US" dirty="0">
                 <a:ea typeface="ヒラギノ角ゴ ProN W3" charset="0"/>
                 <a:cs typeface="ヒラギノ角ゴ ProN W3" charset="0"/>
               </a:rPr>
@@ -5795,21 +6165,21 @@
           <a:p>
             <a:pPr eaLnBrk="1" hangingPunct="1"/>
             <a:r>
-              <a:rPr lang="en-US" dirty="0" smtClean="0">
+              <a:rPr lang="en-US" dirty="0">
                 <a:ea typeface="ヒラギノ角ゴ ProN W3" charset="0"/>
                 <a:cs typeface="ヒラギノ角ゴ ProN W3" charset="0"/>
               </a:rPr>
               <a:t>Message </a:t>
             </a:r>
             <a:r>
-              <a:rPr lang="en-US" dirty="0" err="1" smtClean="0">
+              <a:rPr lang="en-US" dirty="0" err="1">
                 <a:ea typeface="ヒラギノ角ゴ ProN W3" charset="0"/>
                 <a:cs typeface="ヒラギノ角ゴ ProN W3" charset="0"/>
               </a:rPr>
               <a:t>queueing</a:t>
             </a:r>
             <a:r>
-              <a:rPr lang="en-US" dirty="0" smtClean="0">
+              <a:rPr lang="en-US" dirty="0">
                 <a:ea typeface="ヒラギノ角ゴ ProN W3" charset="0"/>
                 <a:cs typeface="ヒラギノ角ゴ ProN W3" charset="0"/>
               </a:rPr>
@@ -5819,7 +6189,7 @@
           <a:p>
             <a:pPr eaLnBrk="1" hangingPunct="1"/>
             <a:r>
-              <a:rPr lang="en-US" dirty="0" smtClean="0">
+              <a:rPr lang="en-US" dirty="0">
                 <a:ea typeface="ヒラギノ角ゴ ProN W3" charset="0"/>
                 <a:cs typeface="ヒラギノ角ゴ ProN W3" charset="0"/>
               </a:rPr>
@@ -5829,14 +6199,14 @@
           <a:p>
             <a:pPr eaLnBrk="1" hangingPunct="1"/>
             <a:r>
-              <a:rPr lang="en-US" dirty="0" err="1" smtClean="0">
+              <a:rPr lang="en-US" dirty="0" err="1">
                 <a:ea typeface="ヒラギノ角ゴ ProN W3" charset="0"/>
                 <a:cs typeface="ヒラギノ角ゴ ProN W3" charset="0"/>
               </a:rPr>
               <a:t>Realtime</a:t>
             </a:r>
             <a:r>
-              <a:rPr lang="en-US" dirty="0" smtClean="0">
+              <a:rPr lang="en-US" dirty="0">
                 <a:ea typeface="ヒラギノ角ゴ ProN W3" charset="0"/>
                 <a:cs typeface="ヒラギノ角ゴ ProN W3" charset="0"/>
               </a:rPr>
@@ -5846,7 +6216,7 @@
           <a:p>
             <a:pPr eaLnBrk="1" hangingPunct="1"/>
             <a:r>
-              <a:rPr lang="en-US" dirty="0" smtClean="0">
+              <a:rPr lang="en-US" dirty="0">
                 <a:ea typeface="ヒラギノ角ゴ ProN W3" charset="0"/>
                 <a:cs typeface="ヒラギノ角ゴ ProN W3" charset="0"/>
               </a:rPr>
@@ -5856,14 +6226,14 @@
           <a:p>
             <a:pPr eaLnBrk="1" hangingPunct="1"/>
             <a:r>
-              <a:rPr lang="en-US" dirty="0" err="1" smtClean="0">
+              <a:rPr lang="en-US" dirty="0" err="1">
                 <a:ea typeface="ヒラギノ角ゴ ProN W3" charset="0"/>
                 <a:cs typeface="ヒラギノ角ゴ ProN W3" charset="0"/>
               </a:rPr>
               <a:t>Visualisation</a:t>
             </a:r>
             <a:r>
-              <a:rPr lang="en-US" dirty="0" smtClean="0">
+              <a:rPr lang="en-US" dirty="0">
                 <a:ea typeface="ヒラギノ角ゴ ProN W3" charset="0"/>
                 <a:cs typeface="ヒラギノ角ゴ ProN W3" charset="0"/>
               </a:rPr>
@@ -5874,7 +6244,7 @@
             <a:pPr marL="0" indent="0" eaLnBrk="1" hangingPunct="1">
               <a:buNone/>
             </a:pPr>
-            <a:endParaRPr lang="en-US" dirty="0" smtClean="0">
+            <a:endParaRPr lang="en-US" dirty="0">
               <a:ea typeface="ヒラギノ角ゴ ProN W3" charset="0"/>
               <a:cs typeface="ヒラギノ角ゴ ProN W3" charset="0"/>
             </a:endParaRPr>
@@ -5891,434 +6261,6 @@
   <p:clrMapOvr>
     <a:masterClrMapping/>
   </p:clrMapOvr>
-  <mc:AlternateContent xmlns:mc="http://schemas.openxmlformats.org/markup-compatibility/2006" xmlns:p14="http://schemas.microsoft.com/office/powerpoint/2010/main">
-    <mc:Choice Requires="p14">
-      <p:transition spd="slow" p14:dur="2000"/>
-    </mc:Choice>
-    <mc:Fallback xmlns="">
-      <p:transition xmlns:p14="http://schemas.microsoft.com/office/powerpoint/2010/main" spd="slow"/>
-    </mc:Fallback>
-  </mc:AlternateContent>
-  <p:timing>
-    <p:tnLst>
-      <p:par>
-        <p:cTn xmlns:p14="http://schemas.microsoft.com/office/powerpoint/2010/main" id="1" dur="indefinite" restart="never" nodeType="tmRoot"/>
-      </p:par>
-    </p:tnLst>
-  </p:timing>
-</p:sld>
-</file>
-
-<file path=ppt/slides/slide20.xml><?xml version="1.0" encoding="utf-8"?>
-<p:sld xmlns:a="http://schemas.openxmlformats.org/drawingml/2006/main" xmlns:r="http://schemas.openxmlformats.org/officeDocument/2006/relationships" xmlns:p="http://schemas.openxmlformats.org/presentationml/2006/main">
-  <p:cSld>
-    <p:spTree>
-      <p:nvGrpSpPr>
-        <p:cNvPr id="1" name=""/>
-        <p:cNvGrpSpPr/>
-        <p:nvPr/>
-      </p:nvGrpSpPr>
-      <p:grpSpPr>
-        <a:xfrm>
-          <a:off x="0" y="0"/>
-          <a:ext cx="0" cy="0"/>
-          <a:chOff x="0" y="0"/>
-          <a:chExt cx="0" cy="0"/>
-        </a:xfrm>
-      </p:grpSpPr>
-      <p:sp>
-        <p:nvSpPr>
-          <p:cNvPr id="2" name="Title 1"/>
-          <p:cNvSpPr>
-            <a:spLocks noGrp="1"/>
-          </p:cNvSpPr>
-          <p:nvPr>
-            <p:ph type="title"/>
-          </p:nvPr>
-        </p:nvSpPr>
-        <p:spPr/>
-        <p:txBody>
-          <a:bodyPr/>
-          <a:lstStyle/>
-          <a:p>
-            <a:r>
-              <a:rPr lang="en-US" dirty="0" err="1" smtClean="0"/>
-              <a:t>Databricks</a:t>
-            </a:r>
-            <a:endParaRPr lang="en-US" dirty="0"/>
-          </a:p>
-        </p:txBody>
-      </p:sp>
-      <p:pic>
-        <p:nvPicPr>
-          <p:cNvPr id="4" name="Picture 3"/>
-          <p:cNvPicPr>
-            <a:picLocks noChangeAspect="1"/>
-          </p:cNvPicPr>
-          <p:nvPr/>
-        </p:nvPicPr>
-        <p:blipFill>
-          <a:blip r:embed="rId2"/>
-          <a:stretch>
-            <a:fillRect/>
-          </a:stretch>
-        </p:blipFill>
-        <p:spPr>
-          <a:xfrm>
-            <a:off x="0" y="1237336"/>
-            <a:ext cx="9144000" cy="4887310"/>
-          </a:xfrm>
-          <a:prstGeom prst="rect">
-            <a:avLst/>
-          </a:prstGeom>
-        </p:spPr>
-      </p:pic>
-    </p:spTree>
-    <p:extLst>
-      <p:ext uri="{BB962C8B-B14F-4D97-AF65-F5344CB8AC3E}">
-        <p14:creationId xmlns:p14="http://schemas.microsoft.com/office/powerpoint/2010/main" val="3986285481"/>
-      </p:ext>
-    </p:extLst>
-  </p:cSld>
-  <p:clrMapOvr>
-    <a:masterClrMapping/>
-  </p:clrMapOvr>
-  <p:timing>
-    <p:tnLst>
-      <p:par>
-        <p:cTn xmlns:p14="http://schemas.microsoft.com/office/powerpoint/2010/main" id="1" dur="indefinite" restart="never" nodeType="tmRoot"/>
-      </p:par>
-    </p:tnLst>
-  </p:timing>
-</p:sld>
-</file>
-
-<file path=ppt/slides/slide21.xml><?xml version="1.0" encoding="utf-8"?>
-<p:sld xmlns:a="http://schemas.openxmlformats.org/drawingml/2006/main" xmlns:r="http://schemas.openxmlformats.org/officeDocument/2006/relationships" xmlns:p="http://schemas.openxmlformats.org/presentationml/2006/main">
-  <p:cSld>
-    <p:spTree>
-      <p:nvGrpSpPr>
-        <p:cNvPr id="1" name=""/>
-        <p:cNvGrpSpPr/>
-        <p:nvPr/>
-      </p:nvGrpSpPr>
-      <p:grpSpPr>
-        <a:xfrm>
-          <a:off x="0" y="0"/>
-          <a:ext cx="0" cy="0"/>
-          <a:chOff x="0" y="0"/>
-          <a:chExt cx="0" cy="0"/>
-        </a:xfrm>
-      </p:grpSpPr>
-      <p:sp>
-        <p:nvSpPr>
-          <p:cNvPr id="2" name="Title 1"/>
-          <p:cNvSpPr>
-            <a:spLocks noGrp="1"/>
-          </p:cNvSpPr>
-          <p:nvPr>
-            <p:ph type="title"/>
-          </p:nvPr>
-        </p:nvSpPr>
-        <p:spPr/>
-        <p:txBody>
-          <a:bodyPr/>
-          <a:lstStyle/>
-          <a:p>
-            <a:r>
-              <a:rPr lang="en-US" dirty="0" smtClean="0"/>
-              <a:t>WSO2 DAS</a:t>
-            </a:r>
-            <a:endParaRPr lang="en-US" dirty="0"/>
-          </a:p>
-        </p:txBody>
-      </p:sp>
-      <p:pic>
-        <p:nvPicPr>
-          <p:cNvPr id="4" name="Picture 3"/>
-          <p:cNvPicPr>
-            <a:picLocks noChangeAspect="1"/>
-          </p:cNvPicPr>
-          <p:nvPr/>
-        </p:nvPicPr>
-        <p:blipFill>
-          <a:blip r:embed="rId2"/>
-          <a:stretch>
-            <a:fillRect/>
-          </a:stretch>
-        </p:blipFill>
-        <p:spPr>
-          <a:xfrm>
-            <a:off x="0" y="1409700"/>
-            <a:ext cx="9144000" cy="4022171"/>
-          </a:xfrm>
-          <a:prstGeom prst="rect">
-            <a:avLst/>
-          </a:prstGeom>
-        </p:spPr>
-      </p:pic>
-    </p:spTree>
-    <p:extLst>
-      <p:ext uri="{BB962C8B-B14F-4D97-AF65-F5344CB8AC3E}">
-        <p14:creationId xmlns:p14="http://schemas.microsoft.com/office/powerpoint/2010/main" val="1078099972"/>
-      </p:ext>
-    </p:extLst>
-  </p:cSld>
-  <p:clrMapOvr>
-    <a:masterClrMapping/>
-  </p:clrMapOvr>
-  <p:timing>
-    <p:tnLst>
-      <p:par>
-        <p:cTn xmlns:p14="http://schemas.microsoft.com/office/powerpoint/2010/main" id="1" dur="indefinite" restart="never" nodeType="tmRoot"/>
-      </p:par>
-    </p:tnLst>
-  </p:timing>
-</p:sld>
-</file>
-
-<file path=ppt/slides/slide22.xml><?xml version="1.0" encoding="utf-8"?>
-<p:sld xmlns:a="http://schemas.openxmlformats.org/drawingml/2006/main" xmlns:r="http://schemas.openxmlformats.org/officeDocument/2006/relationships" xmlns:p="http://schemas.openxmlformats.org/presentationml/2006/main">
-  <p:cSld>
-    <p:spTree>
-      <p:nvGrpSpPr>
-        <p:cNvPr id="1" name=""/>
-        <p:cNvGrpSpPr/>
-        <p:nvPr/>
-      </p:nvGrpSpPr>
-      <p:grpSpPr>
-        <a:xfrm>
-          <a:off x="0" y="0"/>
-          <a:ext cx="0" cy="0"/>
-          <a:chOff x="0" y="0"/>
-          <a:chExt cx="0" cy="0"/>
-        </a:xfrm>
-      </p:grpSpPr>
-      <p:sp>
-        <p:nvSpPr>
-          <p:cNvPr id="2" name="Title 1"/>
-          <p:cNvSpPr>
-            <a:spLocks noGrp="1"/>
-          </p:cNvSpPr>
-          <p:nvPr>
-            <p:ph type="title"/>
-          </p:nvPr>
-        </p:nvSpPr>
-        <p:spPr/>
-        <p:txBody>
-          <a:bodyPr/>
-          <a:lstStyle/>
-          <a:p>
-            <a:r>
-              <a:rPr lang="en-US" dirty="0" smtClean="0"/>
-              <a:t>Lambda</a:t>
-            </a:r>
-            <a:endParaRPr lang="en-US" dirty="0"/>
-          </a:p>
-        </p:txBody>
-      </p:sp>
-      <p:pic>
-        <p:nvPicPr>
-          <p:cNvPr id="4" name="Picture 3"/>
-          <p:cNvPicPr>
-            <a:picLocks noChangeAspect="1"/>
-          </p:cNvPicPr>
-          <p:nvPr/>
-        </p:nvPicPr>
-        <p:blipFill>
-          <a:blip r:embed="rId2"/>
-          <a:stretch>
-            <a:fillRect/>
-          </a:stretch>
-        </p:blipFill>
-        <p:spPr>
-          <a:xfrm>
-            <a:off x="762000" y="1585010"/>
-            <a:ext cx="7620000" cy="4343400"/>
-          </a:xfrm>
-          <a:prstGeom prst="rect">
-            <a:avLst/>
-          </a:prstGeom>
-        </p:spPr>
-      </p:pic>
-    </p:spTree>
-    <p:extLst>
-      <p:ext uri="{BB962C8B-B14F-4D97-AF65-F5344CB8AC3E}">
-        <p14:creationId xmlns:p14="http://schemas.microsoft.com/office/powerpoint/2010/main" val="2782888861"/>
-      </p:ext>
-    </p:extLst>
-  </p:cSld>
-  <p:clrMapOvr>
-    <a:masterClrMapping/>
-  </p:clrMapOvr>
-  <p:timing>
-    <p:tnLst>
-      <p:par>
-        <p:cTn xmlns:p14="http://schemas.microsoft.com/office/powerpoint/2010/main" id="1" dur="indefinite" restart="never" nodeType="tmRoot"/>
-      </p:par>
-    </p:tnLst>
-  </p:timing>
-</p:sld>
-</file>
-
-<file path=ppt/slides/slide23.xml><?xml version="1.0" encoding="utf-8"?>
-<p:sld xmlns:a="http://schemas.openxmlformats.org/drawingml/2006/main" xmlns:r="http://schemas.openxmlformats.org/officeDocument/2006/relationships" xmlns:p="http://schemas.openxmlformats.org/presentationml/2006/main">
-  <p:cSld>
-    <p:spTree>
-      <p:nvGrpSpPr>
-        <p:cNvPr id="1" name=""/>
-        <p:cNvGrpSpPr/>
-        <p:nvPr/>
-      </p:nvGrpSpPr>
-      <p:grpSpPr>
-        <a:xfrm>
-          <a:off x="0" y="0"/>
-          <a:ext cx="0" cy="0"/>
-          <a:chOff x="0" y="0"/>
-          <a:chExt cx="0" cy="0"/>
-        </a:xfrm>
-      </p:grpSpPr>
-      <p:sp>
-        <p:nvSpPr>
-          <p:cNvPr id="2" name="Title 1"/>
-          <p:cNvSpPr>
-            <a:spLocks noGrp="1"/>
-          </p:cNvSpPr>
-          <p:nvPr>
-            <p:ph type="title"/>
-          </p:nvPr>
-        </p:nvSpPr>
-        <p:spPr/>
-        <p:txBody>
-          <a:bodyPr/>
-          <a:lstStyle/>
-          <a:p>
-            <a:r>
-              <a:rPr lang="en-US" dirty="0" smtClean="0"/>
-              <a:t>The real answer</a:t>
-            </a:r>
-            <a:endParaRPr lang="en-US" dirty="0"/>
-          </a:p>
-        </p:txBody>
-      </p:sp>
-      <p:sp>
-        <p:nvSpPr>
-          <p:cNvPr id="3" name="Content Placeholder 2"/>
-          <p:cNvSpPr>
-            <a:spLocks noGrp="1"/>
-          </p:cNvSpPr>
-          <p:nvPr>
-            <p:ph idx="1"/>
-          </p:nvPr>
-        </p:nvSpPr>
-        <p:spPr/>
-        <p:txBody>
-          <a:bodyPr>
-            <a:normAutofit/>
-          </a:bodyPr>
-          <a:lstStyle/>
-          <a:p>
-            <a:pPr marL="0" indent="0">
-              <a:buNone/>
-            </a:pPr>
-            <a:endParaRPr lang="en-US" sz="4000" dirty="0"/>
-          </a:p>
-          <a:p>
-            <a:pPr marL="0" indent="0">
-              <a:buNone/>
-            </a:pPr>
-            <a:r>
-              <a:rPr lang="en-US" sz="4000" dirty="0" smtClean="0"/>
-              <a:t>You are on the bleeding edge</a:t>
-            </a:r>
-          </a:p>
-          <a:p>
-            <a:pPr lvl="1"/>
-            <a:r>
-              <a:rPr lang="en-US" sz="3600" dirty="0" smtClean="0"/>
-              <a:t>Expect to have some pain</a:t>
-            </a:r>
-            <a:endParaRPr lang="en-US" sz="3600" dirty="0"/>
-          </a:p>
-        </p:txBody>
-      </p:sp>
-    </p:spTree>
-    <p:extLst>
-      <p:ext uri="{BB962C8B-B14F-4D97-AF65-F5344CB8AC3E}">
-        <p14:creationId xmlns:p14="http://schemas.microsoft.com/office/powerpoint/2010/main" val="3113742343"/>
-      </p:ext>
-    </p:extLst>
-  </p:cSld>
-  <p:clrMapOvr>
-    <a:masterClrMapping/>
-  </p:clrMapOvr>
-  <p:timing>
-    <p:tnLst>
-      <p:par>
-        <p:cTn xmlns:p14="http://schemas.microsoft.com/office/powerpoint/2010/main" id="1" dur="indefinite" restart="never" nodeType="tmRoot"/>
-      </p:par>
-    </p:tnLst>
-  </p:timing>
-</p:sld>
-</file>
-
-<file path=ppt/slides/slide24.xml><?xml version="1.0" encoding="utf-8"?>
-<p:sld xmlns:a="http://schemas.openxmlformats.org/drawingml/2006/main" xmlns:r="http://schemas.openxmlformats.org/officeDocument/2006/relationships" xmlns:p="http://schemas.openxmlformats.org/presentationml/2006/main">
-  <p:cSld>
-    <p:spTree>
-      <p:nvGrpSpPr>
-        <p:cNvPr id="1" name=""/>
-        <p:cNvGrpSpPr/>
-        <p:nvPr/>
-      </p:nvGrpSpPr>
-      <p:grpSpPr>
-        <a:xfrm>
-          <a:off x="0" y="0"/>
-          <a:ext cx="0" cy="0"/>
-          <a:chOff x="0" y="0"/>
-          <a:chExt cx="0" cy="0"/>
-        </a:xfrm>
-      </p:grpSpPr>
-      <p:sp>
-        <p:nvSpPr>
-          <p:cNvPr id="2" name="Title 1"/>
-          <p:cNvSpPr>
-            <a:spLocks noGrp="1"/>
-          </p:cNvSpPr>
-          <p:nvPr>
-            <p:ph type="title"/>
-          </p:nvPr>
-        </p:nvSpPr>
-        <p:spPr/>
-        <p:txBody>
-          <a:bodyPr/>
-          <a:lstStyle/>
-          <a:p>
-            <a:r>
-              <a:rPr lang="en-US" dirty="0" smtClean="0"/>
-              <a:t>Questions?</a:t>
-            </a:r>
-            <a:endParaRPr lang="en-US" dirty="0"/>
-          </a:p>
-        </p:txBody>
-      </p:sp>
-    </p:spTree>
-    <p:extLst>
-      <p:ext uri="{BB962C8B-B14F-4D97-AF65-F5344CB8AC3E}">
-        <p14:creationId xmlns:p14="http://schemas.microsoft.com/office/powerpoint/2010/main" val="4217437947"/>
-      </p:ext>
-    </p:extLst>
-  </p:cSld>
-  <p:clrMapOvr>
-    <a:masterClrMapping/>
-  </p:clrMapOvr>
-  <p:timing>
-    <p:tnLst>
-      <p:par>
-        <p:cTn xmlns:p14="http://schemas.microsoft.com/office/powerpoint/2010/main" id="1" dur="indefinite" restart="never" nodeType="tmRoot"/>
-      </p:par>
-    </p:tnLst>
-  </p:timing>
 </p:sld>
 </file>
 
@@ -6388,10 +6330,9 @@
             <a:p>
               <a:pPr algn="ctr"/>
               <a:r>
-                <a:rPr lang="en-US" dirty="0" smtClean="0"/>
+                <a:rPr lang="en-US" dirty="0"/>
                 <a:t>The World</a:t>
               </a:r>
-              <a:endParaRPr lang="en-US" dirty="0"/>
             </a:p>
           </p:txBody>
         </p:sp>
@@ -6608,18 +6549,18 @@
             <a:lstStyle/>
             <a:p>
               <a:r>
-                <a:rPr lang="en-US" dirty="0" smtClean="0"/>
+                <a:rPr lang="en-US" dirty="0"/>
                 <a:t>Data collection </a:t>
               </a:r>
               <a:br>
-                <a:rPr lang="en-US" dirty="0" smtClean="0"/>
+                <a:rPr lang="en-US" dirty="0"/>
               </a:br>
               <a:r>
-                <a:rPr lang="en-US" dirty="0" smtClean="0"/>
+                <a:rPr lang="en-US" dirty="0"/>
                 <a:t>models, </a:t>
               </a:r>
               <a:r>
-                <a:rPr lang="en-US" dirty="0" err="1" smtClean="0"/>
+                <a:rPr lang="en-US" dirty="0" err="1"/>
                 <a:t>queueing</a:t>
               </a:r>
               <a:endParaRPr lang="en-US" dirty="0"/>
@@ -6661,10 +6602,9 @@
             <a:p>
               <a:pPr algn="ctr"/>
               <a:r>
-                <a:rPr lang="en-US" dirty="0" smtClean="0"/>
+                <a:rPr lang="en-US" dirty="0"/>
                 <a:t>Storage</a:t>
               </a:r>
-              <a:endParaRPr lang="en-US" dirty="0"/>
             </a:p>
           </p:txBody>
         </p:sp>
@@ -6855,7 +6795,7 @@
             <a:p>
               <a:pPr algn="ctr"/>
               <a:r>
-                <a:rPr lang="en-US" sz="1200" dirty="0" err="1" smtClean="0"/>
+                <a:rPr lang="en-US" sz="1200" dirty="0" err="1"/>
                 <a:t>Realtime</a:t>
               </a:r>
               <a:endParaRPr lang="en-US" sz="1200" dirty="0"/>
@@ -6885,10 +6825,9 @@
             <a:lstStyle/>
             <a:p>
               <a:r>
-                <a:rPr lang="en-US" dirty="0" smtClean="0"/>
+                <a:rPr lang="en-US" dirty="0"/>
                 <a:t>Master data</a:t>
               </a:r>
-              <a:endParaRPr lang="en-US" dirty="0"/>
             </a:p>
           </p:txBody>
         </p:sp>
@@ -7041,14 +6980,13 @@
             <a:p>
               <a:pPr algn="ctr"/>
               <a:r>
-                <a:rPr lang="en-US" dirty="0" err="1" smtClean="0"/>
+                <a:rPr lang="en-US" dirty="0" err="1"/>
                 <a:t>Visualisation</a:t>
               </a:r>
               <a:r>
-                <a:rPr lang="en-US" dirty="0" smtClean="0"/>
+                <a:rPr lang="en-US" dirty="0"/>
                 <a:t> Store</a:t>
               </a:r>
-              <a:endParaRPr lang="en-US" dirty="0"/>
             </a:p>
           </p:txBody>
         </p:sp>
@@ -7087,14 +7025,13 @@
             <a:p>
               <a:pPr algn="ctr"/>
               <a:r>
-                <a:rPr lang="en-US" dirty="0" err="1" smtClean="0"/>
+                <a:rPr lang="en-US" dirty="0" err="1"/>
                 <a:t>Visualisation</a:t>
               </a:r>
               <a:r>
-                <a:rPr lang="en-US" dirty="0" smtClean="0"/>
+                <a:rPr lang="en-US" dirty="0"/>
                 <a:t> System</a:t>
               </a:r>
-              <a:endParaRPr lang="en-US" dirty="0"/>
             </a:p>
           </p:txBody>
         </p:sp>
@@ -7297,25 +7234,25 @@
             <a:lstStyle/>
             <a:p>
               <a:r>
-                <a:rPr lang="en-US" dirty="0" smtClean="0"/>
+                <a:rPr lang="en-US" dirty="0"/>
                 <a:t>DAG pipeline</a:t>
               </a:r>
               <a:br>
-                <a:rPr lang="en-US" dirty="0" smtClean="0"/>
+                <a:rPr lang="en-US" dirty="0"/>
               </a:br>
               <a:r>
-                <a:rPr lang="en-US" dirty="0" smtClean="0"/>
+                <a:rPr lang="en-US" dirty="0"/>
                 <a:t>Map-Reduce</a:t>
               </a:r>
               <a:br>
-                <a:rPr lang="en-US" dirty="0" smtClean="0"/>
+                <a:rPr lang="en-US" dirty="0"/>
               </a:br>
               <a:r>
-                <a:rPr lang="en-US" dirty="0" smtClean="0"/>
+                <a:rPr lang="en-US" dirty="0"/>
                 <a:t>Micro-batch </a:t>
               </a:r>
               <a:r>
-                <a:rPr lang="en-US" dirty="0" err="1" smtClean="0"/>
+                <a:rPr lang="en-US" dirty="0" err="1"/>
                 <a:t>etc</a:t>
               </a:r>
               <a:endParaRPr lang="en-US" dirty="0"/>
@@ -7345,21 +7282,20 @@
             <a:lstStyle/>
             <a:p>
               <a:r>
-                <a:rPr lang="en-US" dirty="0" err="1" smtClean="0"/>
+                <a:rPr lang="en-US" dirty="0" err="1"/>
                 <a:t>NoSQL</a:t>
               </a:r>
               <a:r>
-                <a:rPr lang="en-US" dirty="0" smtClean="0"/>
+                <a:rPr lang="en-US" dirty="0"/>
                 <a:t> or</a:t>
               </a:r>
               <a:br>
-                <a:rPr lang="en-US" dirty="0" smtClean="0"/>
+                <a:rPr lang="en-US" dirty="0"/>
               </a:br>
               <a:r>
-                <a:rPr lang="en-US" dirty="0" smtClean="0"/>
+                <a:rPr lang="en-US" dirty="0"/>
                 <a:t>SQL database</a:t>
               </a:r>
-              <a:endParaRPr lang="en-US" dirty="0"/>
             </a:p>
           </p:txBody>
         </p:sp>
@@ -7382,11 +7318,11 @@
           <a:lstStyle/>
           <a:p>
             <a:r>
-              <a:rPr lang="en-US" sz="3600" dirty="0" smtClean="0"/>
+              <a:rPr lang="en-US" sz="3600" dirty="0"/>
               <a:t>The big picture</a:t>
             </a:r>
             <a:br>
-              <a:rPr lang="en-US" sz="3600" dirty="0" smtClean="0"/>
+              <a:rPr lang="en-US" sz="3600" dirty="0"/>
             </a:br>
             <a:endParaRPr lang="en-US" sz="3600" dirty="0"/>
           </a:p>
@@ -7402,13 +7338,6 @@
   <p:clrMapOvr>
     <a:masterClrMapping/>
   </p:clrMapOvr>
-  <p:timing>
-    <p:tnLst>
-      <p:par>
-        <p:cTn xmlns:p14="http://schemas.microsoft.com/office/powerpoint/2010/main" id="1" dur="indefinite" restart="never" nodeType="tmRoot"/>
-      </p:par>
-    </p:tnLst>
-  </p:timing>
 </p:sld>
 </file>
 
@@ -7445,10 +7374,9 @@
           <a:lstStyle/>
           <a:p>
             <a:r>
-              <a:rPr lang="en-US" dirty="0" smtClean="0"/>
+              <a:rPr lang="en-US" dirty="0"/>
               <a:t>The big picture</a:t>
             </a:r>
-            <a:endParaRPr lang="en-US" dirty="0"/>
           </a:p>
         </p:txBody>
       </p:sp>
@@ -7470,62 +7398,61 @@
           <a:lstStyle/>
           <a:p>
             <a:r>
-              <a:rPr lang="en-US" dirty="0" smtClean="0"/>
+              <a:rPr lang="en-US" dirty="0"/>
               <a:t>You have </a:t>
             </a:r>
             <a:r>
-              <a:rPr lang="en-US" i="1" dirty="0" smtClean="0"/>
+              <a:rPr lang="en-US" i="1" dirty="0"/>
               <a:t>immutable </a:t>
             </a:r>
             <a:r>
-              <a:rPr lang="en-US" dirty="0" smtClean="0"/>
+              <a:rPr lang="en-US" dirty="0"/>
               <a:t>master data</a:t>
             </a:r>
           </a:p>
           <a:p>
             <a:r>
-              <a:rPr lang="en-US" dirty="0" smtClean="0"/>
+              <a:rPr lang="en-US" dirty="0"/>
               <a:t>You create a set of processes to:</a:t>
             </a:r>
           </a:p>
           <a:p>
             <a:pPr lvl="1"/>
             <a:r>
-              <a:rPr lang="en-US" dirty="0" smtClean="0"/>
+              <a:rPr lang="en-US" dirty="0"/>
               <a:t>Collect that data</a:t>
             </a:r>
           </a:p>
           <a:p>
             <a:pPr lvl="1"/>
             <a:r>
-              <a:rPr lang="en-US" dirty="0" smtClean="0"/>
+              <a:rPr lang="en-US" dirty="0"/>
               <a:t>Store master data</a:t>
             </a:r>
           </a:p>
           <a:p>
             <a:pPr lvl="1"/>
             <a:r>
-              <a:rPr lang="en-US" dirty="0" smtClean="0"/>
+              <a:rPr lang="en-US" dirty="0"/>
               <a:t>Process data </a:t>
             </a:r>
           </a:p>
           <a:p>
             <a:pPr lvl="1"/>
             <a:r>
-              <a:rPr lang="en-US" dirty="0" err="1" smtClean="0"/>
+              <a:rPr lang="en-US" dirty="0" err="1"/>
               <a:t>Visualise</a:t>
             </a:r>
             <a:r>
-              <a:rPr lang="en-US" dirty="0" smtClean="0"/>
+              <a:rPr lang="en-US" dirty="0"/>
               <a:t> and present</a:t>
             </a:r>
           </a:p>
           <a:p>
             <a:r>
-              <a:rPr lang="en-US" dirty="0" smtClean="0"/>
+              <a:rPr lang="en-US" dirty="0"/>
               <a:t>Some of those processes act on batch and others on real-time data</a:t>
             </a:r>
-            <a:endParaRPr lang="en-US" dirty="0"/>
           </a:p>
         </p:txBody>
       </p:sp>
@@ -7539,13 +7466,6 @@
   <p:clrMapOvr>
     <a:masterClrMapping/>
   </p:clrMapOvr>
-  <p:timing>
-    <p:tnLst>
-      <p:par>
-        <p:cTn xmlns:p14="http://schemas.microsoft.com/office/powerpoint/2010/main" id="1" dur="indefinite" restart="never" nodeType="tmRoot"/>
-      </p:par>
-    </p:tnLst>
-  </p:timing>
 </p:sld>
 </file>
 
@@ -7579,15 +7499,14 @@
         <p:spPr/>
         <p:txBody>
           <a:bodyPr>
-            <a:normAutofit fontScale="90000"/>
+            <a:normAutofit/>
           </a:bodyPr>
           <a:lstStyle/>
           <a:p>
             <a:r>
-              <a:rPr lang="en-US" dirty="0" smtClean="0"/>
+              <a:rPr lang="en-US" dirty="0"/>
               <a:t>How to choose the components?</a:t>
             </a:r>
-            <a:endParaRPr lang="en-US" dirty="0"/>
           </a:p>
         </p:txBody>
       </p:sp>
@@ -7607,38 +7526,37 @@
           <a:lstStyle/>
           <a:p>
             <a:r>
-              <a:rPr lang="en-US" dirty="0" smtClean="0"/>
+              <a:rPr lang="en-US" dirty="0"/>
               <a:t>Two main approaches:</a:t>
             </a:r>
           </a:p>
           <a:p>
             <a:pPr lvl="1"/>
             <a:r>
-              <a:rPr lang="en-US" dirty="0" smtClean="0"/>
+              <a:rPr lang="en-US" dirty="0"/>
               <a:t>Best of breed</a:t>
             </a:r>
           </a:p>
           <a:p>
             <a:pPr lvl="2"/>
             <a:r>
-              <a:rPr lang="en-US" dirty="0" smtClean="0"/>
+              <a:rPr lang="en-US" dirty="0"/>
               <a:t>Choose the best available component in each space</a:t>
             </a:r>
           </a:p>
           <a:p>
             <a:pPr lvl="1"/>
             <a:r>
-              <a:rPr lang="en-US" dirty="0" smtClean="0"/>
+              <a:rPr lang="en-US" dirty="0"/>
               <a:t>Stack</a:t>
             </a:r>
           </a:p>
           <a:p>
             <a:pPr lvl="2"/>
             <a:r>
-              <a:rPr lang="en-US" dirty="0" smtClean="0"/>
+              <a:rPr lang="en-US" dirty="0"/>
               <a:t>Choose a curated stack that a team or organization is providing/selling/supporting</a:t>
             </a:r>
-            <a:endParaRPr lang="en-US" dirty="0"/>
           </a:p>
         </p:txBody>
       </p:sp>
@@ -7652,13 +7570,6 @@
   <p:clrMapOvr>
     <a:masterClrMapping/>
   </p:clrMapOvr>
-  <p:timing>
-    <p:tnLst>
-      <p:par>
-        <p:cTn xmlns:p14="http://schemas.microsoft.com/office/powerpoint/2010/main" id="1" dur="indefinite" restart="never" nodeType="tmRoot"/>
-      </p:par>
-    </p:tnLst>
-  </p:timing>
 </p:sld>
 </file>
 
@@ -7695,10 +7606,9 @@
           <a:lstStyle/>
           <a:p>
             <a:r>
-              <a:rPr lang="en-US" dirty="0" smtClean="0"/>
+              <a:rPr lang="en-US" dirty="0"/>
               <a:t>Approach</a:t>
             </a:r>
-            <a:endParaRPr lang="en-US" dirty="0"/>
           </a:p>
         </p:txBody>
       </p:sp>
@@ -7718,25 +7628,25 @@
           <a:lstStyle/>
           <a:p>
             <a:r>
-              <a:rPr lang="en-US" dirty="0" err="1" smtClean="0"/>
+              <a:rPr lang="en-US" dirty="0" err="1"/>
               <a:t>Minimise</a:t>
             </a:r>
             <a:r>
-              <a:rPr lang="en-US" dirty="0" smtClean="0"/>
+              <a:rPr lang="en-US" dirty="0"/>
               <a:t> the pain</a:t>
             </a:r>
           </a:p>
           <a:p>
             <a:pPr lvl="1"/>
             <a:r>
-              <a:rPr lang="en-US" dirty="0" smtClean="0"/>
+              <a:rPr lang="en-US" dirty="0"/>
               <a:t>Choose what you need when you need it</a:t>
             </a:r>
           </a:p>
           <a:p>
             <a:pPr lvl="1"/>
             <a:r>
-              <a:rPr lang="en-US" dirty="0" smtClean="0"/>
+              <a:rPr lang="en-US" dirty="0"/>
               <a:t>Don’t over engineer</a:t>
             </a:r>
           </a:p>
@@ -7752,13 +7662,6 @@
   <p:clrMapOvr>
     <a:masterClrMapping/>
   </p:clrMapOvr>
-  <p:timing>
-    <p:tnLst>
-      <p:par>
-        <p:cTn xmlns:p14="http://schemas.microsoft.com/office/powerpoint/2010/main" id="1" dur="indefinite" restart="never" nodeType="tmRoot"/>
-      </p:par>
-    </p:tnLst>
-  </p:timing>
 </p:sld>
 </file>
 
@@ -7795,10 +7698,9 @@
           <a:lstStyle/>
           <a:p>
             <a:r>
-              <a:rPr lang="en-US" dirty="0" smtClean="0"/>
+              <a:rPr lang="en-US" dirty="0"/>
               <a:t>How do I ingest data?</a:t>
             </a:r>
-            <a:endParaRPr lang="en-US" dirty="0"/>
           </a:p>
         </p:txBody>
       </p:sp>
@@ -7818,40 +7720,40 @@
           <a:lstStyle/>
           <a:p>
             <a:r>
-              <a:rPr lang="en-US" dirty="0" smtClean="0"/>
+              <a:rPr lang="en-US" dirty="0"/>
               <a:t>File transfer</a:t>
             </a:r>
           </a:p>
           <a:p>
             <a:r>
-              <a:rPr lang="en-US" dirty="0" smtClean="0"/>
+              <a:rPr lang="en-US" dirty="0"/>
               <a:t>Live stream</a:t>
             </a:r>
           </a:p>
           <a:p>
             <a:pPr lvl="1"/>
             <a:r>
-              <a:rPr lang="en-US" dirty="0" smtClean="0"/>
+              <a:rPr lang="en-US" dirty="0"/>
               <a:t>Sockets</a:t>
             </a:r>
           </a:p>
           <a:p>
             <a:pPr lvl="1"/>
             <a:r>
-              <a:rPr lang="en-US" dirty="0" smtClean="0"/>
+              <a:rPr lang="en-US" dirty="0"/>
               <a:t>Syslog</a:t>
             </a:r>
           </a:p>
           <a:p>
             <a:pPr lvl="1"/>
             <a:r>
-              <a:rPr lang="en-US" dirty="0" smtClean="0"/>
+              <a:rPr lang="en-US" dirty="0"/>
               <a:t>Messaging system</a:t>
             </a:r>
           </a:p>
           <a:p>
             <a:r>
-              <a:rPr lang="en-US" dirty="0" smtClean="0"/>
+              <a:rPr lang="en-US" dirty="0"/>
               <a:t>From existing databases</a:t>
             </a:r>
           </a:p>
@@ -7870,13 +7772,6 @@
   <p:clrMapOvr>
     <a:masterClrMapping/>
   </p:clrMapOvr>
-  <p:timing>
-    <p:tnLst>
-      <p:par>
-        <p:cTn xmlns:p14="http://schemas.microsoft.com/office/powerpoint/2010/main" id="1" dur="indefinite" restart="never" nodeType="tmRoot"/>
-      </p:par>
-    </p:tnLst>
-  </p:timing>
 </p:sld>
 </file>
 
@@ -7913,10 +7808,9 @@
           <a:lstStyle/>
           <a:p>
             <a:r>
-              <a:rPr lang="en-US" dirty="0" smtClean="0"/>
+              <a:rPr lang="en-US" dirty="0"/>
               <a:t>How do I store data?</a:t>
             </a:r>
-            <a:endParaRPr lang="en-US" dirty="0"/>
           </a:p>
         </p:txBody>
       </p:sp>
@@ -7936,69 +7830,69 @@
           <a:lstStyle/>
           <a:p>
             <a:r>
-              <a:rPr lang="en-US" dirty="0" smtClean="0"/>
+              <a:rPr lang="en-US" dirty="0"/>
               <a:t>HDFS</a:t>
             </a:r>
           </a:p>
           <a:p>
             <a:r>
-              <a:rPr lang="en-US" dirty="0" err="1" smtClean="0"/>
+              <a:rPr lang="en-US" dirty="0" err="1"/>
               <a:t>NoSQL</a:t>
             </a:r>
             <a:r>
-              <a:rPr lang="en-US" dirty="0" smtClean="0"/>
+              <a:rPr lang="en-US" dirty="0"/>
               <a:t> database only</a:t>
             </a:r>
           </a:p>
           <a:p>
             <a:pPr lvl="1"/>
             <a:r>
-              <a:rPr lang="en-US" dirty="0" smtClean="0"/>
+              <a:rPr lang="en-US" dirty="0"/>
               <a:t>Mongo / HBase / Cassandra</a:t>
             </a:r>
           </a:p>
           <a:p>
             <a:r>
-              <a:rPr lang="en-US" dirty="0" err="1" smtClean="0"/>
+              <a:rPr lang="en-US" dirty="0" err="1"/>
               <a:t>zFS</a:t>
             </a:r>
             <a:r>
-              <a:rPr lang="en-US" dirty="0" smtClean="0"/>
+              <a:rPr lang="en-US" dirty="0"/>
               <a:t> / </a:t>
             </a:r>
             <a:r>
-              <a:rPr lang="en-US" dirty="0" err="1" smtClean="0"/>
+              <a:rPr lang="en-US" dirty="0" err="1"/>
               <a:t>GlusterFS</a:t>
             </a:r>
             <a:r>
-              <a:rPr lang="en-US" dirty="0" smtClean="0"/>
+              <a:rPr lang="en-US" dirty="0"/>
               <a:t> / NFS </a:t>
             </a:r>
             <a:r>
-              <a:rPr lang="en-US" dirty="0" err="1" smtClean="0"/>
+              <a:rPr lang="en-US" dirty="0" err="1"/>
               <a:t>etc</a:t>
             </a:r>
-            <a:endParaRPr lang="en-US" dirty="0" smtClean="0"/>
-          </a:p>
-          <a:p>
-            <a:r>
-              <a:rPr lang="en-US" dirty="0" smtClean="0"/>
+            <a:endParaRPr lang="en-US" dirty="0"/>
+          </a:p>
+          <a:p>
+            <a:r>
+              <a:rPr lang="en-US" dirty="0"/>
               <a:t>Apache Parquet, CSV, </a:t>
             </a:r>
             <a:r>
-              <a:rPr lang="en-US" smtClean="0"/>
+              <a:rPr lang="en-US"/>
               <a:t>or speci</a:t>
             </a:r>
-            <a:endParaRPr lang="en-US" dirty="0" smtClean="0"/>
-          </a:p>
-          <a:p>
-            <a:endParaRPr lang="en-US" dirty="0" smtClean="0"/>
+            <a:endParaRPr lang="en-US" dirty="0"/>
+          </a:p>
+          <a:p>
+            <a:endParaRPr lang="en-US" dirty="0"/>
           </a:p>
           <a:p>
             <a:pPr marL="0" indent="0">
               <a:buNone/>
             </a:pPr>
-            <a:endParaRPr lang="en-US" dirty="0" smtClean="0"/>
+            <a:endParaRPr lang="en-US" dirty="0"/>
           </a:p>
           <a:p>
             <a:endParaRPr lang="en-US" dirty="0"/>
@@ -8015,13 +7909,6 @@
   <p:clrMapOvr>
     <a:masterClrMapping/>
   </p:clrMapOvr>
-  <p:timing>
-    <p:tnLst>
-      <p:par>
-        <p:cTn xmlns:p14="http://schemas.microsoft.com/office/powerpoint/2010/main" id="1" dur="indefinite" restart="never" nodeType="tmRoot"/>
-      </p:par>
-    </p:tnLst>
-  </p:timing>
 </p:sld>
 </file>
 
@@ -8058,10 +7945,9 @@
           <a:lstStyle/>
           <a:p>
             <a:r>
-              <a:rPr lang="en-US" dirty="0" smtClean="0"/>
+              <a:rPr lang="en-US" dirty="0"/>
               <a:t>How do I process data?</a:t>
             </a:r>
-            <a:endParaRPr lang="en-US" dirty="0"/>
           </a:p>
         </p:txBody>
       </p:sp>
@@ -8081,34 +7967,34 @@
           <a:lstStyle/>
           <a:p>
             <a:r>
-              <a:rPr lang="en-US" dirty="0" smtClean="0"/>
+              <a:rPr lang="en-US" dirty="0"/>
               <a:t>Simple Map Reduce</a:t>
             </a:r>
           </a:p>
           <a:p>
             <a:r>
-              <a:rPr lang="en-US" dirty="0" smtClean="0"/>
+              <a:rPr lang="en-US" dirty="0"/>
               <a:t>Hive / Pig</a:t>
             </a:r>
           </a:p>
           <a:p>
             <a:r>
-              <a:rPr lang="en-US" dirty="0" smtClean="0"/>
+              <a:rPr lang="en-US" dirty="0"/>
               <a:t>DAG</a:t>
             </a:r>
           </a:p>
           <a:p>
             <a:r>
-              <a:rPr lang="en-US" dirty="0" smtClean="0"/>
+              <a:rPr lang="en-US" dirty="0"/>
               <a:t>Pipeline</a:t>
             </a:r>
           </a:p>
           <a:p>
             <a:r>
-              <a:rPr lang="en-US" dirty="0" err="1" smtClean="0"/>
+              <a:rPr lang="en-US" dirty="0" err="1"/>
               <a:t>etc</a:t>
             </a:r>
-            <a:endParaRPr lang="en-US" dirty="0" smtClean="0"/>
+            <a:endParaRPr lang="en-US" dirty="0"/>
           </a:p>
         </p:txBody>
       </p:sp>
@@ -8122,13 +8008,6 @@
   <p:clrMapOvr>
     <a:masterClrMapping/>
   </p:clrMapOvr>
-  <p:timing>
-    <p:tnLst>
-      <p:par>
-        <p:cTn xmlns:p14="http://schemas.microsoft.com/office/powerpoint/2010/main" id="1" dur="indefinite" restart="never" nodeType="tmRoot"/>
-      </p:par>
-    </p:tnLst>
-  </p:timing>
 </p:sld>
 </file>
 

--- a/pres-source/11-recap-and-architecture.pptx
+++ b/pres-source/11-recap-and-architecture.pptx
@@ -229,7 +229,7 @@
           <a:p>
             <a:fld id="{D40B3A9F-5611-4548-8870-FD850D98FAAB}" type="datetimeFigureOut">
               <a:rPr lang="en-US" smtClean="0"/>
-              <a:t>3/1/19</a:t>
+              <a:t>3/6/19</a:t>
             </a:fld>
             <a:endParaRPr lang="en-US"/>
           </a:p>
@@ -399,7 +399,7 @@
             <a:fld id="{7307762F-A706-E543-A832-3C298AA3103F}" type="datetimeFigureOut">
               <a:rPr lang="en-US" smtClean="0"/>
               <a:pPr/>
-              <a:t>3/1/19</a:t>
+              <a:t>3/6/19</a:t>
             </a:fld>
             <a:endParaRPr lang="en-US" dirty="0"/>
           </a:p>
@@ -968,7 +968,7 @@
             <a:fld id="{875CF0EB-321F-0749-B37A-89BBA859503C}" type="datetimeFigureOut">
               <a:rPr lang="en-US" smtClean="0"/>
               <a:pPr/>
-              <a:t>3/1/19</a:t>
+              <a:t>3/6/19</a:t>
             </a:fld>
             <a:endParaRPr lang="en-US" dirty="0"/>
           </a:p>
@@ -1190,7 +1190,7 @@
             <a:fld id="{875CF0EB-321F-0749-B37A-89BBA859503C}" type="datetimeFigureOut">
               <a:rPr lang="en-US" smtClean="0"/>
               <a:pPr/>
-              <a:t>3/1/19</a:t>
+              <a:t>3/6/19</a:t>
             </a:fld>
             <a:endParaRPr lang="en-US" dirty="0"/>
           </a:p>
@@ -1402,7 +1402,7 @@
             <a:fld id="{875CF0EB-321F-0749-B37A-89BBA859503C}" type="datetimeFigureOut">
               <a:rPr lang="en-US" smtClean="0"/>
               <a:pPr/>
-              <a:t>3/1/19</a:t>
+              <a:t>3/6/19</a:t>
             </a:fld>
             <a:endParaRPr lang="en-US" dirty="0"/>
           </a:p>
@@ -1691,7 +1691,7 @@
             <a:fld id="{875CF0EB-321F-0749-B37A-89BBA859503C}" type="datetimeFigureOut">
               <a:rPr lang="en-US" smtClean="0"/>
               <a:pPr/>
-              <a:t>3/1/19</a:t>
+              <a:t>3/6/19</a:t>
             </a:fld>
             <a:endParaRPr lang="en-US" dirty="0"/>
           </a:p>
@@ -2020,7 +2020,7 @@
             <a:fld id="{875CF0EB-321F-0749-B37A-89BBA859503C}" type="datetimeFigureOut">
               <a:rPr lang="en-US" smtClean="0"/>
               <a:pPr/>
-              <a:t>3/1/19</a:t>
+              <a:t>3/6/19</a:t>
             </a:fld>
             <a:endParaRPr lang="en-US" dirty="0"/>
           </a:p>
@@ -2483,7 +2483,7 @@
             <a:fld id="{875CF0EB-321F-0749-B37A-89BBA859503C}" type="datetimeFigureOut">
               <a:rPr lang="en-US" smtClean="0"/>
               <a:pPr/>
-              <a:t>3/1/19</a:t>
+              <a:t>3/6/19</a:t>
             </a:fld>
             <a:endParaRPr lang="en-US" dirty="0"/>
           </a:p>
@@ -2644,7 +2644,7 @@
             <a:fld id="{875CF0EB-321F-0749-B37A-89BBA859503C}" type="datetimeFigureOut">
               <a:rPr lang="en-US" smtClean="0"/>
               <a:pPr/>
-              <a:t>3/1/19</a:t>
+              <a:t>3/6/19</a:t>
             </a:fld>
             <a:endParaRPr lang="en-US" dirty="0"/>
           </a:p>
@@ -2783,7 +2783,7 @@
             <a:fld id="{875CF0EB-321F-0749-B37A-89BBA859503C}" type="datetimeFigureOut">
               <a:rPr lang="en-US" smtClean="0"/>
               <a:pPr/>
-              <a:t>3/1/19</a:t>
+              <a:t>3/6/19</a:t>
             </a:fld>
             <a:endParaRPr lang="en-US" dirty="0"/>
           </a:p>
@@ -3102,7 +3102,7 @@
             <a:fld id="{875CF0EB-321F-0749-B37A-89BBA859503C}" type="datetimeFigureOut">
               <a:rPr lang="en-US" smtClean="0"/>
               <a:pPr/>
-              <a:t>3/1/19</a:t>
+              <a:t>3/6/19</a:t>
             </a:fld>
             <a:endParaRPr lang="en-US" dirty="0"/>
           </a:p>
@@ -3398,7 +3398,7 @@
             <a:fld id="{875CF0EB-321F-0749-B37A-89BBA859503C}" type="datetimeFigureOut">
               <a:rPr lang="en-US" smtClean="0"/>
               <a:pPr/>
-              <a:t>3/1/19</a:t>
+              <a:t>3/6/19</a:t>
             </a:fld>
             <a:endParaRPr lang="en-US" dirty="0"/>
           </a:p>
@@ -3625,14 +3625,14 @@
           </a:ln>
           <a:extLst>
             <a:ext uri="{909E8E84-426E-40dd-AFC4-6F175D3DCCD1}">
-              <a14:hiddenFill xmlns="" xmlns:a14="http://schemas.microsoft.com/office/drawing/2010/main">
+              <a14:hiddenFill xmlns:a14="http://schemas.microsoft.com/office/drawing/2010/main" xmlns="">
                 <a:solidFill>
                   <a:srgbClr val="FFFFFF"/>
                 </a:solidFill>
               </a14:hiddenFill>
             </a:ext>
             <a:ext uri="{91240B29-F687-4f45-9708-019B960494DF}">
-              <a14:hiddenLine xmlns="" xmlns:a14="http://schemas.microsoft.com/office/drawing/2010/main" w="9525">
+              <a14:hiddenLine xmlns:a14="http://schemas.microsoft.com/office/drawing/2010/main" xmlns="" w="9525">
                 <a:solidFill>
                   <a:srgbClr val="000000"/>
                 </a:solidFill>
@@ -4186,14 +4186,14 @@
           <a:noFill/>
           <a:extLst>
             <a:ext uri="{909E8E84-426E-40dd-AFC4-6F175D3DCCD1}">
-              <a14:hiddenFill xmlns="" xmlns:a14="http://schemas.microsoft.com/office/drawing/2010/main">
+              <a14:hiddenFill xmlns:a14="http://schemas.microsoft.com/office/drawing/2010/main" xmlns="">
                 <a:solidFill>
                   <a:srgbClr val="FFFFFF"/>
                 </a:solidFill>
               </a14:hiddenFill>
             </a:ext>
             <a:ext uri="{91240B29-F687-4f45-9708-019B960494DF}">
-              <a14:hiddenLine xmlns="" xmlns:a14="http://schemas.microsoft.com/office/drawing/2010/main" w="9525">
+              <a14:hiddenLine xmlns:a14="http://schemas.microsoft.com/office/drawing/2010/main" xmlns="" w="9525">
                 <a:solidFill>
                   <a:srgbClr val="000000"/>
                 </a:solidFill>
@@ -4278,14 +4278,14 @@
           <a:noFill/>
           <a:extLst>
             <a:ext uri="{909E8E84-426E-40dd-AFC4-6F175D3DCCD1}">
-              <a14:hiddenFill xmlns="" xmlns:a14="http://schemas.microsoft.com/office/drawing/2010/main">
+              <a14:hiddenFill xmlns:a14="http://schemas.microsoft.com/office/drawing/2010/main" xmlns="">
                 <a:solidFill>
                   <a:srgbClr val="FFFFFF"/>
                 </a:solidFill>
               </a14:hiddenFill>
             </a:ext>
             <a:ext uri="{91240B29-F687-4f45-9708-019B960494DF}">
-              <a14:hiddenLine xmlns="" xmlns:a14="http://schemas.microsoft.com/office/drawing/2010/main" w="9525">
+              <a14:hiddenLine xmlns:a14="http://schemas.microsoft.com/office/drawing/2010/main" xmlns="" w="9525">
                 <a:solidFill>
                   <a:srgbClr val="000000"/>
                 </a:solidFill>
@@ -4855,13 +4855,6 @@
           <a:p>
             <a:r>
               <a:rPr lang="en-US" dirty="0" err="1"/>
-              <a:t>Tez</a:t>
-            </a:r>
-            <a:endParaRPr lang="en-US" dirty="0"/>
-          </a:p>
-          <a:p>
-            <a:r>
-              <a:rPr lang="en-US" dirty="0" err="1"/>
               <a:t>etc</a:t>
             </a:r>
             <a:endParaRPr lang="en-US" dirty="0"/>
@@ -6065,14 +6058,14 @@
           <a:noFill/>
           <a:extLst>
             <a:ext uri="{909E8E84-426E-40dd-AFC4-6F175D3DCCD1}">
-              <a14:hiddenFill xmlns="" xmlns:a14="http://schemas.microsoft.com/office/drawing/2010/main">
+              <a14:hiddenFill xmlns:a14="http://schemas.microsoft.com/office/drawing/2010/main" xmlns="">
                 <a:solidFill>
                   <a:srgbClr val="FFFFFF"/>
                 </a:solidFill>
               </a14:hiddenFill>
             </a:ext>
             <a:ext uri="{91240B29-F687-4f45-9708-019B960494DF}">
-              <a14:hiddenLine xmlns="" xmlns:a14="http://schemas.microsoft.com/office/drawing/2010/main" w="9525">
+              <a14:hiddenLine xmlns:a14="http://schemas.microsoft.com/office/drawing/2010/main" xmlns="" w="9525">
                 <a:solidFill>
                   <a:srgbClr val="000000"/>
                 </a:solidFill>
@@ -6116,14 +6109,14 @@
           <a:noFill/>
           <a:extLst>
             <a:ext uri="{909E8E84-426E-40dd-AFC4-6F175D3DCCD1}">
-              <a14:hiddenFill xmlns="" xmlns:a14="http://schemas.microsoft.com/office/drawing/2010/main">
+              <a14:hiddenFill xmlns:a14="http://schemas.microsoft.com/office/drawing/2010/main" xmlns="">
                 <a:solidFill>
                   <a:srgbClr val="FFFFFF"/>
                 </a:solidFill>
               </a14:hiddenFill>
             </a:ext>
             <a:ext uri="{91240B29-F687-4f45-9708-019B960494DF}">
-              <a14:hiddenLine xmlns="" xmlns:a14="http://schemas.microsoft.com/office/drawing/2010/main" w="9525">
+              <a14:hiddenLine xmlns:a14="http://schemas.microsoft.com/office/drawing/2010/main" xmlns="" w="9525">
                 <a:solidFill>
                   <a:srgbClr val="000000"/>
                 </a:solidFill>

--- a/pres-source/11-recap-and-architecture.pptx
+++ b/pres-source/11-recap-and-architecture.pptx
@@ -229,7 +229,7 @@
           <a:p>
             <a:fld id="{D40B3A9F-5611-4548-8870-FD850D98FAAB}" type="datetimeFigureOut">
               <a:rPr lang="en-US" smtClean="0"/>
-              <a:t>3/6/19</a:t>
+              <a:t>2/28/20</a:t>
             </a:fld>
             <a:endParaRPr lang="en-US"/>
           </a:p>
@@ -399,7 +399,7 @@
             <a:fld id="{7307762F-A706-E543-A832-3C298AA3103F}" type="datetimeFigureOut">
               <a:rPr lang="en-US" smtClean="0"/>
               <a:pPr/>
-              <a:t>3/6/19</a:t>
+              <a:t>2/28/20</a:t>
             </a:fld>
             <a:endParaRPr lang="en-US" dirty="0"/>
           </a:p>
@@ -671,6 +671,132 @@
 </p:notesMaster>
 </file>
 
+<file path=ppt/notesSlides/notesSlide1.xml><?xml version="1.0" encoding="utf-8"?>
+<p:notes xmlns:a="http://schemas.openxmlformats.org/drawingml/2006/main" xmlns:r="http://schemas.openxmlformats.org/officeDocument/2006/relationships" xmlns:p="http://schemas.openxmlformats.org/presentationml/2006/main">
+  <p:cSld>
+    <p:spTree>
+      <p:nvGrpSpPr>
+        <p:cNvPr id="1" name=""/>
+        <p:cNvGrpSpPr/>
+        <p:nvPr/>
+      </p:nvGrpSpPr>
+      <p:grpSpPr>
+        <a:xfrm>
+          <a:off x="0" y="0"/>
+          <a:ext cx="0" cy="0"/>
+          <a:chOff x="0" y="0"/>
+          <a:chExt cx="0" cy="0"/>
+        </a:xfrm>
+      </p:grpSpPr>
+      <p:sp>
+        <p:nvSpPr>
+          <p:cNvPr id="2" name="Slide Image Placeholder 1"/>
+          <p:cNvSpPr>
+            <a:spLocks noGrp="1" noRot="1" noChangeAspect="1"/>
+          </p:cNvSpPr>
+          <p:nvPr>
+            <p:ph type="sldImg"/>
+          </p:nvPr>
+        </p:nvSpPr>
+        <p:spPr/>
+      </p:sp>
+      <p:sp>
+        <p:nvSpPr>
+          <p:cNvPr id="3" name="Notes Placeholder 2"/>
+          <p:cNvSpPr>
+            <a:spLocks noGrp="1"/>
+          </p:cNvSpPr>
+          <p:nvPr>
+            <p:ph type="body" idx="1"/>
+          </p:nvPr>
+        </p:nvSpPr>
+        <p:spPr/>
+        <p:txBody>
+          <a:bodyPr/>
+          <a:lstStyle/>
+          <a:p>
+            <a:r>
+              <a:rPr lang="en-US" dirty="0"/>
+              <a:t>ZFS (from Sun / Oracle) – unique in that it carries out both file management and volume management</a:t>
+            </a:r>
+          </a:p>
+          <a:p>
+            <a:r>
+              <a:rPr lang="en-US" dirty="0" err="1"/>
+              <a:t>glusterfs</a:t>
+            </a:r>
+            <a:r>
+              <a:rPr lang="en-US" dirty="0"/>
+              <a:t> (now from Red Hat) – scale-out network-attached storage file system – private/public cloud based systems – unified name </a:t>
+            </a:r>
+            <a:r>
+              <a:rPr lang="en-US" dirty="0" err="1"/>
+              <a:t>sapce</a:t>
+            </a:r>
+            <a:r>
+              <a:rPr lang="en-US" dirty="0"/>
+              <a:t> for storage, compute and I/O resources</a:t>
+            </a:r>
+          </a:p>
+          <a:p>
+            <a:r>
+              <a:rPr lang="en-US" dirty="0"/>
+              <a:t>NFS (Sun1984)  - original distributed file system often used on Unix and </a:t>
+            </a:r>
+            <a:r>
+              <a:rPr lang="en-US" dirty="0" err="1"/>
+              <a:t>unix</a:t>
+            </a:r>
+            <a:r>
+              <a:rPr lang="en-US" dirty="0"/>
+              <a:t>-like systems</a:t>
+            </a:r>
+          </a:p>
+          <a:p>
+            <a:r>
+              <a:rPr lang="en-US" dirty="0"/>
+              <a:t>parquet – columnar storage format</a:t>
+            </a:r>
+          </a:p>
+        </p:txBody>
+      </p:sp>
+      <p:sp>
+        <p:nvSpPr>
+          <p:cNvPr id="4" name="Slide Number Placeholder 3"/>
+          <p:cNvSpPr>
+            <a:spLocks noGrp="1"/>
+          </p:cNvSpPr>
+          <p:nvPr>
+            <p:ph type="sldNum" sz="quarter" idx="5"/>
+          </p:nvPr>
+        </p:nvSpPr>
+        <p:spPr/>
+        <p:txBody>
+          <a:bodyPr/>
+          <a:lstStyle/>
+          <a:p>
+            <a:fld id="{BC39F3E1-B436-EB4D-8332-DAA0486A7B2B}" type="slidenum">
+              <a:rPr lang="en-US" smtClean="0"/>
+              <a:pPr/>
+              <a:t>8</a:t>
+            </a:fld>
+            <a:endParaRPr lang="en-US" dirty="0"/>
+          </a:p>
+        </p:txBody>
+      </p:sp>
+    </p:spTree>
+    <p:extLst>
+      <p:ext uri="{BB962C8B-B14F-4D97-AF65-F5344CB8AC3E}">
+        <p14:creationId xmlns:p14="http://schemas.microsoft.com/office/powerpoint/2010/main" val="2568889457"/>
+      </p:ext>
+    </p:extLst>
+  </p:cSld>
+  <p:clrMapOvr>
+    <a:masterClrMapping/>
+  </p:clrMapOvr>
+</p:notes>
+</file>
+
 <file path=ppt/slideLayouts/slideLayout1.xml><?xml version="1.0" encoding="utf-8"?>
 <p:sldLayout xmlns:a="http://schemas.openxmlformats.org/drawingml/2006/main" xmlns:r="http://schemas.openxmlformats.org/officeDocument/2006/relationships" xmlns:p="http://schemas.openxmlformats.org/presentationml/2006/main" type="title" preserve="1">
   <p:cSld name="Title Slide">
@@ -968,7 +1094,7 @@
             <a:fld id="{875CF0EB-321F-0749-B37A-89BBA859503C}" type="datetimeFigureOut">
               <a:rPr lang="en-US" smtClean="0"/>
               <a:pPr/>
-              <a:t>3/6/19</a:t>
+              <a:t>2/28/20</a:t>
             </a:fld>
             <a:endParaRPr lang="en-US" dirty="0"/>
           </a:p>
@@ -1190,7 +1316,7 @@
             <a:fld id="{875CF0EB-321F-0749-B37A-89BBA859503C}" type="datetimeFigureOut">
               <a:rPr lang="en-US" smtClean="0"/>
               <a:pPr/>
-              <a:t>3/6/19</a:t>
+              <a:t>2/28/20</a:t>
             </a:fld>
             <a:endParaRPr lang="en-US" dirty="0"/>
           </a:p>
@@ -1402,7 +1528,7 @@
             <a:fld id="{875CF0EB-321F-0749-B37A-89BBA859503C}" type="datetimeFigureOut">
               <a:rPr lang="en-US" smtClean="0"/>
               <a:pPr/>
-              <a:t>3/6/19</a:t>
+              <a:t>2/28/20</a:t>
             </a:fld>
             <a:endParaRPr lang="en-US" dirty="0"/>
           </a:p>
@@ -1691,7 +1817,7 @@
             <a:fld id="{875CF0EB-321F-0749-B37A-89BBA859503C}" type="datetimeFigureOut">
               <a:rPr lang="en-US" smtClean="0"/>
               <a:pPr/>
-              <a:t>3/6/19</a:t>
+              <a:t>2/28/20</a:t>
             </a:fld>
             <a:endParaRPr lang="en-US" dirty="0"/>
           </a:p>
@@ -2020,7 +2146,7 @@
             <a:fld id="{875CF0EB-321F-0749-B37A-89BBA859503C}" type="datetimeFigureOut">
               <a:rPr lang="en-US" smtClean="0"/>
               <a:pPr/>
-              <a:t>3/6/19</a:t>
+              <a:t>2/28/20</a:t>
             </a:fld>
             <a:endParaRPr lang="en-US" dirty="0"/>
           </a:p>
@@ -2483,7 +2609,7 @@
             <a:fld id="{875CF0EB-321F-0749-B37A-89BBA859503C}" type="datetimeFigureOut">
               <a:rPr lang="en-US" smtClean="0"/>
               <a:pPr/>
-              <a:t>3/6/19</a:t>
+              <a:t>2/28/20</a:t>
             </a:fld>
             <a:endParaRPr lang="en-US" dirty="0"/>
           </a:p>
@@ -2644,7 +2770,7 @@
             <a:fld id="{875CF0EB-321F-0749-B37A-89BBA859503C}" type="datetimeFigureOut">
               <a:rPr lang="en-US" smtClean="0"/>
               <a:pPr/>
-              <a:t>3/6/19</a:t>
+              <a:t>2/28/20</a:t>
             </a:fld>
             <a:endParaRPr lang="en-US" dirty="0"/>
           </a:p>
@@ -2783,7 +2909,7 @@
             <a:fld id="{875CF0EB-321F-0749-B37A-89BBA859503C}" type="datetimeFigureOut">
               <a:rPr lang="en-US" smtClean="0"/>
               <a:pPr/>
-              <a:t>3/6/19</a:t>
+              <a:t>2/28/20</a:t>
             </a:fld>
             <a:endParaRPr lang="en-US" dirty="0"/>
           </a:p>
@@ -3102,7 +3228,7 @@
             <a:fld id="{875CF0EB-321F-0749-B37A-89BBA859503C}" type="datetimeFigureOut">
               <a:rPr lang="en-US" smtClean="0"/>
               <a:pPr/>
-              <a:t>3/6/19</a:t>
+              <a:t>2/28/20</a:t>
             </a:fld>
             <a:endParaRPr lang="en-US" dirty="0"/>
           </a:p>
@@ -3398,7 +3524,7 @@
             <a:fld id="{875CF0EB-321F-0749-B37A-89BBA859503C}" type="datetimeFigureOut">
               <a:rPr lang="en-US" smtClean="0"/>
               <a:pPr/>
-              <a:t>3/6/19</a:t>
+              <a:t>2/28/20</a:t>
             </a:fld>
             <a:endParaRPr lang="en-US" dirty="0"/>
           </a:p>
@@ -3625,14 +3751,14 @@
           </a:ln>
           <a:extLst>
             <a:ext uri="{909E8E84-426E-40dd-AFC4-6F175D3DCCD1}">
-              <a14:hiddenFill xmlns:a14="http://schemas.microsoft.com/office/drawing/2010/main" xmlns="">
+              <a14:hiddenFill xmlns="" xmlns:a14="http://schemas.microsoft.com/office/drawing/2010/main">
                 <a:solidFill>
                   <a:srgbClr val="FFFFFF"/>
                 </a:solidFill>
               </a14:hiddenFill>
             </a:ext>
             <a:ext uri="{91240B29-F687-4f45-9708-019B960494DF}">
-              <a14:hiddenLine xmlns:a14="http://schemas.microsoft.com/office/drawing/2010/main" xmlns="" w="9525">
+              <a14:hiddenLine xmlns="" xmlns:a14="http://schemas.microsoft.com/office/drawing/2010/main" w="9525">
                 <a:solidFill>
                   <a:srgbClr val="000000"/>
                 </a:solidFill>
@@ -4186,14 +4312,14 @@
           <a:noFill/>
           <a:extLst>
             <a:ext uri="{909E8E84-426E-40dd-AFC4-6F175D3DCCD1}">
-              <a14:hiddenFill xmlns:a14="http://schemas.microsoft.com/office/drawing/2010/main" xmlns="">
+              <a14:hiddenFill xmlns="" xmlns:a14="http://schemas.microsoft.com/office/drawing/2010/main">
                 <a:solidFill>
                   <a:srgbClr val="FFFFFF"/>
                 </a:solidFill>
               </a14:hiddenFill>
             </a:ext>
             <a:ext uri="{91240B29-F687-4f45-9708-019B960494DF}">
-              <a14:hiddenLine xmlns:a14="http://schemas.microsoft.com/office/drawing/2010/main" xmlns="" w="9525">
+              <a14:hiddenLine xmlns="" xmlns:a14="http://schemas.microsoft.com/office/drawing/2010/main" w="9525">
                 <a:solidFill>
                   <a:srgbClr val="000000"/>
                 </a:solidFill>
@@ -4278,14 +4404,14 @@
           <a:noFill/>
           <a:extLst>
             <a:ext uri="{909E8E84-426E-40dd-AFC4-6F175D3DCCD1}">
-              <a14:hiddenFill xmlns:a14="http://schemas.microsoft.com/office/drawing/2010/main" xmlns="">
+              <a14:hiddenFill xmlns="" xmlns:a14="http://schemas.microsoft.com/office/drawing/2010/main">
                 <a:solidFill>
                   <a:srgbClr val="FFFFFF"/>
                 </a:solidFill>
               </a14:hiddenFill>
             </a:ext>
             <a:ext uri="{91240B29-F687-4f45-9708-019B960494DF}">
-              <a14:hiddenLine xmlns:a14="http://schemas.microsoft.com/office/drawing/2010/main" xmlns="" w="9525">
+              <a14:hiddenLine xmlns="" xmlns:a14="http://schemas.microsoft.com/office/drawing/2010/main" w="9525">
                 <a:solidFill>
                   <a:srgbClr val="000000"/>
                 </a:solidFill>
@@ -4492,7 +4618,7 @@
                 <a:ea typeface="ヒラギノ角ゴ ProN W3" charset="0"/>
                 <a:cs typeface="ヒラギノ角ゴ ProN W3" charset="0"/>
               </a:rPr>
-              <a:t>March 2019</a:t>
+              <a:t>March 2020</a:t>
             </a:r>
           </a:p>
         </p:txBody>
@@ -5031,7 +5157,7 @@
         </p:blipFill>
         <p:spPr>
           <a:xfrm>
-            <a:off x="0" y="1549192"/>
+            <a:off x="0" y="1216683"/>
             <a:ext cx="9144000" cy="5184638"/>
           </a:xfrm>
           <a:prstGeom prst="rect">
@@ -5950,7 +6076,7 @@
             </a:pPr>
             <a:r>
               <a:rPr lang="en-US" sz="4000" dirty="0"/>
-              <a:t>You are on the bleeding edge</a:t>
+              <a:t>You are on the cutting edge</a:t>
             </a:r>
           </a:p>
           <a:p>
@@ -6058,14 +6184,14 @@
           <a:noFill/>
           <a:extLst>
             <a:ext uri="{909E8E84-426E-40dd-AFC4-6F175D3DCCD1}">
-              <a14:hiddenFill xmlns:a14="http://schemas.microsoft.com/office/drawing/2010/main" xmlns="">
+              <a14:hiddenFill xmlns="" xmlns:a14="http://schemas.microsoft.com/office/drawing/2010/main">
                 <a:solidFill>
                   <a:srgbClr val="FFFFFF"/>
                 </a:solidFill>
               </a14:hiddenFill>
             </a:ext>
             <a:ext uri="{91240B29-F687-4f45-9708-019B960494DF}">
-              <a14:hiddenLine xmlns:a14="http://schemas.microsoft.com/office/drawing/2010/main" xmlns="" w="9525">
+              <a14:hiddenLine xmlns="" xmlns:a14="http://schemas.microsoft.com/office/drawing/2010/main" w="9525">
                 <a:solidFill>
                   <a:srgbClr val="000000"/>
                 </a:solidFill>
@@ -6109,14 +6235,14 @@
           <a:noFill/>
           <a:extLst>
             <a:ext uri="{909E8E84-426E-40dd-AFC4-6F175D3DCCD1}">
-              <a14:hiddenFill xmlns:a14="http://schemas.microsoft.com/office/drawing/2010/main" xmlns="">
+              <a14:hiddenFill xmlns="" xmlns:a14="http://schemas.microsoft.com/office/drawing/2010/main">
                 <a:solidFill>
                   <a:srgbClr val="FFFFFF"/>
                 </a:solidFill>
               </a14:hiddenFill>
             </a:ext>
             <a:ext uri="{91240B29-F687-4f45-9708-019B960494DF}">
-              <a14:hiddenLine xmlns:a14="http://schemas.microsoft.com/office/drawing/2010/main" xmlns="" w="9525">
+              <a14:hiddenLine xmlns="" xmlns:a14="http://schemas.microsoft.com/office/drawing/2010/main" w="9525">
                 <a:solidFill>
                   <a:srgbClr val="000000"/>
                 </a:solidFill>
@@ -7830,23 +7956,6 @@
           <a:p>
             <a:r>
               <a:rPr lang="en-US" dirty="0" err="1"/>
-              <a:t>NoSQL</a:t>
-            </a:r>
-            <a:r>
-              <a:rPr lang="en-US" dirty="0"/>
-              <a:t> database only</a:t>
-            </a:r>
-          </a:p>
-          <a:p>
-            <a:pPr lvl="1"/>
-            <a:r>
-              <a:rPr lang="en-US" dirty="0"/>
-              <a:t>Mongo / HBase / Cassandra</a:t>
-            </a:r>
-          </a:p>
-          <a:p>
-            <a:r>
-              <a:rPr lang="en-US" dirty="0" err="1"/>
               <a:t>zFS</a:t>
             </a:r>
             <a:r>
@@ -7859,24 +7968,27 @@
             </a:r>
             <a:r>
               <a:rPr lang="en-US" dirty="0"/>
-              <a:t> / NFS </a:t>
-            </a:r>
-            <a:r>
-              <a:rPr lang="en-US" dirty="0" err="1"/>
-              <a:t>etc</a:t>
-            </a:r>
-            <a:endParaRPr lang="en-US" dirty="0"/>
-          </a:p>
-          <a:p>
-            <a:r>
-              <a:rPr lang="en-US" dirty="0"/>
-              <a:t>Apache Parquet, CSV, </a:t>
-            </a:r>
-            <a:r>
-              <a:rPr lang="en-US"/>
-              <a:t>or speci</a:t>
-            </a:r>
-            <a:endParaRPr lang="en-US" dirty="0"/>
+              <a:t> / NFS …</a:t>
+            </a:r>
+          </a:p>
+          <a:p>
+            <a:r>
+              <a:rPr lang="en-US" dirty="0"/>
+              <a:t>NoSQL database </a:t>
+            </a:r>
+          </a:p>
+          <a:p>
+            <a:pPr lvl="1"/>
+            <a:r>
+              <a:rPr lang="en-US" dirty="0"/>
+              <a:t>Mongo / HBase / Cassandra / Apache Parquet</a:t>
+            </a:r>
+          </a:p>
+          <a:p>
+            <a:r>
+              <a:rPr lang="en-US" dirty="0"/>
+              <a:t>CSV</a:t>
+            </a:r>
           </a:p>
           <a:p>
             <a:endParaRPr lang="en-US" dirty="0"/>

--- a/pres-source/11-recap-and-architecture.pptx
+++ b/pres-source/11-recap-and-architecture.pptx
@@ -5,10 +5,10 @@
     <p:sldMasterId id="2147483648" r:id="rId1"/>
   </p:sldMasterIdLst>
   <p:notesMasterIdLst>
-    <p:notesMasterId r:id="rId21"/>
+    <p:notesMasterId r:id="rId22"/>
   </p:notesMasterIdLst>
   <p:handoutMasterIdLst>
-    <p:handoutMasterId r:id="rId22"/>
+    <p:handoutMasterId r:id="rId23"/>
   </p:handoutMasterIdLst>
   <p:sldIdLst>
     <p:sldId id="256" r:id="rId2"/>
@@ -30,6 +30,7 @@
     <p:sldId id="325" r:id="rId18"/>
     <p:sldId id="318" r:id="rId19"/>
     <p:sldId id="293" r:id="rId20"/>
+    <p:sldId id="326" r:id="rId21"/>
   </p:sldIdLst>
   <p:sldSz cx="9144000" cy="6858000" type="screen4x3"/>
   <p:notesSz cx="6858000" cy="9144000"/>
@@ -229,7 +230,7 @@
           <a:p>
             <a:fld id="{D40B3A9F-5611-4548-8870-FD850D98FAAB}" type="datetimeFigureOut">
               <a:rPr lang="en-US" smtClean="0"/>
-              <a:t>2/28/20</a:t>
+              <a:t>3/4/20</a:t>
             </a:fld>
             <a:endParaRPr lang="en-US"/>
           </a:p>
@@ -399,7 +400,7 @@
             <a:fld id="{7307762F-A706-E543-A832-3C298AA3103F}" type="datetimeFigureOut">
               <a:rPr lang="en-US" smtClean="0"/>
               <a:pPr/>
-              <a:t>2/28/20</a:t>
+              <a:t>3/4/20</a:t>
             </a:fld>
             <a:endParaRPr lang="en-US" dirty="0"/>
           </a:p>
@@ -1094,7 +1095,7 @@
             <a:fld id="{875CF0EB-321F-0749-B37A-89BBA859503C}" type="datetimeFigureOut">
               <a:rPr lang="en-US" smtClean="0"/>
               <a:pPr/>
-              <a:t>2/28/20</a:t>
+              <a:t>3/4/20</a:t>
             </a:fld>
             <a:endParaRPr lang="en-US" dirty="0"/>
           </a:p>
@@ -1316,7 +1317,7 @@
             <a:fld id="{875CF0EB-321F-0749-B37A-89BBA859503C}" type="datetimeFigureOut">
               <a:rPr lang="en-US" smtClean="0"/>
               <a:pPr/>
-              <a:t>2/28/20</a:t>
+              <a:t>3/4/20</a:t>
             </a:fld>
             <a:endParaRPr lang="en-US" dirty="0"/>
           </a:p>
@@ -1528,7 +1529,7 @@
             <a:fld id="{875CF0EB-321F-0749-B37A-89BBA859503C}" type="datetimeFigureOut">
               <a:rPr lang="en-US" smtClean="0"/>
               <a:pPr/>
-              <a:t>2/28/20</a:t>
+              <a:t>3/4/20</a:t>
             </a:fld>
             <a:endParaRPr lang="en-US" dirty="0"/>
           </a:p>
@@ -1817,7 +1818,7 @@
             <a:fld id="{875CF0EB-321F-0749-B37A-89BBA859503C}" type="datetimeFigureOut">
               <a:rPr lang="en-US" smtClean="0"/>
               <a:pPr/>
-              <a:t>2/28/20</a:t>
+              <a:t>3/4/20</a:t>
             </a:fld>
             <a:endParaRPr lang="en-US" dirty="0"/>
           </a:p>
@@ -2146,7 +2147,7 @@
             <a:fld id="{875CF0EB-321F-0749-B37A-89BBA859503C}" type="datetimeFigureOut">
               <a:rPr lang="en-US" smtClean="0"/>
               <a:pPr/>
-              <a:t>2/28/20</a:t>
+              <a:t>3/4/20</a:t>
             </a:fld>
             <a:endParaRPr lang="en-US" dirty="0"/>
           </a:p>
@@ -2609,7 +2610,7 @@
             <a:fld id="{875CF0EB-321F-0749-B37A-89BBA859503C}" type="datetimeFigureOut">
               <a:rPr lang="en-US" smtClean="0"/>
               <a:pPr/>
-              <a:t>2/28/20</a:t>
+              <a:t>3/4/20</a:t>
             </a:fld>
             <a:endParaRPr lang="en-US" dirty="0"/>
           </a:p>
@@ -2770,7 +2771,7 @@
             <a:fld id="{875CF0EB-321F-0749-B37A-89BBA859503C}" type="datetimeFigureOut">
               <a:rPr lang="en-US" smtClean="0"/>
               <a:pPr/>
-              <a:t>2/28/20</a:t>
+              <a:t>3/4/20</a:t>
             </a:fld>
             <a:endParaRPr lang="en-US" dirty="0"/>
           </a:p>
@@ -2909,7 +2910,7 @@
             <a:fld id="{875CF0EB-321F-0749-B37A-89BBA859503C}" type="datetimeFigureOut">
               <a:rPr lang="en-US" smtClean="0"/>
               <a:pPr/>
-              <a:t>2/28/20</a:t>
+              <a:t>3/4/20</a:t>
             </a:fld>
             <a:endParaRPr lang="en-US" dirty="0"/>
           </a:p>
@@ -3228,7 +3229,7 @@
             <a:fld id="{875CF0EB-321F-0749-B37A-89BBA859503C}" type="datetimeFigureOut">
               <a:rPr lang="en-US" smtClean="0"/>
               <a:pPr/>
-              <a:t>2/28/20</a:t>
+              <a:t>3/4/20</a:t>
             </a:fld>
             <a:endParaRPr lang="en-US" dirty="0"/>
           </a:p>
@@ -3524,7 +3525,7 @@
             <a:fld id="{875CF0EB-321F-0749-B37A-89BBA859503C}" type="datetimeFigureOut">
               <a:rPr lang="en-US" smtClean="0"/>
               <a:pPr/>
-              <a:t>2/28/20</a:t>
+              <a:t>3/4/20</a:t>
             </a:fld>
             <a:endParaRPr lang="en-US" dirty="0"/>
           </a:p>
@@ -3751,14 +3752,14 @@
           </a:ln>
           <a:extLst>
             <a:ext uri="{909E8E84-426E-40dd-AFC4-6F175D3DCCD1}">
-              <a14:hiddenFill xmlns="" xmlns:a14="http://schemas.microsoft.com/office/drawing/2010/main">
+              <a14:hiddenFill xmlns:a14="http://schemas.microsoft.com/office/drawing/2010/main" xmlns="">
                 <a:solidFill>
                   <a:srgbClr val="FFFFFF"/>
                 </a:solidFill>
               </a14:hiddenFill>
             </a:ext>
             <a:ext uri="{91240B29-F687-4f45-9708-019B960494DF}">
-              <a14:hiddenLine xmlns="" xmlns:a14="http://schemas.microsoft.com/office/drawing/2010/main" w="9525">
+              <a14:hiddenLine xmlns:a14="http://schemas.microsoft.com/office/drawing/2010/main" xmlns="" w="9525">
                 <a:solidFill>
                   <a:srgbClr val="000000"/>
                 </a:solidFill>
@@ -4312,14 +4313,14 @@
           <a:noFill/>
           <a:extLst>
             <a:ext uri="{909E8E84-426E-40dd-AFC4-6F175D3DCCD1}">
-              <a14:hiddenFill xmlns="" xmlns:a14="http://schemas.microsoft.com/office/drawing/2010/main">
+              <a14:hiddenFill xmlns:a14="http://schemas.microsoft.com/office/drawing/2010/main" xmlns="">
                 <a:solidFill>
                   <a:srgbClr val="FFFFFF"/>
                 </a:solidFill>
               </a14:hiddenFill>
             </a:ext>
             <a:ext uri="{91240B29-F687-4f45-9708-019B960494DF}">
-              <a14:hiddenLine xmlns="" xmlns:a14="http://schemas.microsoft.com/office/drawing/2010/main" w="9525">
+              <a14:hiddenLine xmlns:a14="http://schemas.microsoft.com/office/drawing/2010/main" xmlns="" w="9525">
                 <a:solidFill>
                   <a:srgbClr val="000000"/>
                 </a:solidFill>
@@ -4404,14 +4405,14 @@
           <a:noFill/>
           <a:extLst>
             <a:ext uri="{909E8E84-426E-40dd-AFC4-6F175D3DCCD1}">
-              <a14:hiddenFill xmlns="" xmlns:a14="http://schemas.microsoft.com/office/drawing/2010/main">
+              <a14:hiddenFill xmlns:a14="http://schemas.microsoft.com/office/drawing/2010/main" xmlns="">
                 <a:solidFill>
                   <a:srgbClr val="FFFFFF"/>
                 </a:solidFill>
               </a14:hiddenFill>
             </a:ext>
             <a:ext uri="{91240B29-F687-4f45-9708-019B960494DF}">
-              <a14:hiddenLine xmlns="" xmlns:a14="http://schemas.microsoft.com/office/drawing/2010/main" w="9525">
+              <a14:hiddenLine xmlns:a14="http://schemas.microsoft.com/office/drawing/2010/main" xmlns="" w="9525">
                 <a:solidFill>
                   <a:srgbClr val="000000"/>
                 </a:solidFill>
@@ -6184,14 +6185,14 @@
           <a:noFill/>
           <a:extLst>
             <a:ext uri="{909E8E84-426E-40dd-AFC4-6F175D3DCCD1}">
-              <a14:hiddenFill xmlns="" xmlns:a14="http://schemas.microsoft.com/office/drawing/2010/main">
+              <a14:hiddenFill xmlns:a14="http://schemas.microsoft.com/office/drawing/2010/main" xmlns="">
                 <a:solidFill>
                   <a:srgbClr val="FFFFFF"/>
                 </a:solidFill>
               </a14:hiddenFill>
             </a:ext>
             <a:ext uri="{91240B29-F687-4f45-9708-019B960494DF}">
-              <a14:hiddenLine xmlns="" xmlns:a14="http://schemas.microsoft.com/office/drawing/2010/main" w="9525">
+              <a14:hiddenLine xmlns:a14="http://schemas.microsoft.com/office/drawing/2010/main" xmlns="" w="9525">
                 <a:solidFill>
                   <a:srgbClr val="000000"/>
                 </a:solidFill>
@@ -6235,14 +6236,14 @@
           <a:noFill/>
           <a:extLst>
             <a:ext uri="{909E8E84-426E-40dd-AFC4-6F175D3DCCD1}">
-              <a14:hiddenFill xmlns="" xmlns:a14="http://schemas.microsoft.com/office/drawing/2010/main">
+              <a14:hiddenFill xmlns:a14="http://schemas.microsoft.com/office/drawing/2010/main" xmlns="">
                 <a:solidFill>
                   <a:srgbClr val="FFFFFF"/>
                 </a:solidFill>
               </a14:hiddenFill>
             </a:ext>
             <a:ext uri="{91240B29-F687-4f45-9708-019B960494DF}">
-              <a14:hiddenLine xmlns="" xmlns:a14="http://schemas.microsoft.com/office/drawing/2010/main" w="9525">
+              <a14:hiddenLine xmlns:a14="http://schemas.microsoft.com/office/drawing/2010/main" xmlns="" w="9525">
                 <a:solidFill>
                   <a:srgbClr val="000000"/>
                 </a:solidFill>
@@ -6374,6 +6375,106 @@
     <p:extLst>
       <p:ext uri="{BB962C8B-B14F-4D97-AF65-F5344CB8AC3E}">
         <p14:creationId xmlns:p14="http://schemas.microsoft.com/office/powerpoint/2010/main" val="2985350885"/>
+      </p:ext>
+    </p:extLst>
+  </p:cSld>
+  <p:clrMapOvr>
+    <a:masterClrMapping/>
+  </p:clrMapOvr>
+</p:sld>
+</file>
+
+<file path=ppt/slides/slide20.xml><?xml version="1.0" encoding="utf-8"?>
+<p:sld xmlns:a="http://schemas.openxmlformats.org/drawingml/2006/main" xmlns:r="http://schemas.openxmlformats.org/officeDocument/2006/relationships" xmlns:p="http://schemas.openxmlformats.org/presentationml/2006/main">
+  <p:cSld>
+    <p:spTree>
+      <p:nvGrpSpPr>
+        <p:cNvPr id="1" name=""/>
+        <p:cNvGrpSpPr/>
+        <p:nvPr/>
+      </p:nvGrpSpPr>
+      <p:grpSpPr>
+        <a:xfrm>
+          <a:off x="0" y="0"/>
+          <a:ext cx="0" cy="0"/>
+          <a:chOff x="0" y="0"/>
+          <a:chExt cx="0" cy="0"/>
+        </a:xfrm>
+      </p:grpSpPr>
+      <p:sp>
+        <p:nvSpPr>
+          <p:cNvPr id="2" name="Title 1">
+            <a:extLst>
+              <a:ext uri="{FF2B5EF4-FFF2-40B4-BE49-F238E27FC236}">
+                <a16:creationId xmlns:a16="http://schemas.microsoft.com/office/drawing/2014/main" id="{D2832EAC-0198-884C-B90B-633B553FF526}"/>
+              </a:ext>
+            </a:extLst>
+          </p:cNvPr>
+          <p:cNvSpPr>
+            <a:spLocks noGrp="1"/>
+          </p:cNvSpPr>
+          <p:nvPr>
+            <p:ph type="title"/>
+          </p:nvPr>
+        </p:nvSpPr>
+        <p:spPr/>
+        <p:txBody>
+          <a:bodyPr/>
+          <a:lstStyle/>
+          <a:p>
+            <a:r>
+              <a:rPr lang="en-US" dirty="0"/>
+              <a:t>Pandas vs </a:t>
+            </a:r>
+            <a:r>
+              <a:rPr lang="en-US" dirty="0" err="1"/>
+              <a:t>Pyspark</a:t>
+            </a:r>
+            <a:endParaRPr lang="en-US" dirty="0"/>
+          </a:p>
+        </p:txBody>
+      </p:sp>
+      <p:sp>
+        <p:nvSpPr>
+          <p:cNvPr id="3" name="Content Placeholder 2">
+            <a:extLst>
+              <a:ext uri="{FF2B5EF4-FFF2-40B4-BE49-F238E27FC236}">
+                <a16:creationId xmlns:a16="http://schemas.microsoft.com/office/drawing/2014/main" id="{A94AD67C-2899-3548-92FD-C4AAF8C6A495}"/>
+              </a:ext>
+            </a:extLst>
+          </p:cNvPr>
+          <p:cNvSpPr>
+            <a:spLocks noGrp="1"/>
+          </p:cNvSpPr>
+          <p:nvPr>
+            <p:ph idx="1"/>
+          </p:nvPr>
+        </p:nvSpPr>
+        <p:spPr/>
+        <p:txBody>
+          <a:bodyPr/>
+          <a:lstStyle/>
+          <a:p>
+            <a:r>
+              <a:rPr lang="en-GB" dirty="0">
+                <a:hlinkClick r:id="rId2"/>
+              </a:rPr>
+              <a:t>https://databricks.com/blog/2018/05/03/benchmarking-apache-spark-on-a-single-node-</a:t>
+            </a:r>
+            <a:r>
+              <a:rPr lang="en-GB">
+                <a:hlinkClick r:id="rId2"/>
+              </a:rPr>
+              <a:t>machine.html</a:t>
+            </a:r>
+            <a:endParaRPr lang="en-US"/>
+          </a:p>
+        </p:txBody>
+      </p:sp>
+    </p:spTree>
+    <p:extLst>
+      <p:ext uri="{BB962C8B-B14F-4D97-AF65-F5344CB8AC3E}">
+        <p14:creationId xmlns:p14="http://schemas.microsoft.com/office/powerpoint/2010/main" val="1635308487"/>
       </p:ext>
     </p:extLst>
   </p:cSld>
